--- a/source/images/NewIoTPDocs/tuya.pptx
+++ b/source/images/NewIoTPDocs/tuya.pptx
@@ -5,11 +5,10 @@
     <p:sldMasterId id="2147483648" r:id="rId1"/>
   </p:sldMasterIdLst>
   <p:notesMasterIdLst>
-    <p:notesMasterId r:id="rId4"/>
+    <p:notesMasterId r:id="rId3"/>
   </p:notesMasterIdLst>
   <p:sldIdLst>
-    <p:sldId id="257" r:id="rId2"/>
-    <p:sldId id="258" r:id="rId3"/>
+    <p:sldId id="258" r:id="rId2"/>
   </p:sldIdLst>
   <p:sldSz cx="12192000" cy="6858000"/>
   <p:notesSz cx="6858000" cy="9144000"/>
@@ -198,7 +197,7 @@
           <a:p>
             <a:fld id="{CDCE2D2D-CB73-0A4D-BA0C-64DDB6356D6A}" type="datetimeFigureOut">
               <a:rPr lang="en-US" smtClean="0"/>
-              <a:t>12/27/17</a:t>
+              <a:t>12/28/17</a:t>
             </a:fld>
             <a:endParaRPr lang="en-US"/>
           </a:p>
@@ -466,90 +465,6 @@
 </p:notesMaster>
 </file>
 
-<file path=ppt/notesSlides/notesSlide1.xml><?xml version="1.0" encoding="utf-8"?>
-<p:notes xmlns:a="http://schemas.openxmlformats.org/drawingml/2006/main" xmlns:r="http://schemas.openxmlformats.org/officeDocument/2006/relationships" xmlns:p="http://schemas.openxmlformats.org/presentationml/2006/main">
-  <p:cSld>
-    <p:spTree>
-      <p:nvGrpSpPr>
-        <p:cNvPr id="1" name=""/>
-        <p:cNvGrpSpPr/>
-        <p:nvPr/>
-      </p:nvGrpSpPr>
-      <p:grpSpPr>
-        <a:xfrm>
-          <a:off x="0" y="0"/>
-          <a:ext cx="0" cy="0"/>
-          <a:chOff x="0" y="0"/>
-          <a:chExt cx="0" cy="0"/>
-        </a:xfrm>
-      </p:grpSpPr>
-      <p:sp>
-        <p:nvSpPr>
-          <p:cNvPr id="2" name="Slide Image Placeholder 1"/>
-          <p:cNvSpPr>
-            <a:spLocks noGrp="1" noRot="1" noChangeAspect="1"/>
-          </p:cNvSpPr>
-          <p:nvPr>
-            <p:ph type="sldImg"/>
-          </p:nvPr>
-        </p:nvSpPr>
-        <p:spPr/>
-      </p:sp>
-      <p:sp>
-        <p:nvSpPr>
-          <p:cNvPr id="3" name="Notes Placeholder 2"/>
-          <p:cNvSpPr>
-            <a:spLocks noGrp="1"/>
-          </p:cNvSpPr>
-          <p:nvPr>
-            <p:ph type="body" idx="1"/>
-          </p:nvPr>
-        </p:nvSpPr>
-        <p:spPr/>
-        <p:txBody>
-          <a:bodyPr/>
-          <a:lstStyle/>
-          <a:p>
-            <a:endParaRPr lang="en-US" dirty="0"/>
-          </a:p>
-        </p:txBody>
-      </p:sp>
-      <p:sp>
-        <p:nvSpPr>
-          <p:cNvPr id="4" name="Slide Number Placeholder 3"/>
-          <p:cNvSpPr>
-            <a:spLocks noGrp="1"/>
-          </p:cNvSpPr>
-          <p:nvPr>
-            <p:ph type="sldNum" sz="quarter" idx="10"/>
-          </p:nvPr>
-        </p:nvSpPr>
-        <p:spPr/>
-        <p:txBody>
-          <a:bodyPr/>
-          <a:lstStyle/>
-          <a:p>
-            <a:fld id="{AED1FAA7-5318-D344-88B7-3997D44E10C5}" type="slidenum">
-              <a:rPr lang="en-US" smtClean="0"/>
-              <a:t>1</a:t>
-            </a:fld>
-            <a:endParaRPr lang="en-US"/>
-          </a:p>
-        </p:txBody>
-      </p:sp>
-    </p:spTree>
-    <p:extLst>
-      <p:ext uri="{BB962C8B-B14F-4D97-AF65-F5344CB8AC3E}">
-        <p14:creationId xmlns:p14="http://schemas.microsoft.com/office/powerpoint/2010/main" val="1105502727"/>
-      </p:ext>
-    </p:extLst>
-  </p:cSld>
-  <p:clrMapOvr>
-    <a:masterClrMapping/>
-  </p:clrMapOvr>
-</p:notes>
-</file>
-
 <file path=ppt/slideLayouts/slideLayout1.xml><?xml version="1.0" encoding="utf-8"?>
 <p:sldLayout xmlns:a="http://schemas.openxmlformats.org/drawingml/2006/main" xmlns:r="http://schemas.openxmlformats.org/officeDocument/2006/relationships" xmlns:p="http://schemas.openxmlformats.org/presentationml/2006/main" type="title" preserve="1">
   <p:cSld name="Title Slide">
@@ -681,7 +596,7 @@
           <a:p>
             <a:fld id="{327A204B-922A-AC4D-B4FC-BAFA0990F07C}" type="datetimeFigureOut">
               <a:rPr lang="en-US" smtClean="0"/>
-              <a:t>12/27/17</a:t>
+              <a:t>12/28/17</a:t>
             </a:fld>
             <a:endParaRPr lang="en-US"/>
           </a:p>
@@ -851,7 +766,7 @@
           <a:p>
             <a:fld id="{327A204B-922A-AC4D-B4FC-BAFA0990F07C}" type="datetimeFigureOut">
               <a:rPr lang="en-US" smtClean="0"/>
-              <a:t>12/27/17</a:t>
+              <a:t>12/28/17</a:t>
             </a:fld>
             <a:endParaRPr lang="en-US"/>
           </a:p>
@@ -1031,7 +946,7 @@
           <a:p>
             <a:fld id="{327A204B-922A-AC4D-B4FC-BAFA0990F07C}" type="datetimeFigureOut">
               <a:rPr lang="en-US" smtClean="0"/>
-              <a:t>12/27/17</a:t>
+              <a:t>12/28/17</a:t>
             </a:fld>
             <a:endParaRPr lang="en-US"/>
           </a:p>
@@ -1201,7 +1116,7 @@
           <a:p>
             <a:fld id="{327A204B-922A-AC4D-B4FC-BAFA0990F07C}" type="datetimeFigureOut">
               <a:rPr lang="en-US" smtClean="0"/>
-              <a:t>12/27/17</a:t>
+              <a:t>12/28/17</a:t>
             </a:fld>
             <a:endParaRPr lang="en-US"/>
           </a:p>
@@ -1447,7 +1362,7 @@
           <a:p>
             <a:fld id="{327A204B-922A-AC4D-B4FC-BAFA0990F07C}" type="datetimeFigureOut">
               <a:rPr lang="en-US" smtClean="0"/>
-              <a:t>12/27/17</a:t>
+              <a:t>12/28/17</a:t>
             </a:fld>
             <a:endParaRPr lang="en-US"/>
           </a:p>
@@ -1679,7 +1594,7 @@
           <a:p>
             <a:fld id="{327A204B-922A-AC4D-B4FC-BAFA0990F07C}" type="datetimeFigureOut">
               <a:rPr lang="en-US" smtClean="0"/>
-              <a:t>12/27/17</a:t>
+              <a:t>12/28/17</a:t>
             </a:fld>
             <a:endParaRPr lang="en-US"/>
           </a:p>
@@ -2046,7 +1961,7 @@
           <a:p>
             <a:fld id="{327A204B-922A-AC4D-B4FC-BAFA0990F07C}" type="datetimeFigureOut">
               <a:rPr lang="en-US" smtClean="0"/>
-              <a:t>12/27/17</a:t>
+              <a:t>12/28/17</a:t>
             </a:fld>
             <a:endParaRPr lang="en-US"/>
           </a:p>
@@ -2164,7 +2079,7 @@
           <a:p>
             <a:fld id="{327A204B-922A-AC4D-B4FC-BAFA0990F07C}" type="datetimeFigureOut">
               <a:rPr lang="en-US" smtClean="0"/>
-              <a:t>12/27/17</a:t>
+              <a:t>12/28/17</a:t>
             </a:fld>
             <a:endParaRPr lang="en-US"/>
           </a:p>
@@ -2259,7 +2174,7 @@
           <a:p>
             <a:fld id="{327A204B-922A-AC4D-B4FC-BAFA0990F07C}" type="datetimeFigureOut">
               <a:rPr lang="en-US" smtClean="0"/>
-              <a:t>12/27/17</a:t>
+              <a:t>12/28/17</a:t>
             </a:fld>
             <a:endParaRPr lang="en-US"/>
           </a:p>
@@ -2536,7 +2451,7 @@
           <a:p>
             <a:fld id="{327A204B-922A-AC4D-B4FC-BAFA0990F07C}" type="datetimeFigureOut">
               <a:rPr lang="en-US" smtClean="0"/>
-              <a:t>12/27/17</a:t>
+              <a:t>12/28/17</a:t>
             </a:fld>
             <a:endParaRPr lang="en-US"/>
           </a:p>
@@ -2789,7 +2704,7 @@
           <a:p>
             <a:fld id="{327A204B-922A-AC4D-B4FC-BAFA0990F07C}" type="datetimeFigureOut">
               <a:rPr lang="en-US" smtClean="0"/>
-              <a:t>12/27/17</a:t>
+              <a:t>12/28/17</a:t>
             </a:fld>
             <a:endParaRPr lang="en-US"/>
           </a:p>
@@ -3002,7 +2917,7 @@
           <a:p>
             <a:fld id="{327A204B-922A-AC4D-B4FC-BAFA0990F07C}" type="datetimeFigureOut">
               <a:rPr lang="en-US" smtClean="0"/>
-              <a:t>12/27/17</a:t>
+              <a:t>12/28/17</a:t>
             </a:fld>
             <a:endParaRPr lang="en-US"/>
           </a:p>
@@ -3409,4370 +3324,6 @@
       </p:grpSpPr>
       <p:sp>
         <p:nvSpPr>
-          <p:cNvPr id="5" name="Rounded Rectangle 4"/>
-          <p:cNvSpPr/>
-          <p:nvPr/>
-        </p:nvSpPr>
-        <p:spPr>
-          <a:xfrm>
-            <a:off x="2859033" y="1100138"/>
-            <a:ext cx="7612321" cy="5187433"/>
-          </a:xfrm>
-          <a:prstGeom prst="roundRect">
-            <a:avLst>
-              <a:gd name="adj" fmla="val 3207"/>
-            </a:avLst>
-          </a:prstGeom>
-          <a:solidFill>
-            <a:schemeClr val="accent4"/>
-          </a:solidFill>
-          <a:ln w="9525" cap="flat" cmpd="sng" algn="ctr">
-            <a:solidFill>
-              <a:srgbClr val="004266"/>
-            </a:solidFill>
-            <a:prstDash val="solid"/>
-          </a:ln>
-          <a:effectLst/>
-        </p:spPr>
-        <p:txBody>
-          <a:bodyPr rtlCol="0" anchor="t"/>
-          <a:lstStyle/>
-          <a:p>
-            <a:pPr algn="ctr" defTabSz="914377" eaLnBrk="0" fontAlgn="base">
-              <a:spcBef>
-                <a:spcPct val="0"/>
-              </a:spcBef>
-              <a:spcAft>
-                <a:spcPct val="0"/>
-              </a:spcAft>
-              <a:defRPr/>
-            </a:pPr>
-            <a:endParaRPr lang="en-US" sz="2000" dirty="0">
-              <a:solidFill>
-                <a:srgbClr val="004266"/>
-              </a:solidFill>
-              <a:latin typeface="Monaco" charset="0"/>
-              <a:ea typeface="Monaco" charset="0"/>
-              <a:cs typeface="Monaco" charset="0"/>
-            </a:endParaRPr>
-          </a:p>
-        </p:txBody>
-      </p:sp>
-      <p:sp>
-        <p:nvSpPr>
-          <p:cNvPr id="11" name="Can 10"/>
-          <p:cNvSpPr/>
-          <p:nvPr/>
-        </p:nvSpPr>
-        <p:spPr>
-          <a:xfrm rot="16200000">
-            <a:off x="6613836" y="1472237"/>
-            <a:ext cx="437142" cy="5243853"/>
-          </a:xfrm>
-          <a:prstGeom prst="can">
-            <a:avLst>
-              <a:gd name="adj" fmla="val 22644"/>
-            </a:avLst>
-          </a:prstGeom>
-          <a:solidFill>
-            <a:srgbClr val="6BC72B">
-              <a:lumMod val="40000"/>
-              <a:lumOff val="60000"/>
-            </a:srgbClr>
-          </a:solidFill>
-          <a:ln w="9525" cap="flat" cmpd="sng" algn="ctr">
-            <a:solidFill>
-              <a:srgbClr val="004266"/>
-            </a:solidFill>
-            <a:prstDash val="solid"/>
-          </a:ln>
-          <a:effectLst/>
-        </p:spPr>
-        <p:txBody>
-          <a:bodyPr rot="0" spcFirstLastPara="0" vertOverflow="overflow" horzOverflow="overflow" vert="vert" wrap="square" lIns="109728" tIns="86400" rIns="109728" bIns="54864" numCol="1" spcCol="0" rtlCol="0" fromWordArt="0" anchor="ctr" anchorCtr="0" forceAA="0" compatLnSpc="1">
-            <a:prstTxWarp prst="textNoShape">
-              <a:avLst/>
-            </a:prstTxWarp>
-            <a:noAutofit/>
-          </a:bodyPr>
-          <a:lstStyle/>
-          <a:p>
-            <a:pPr algn="ctr" defTabSz="914377" eaLnBrk="0" fontAlgn="base">
-              <a:spcBef>
-                <a:spcPct val="0"/>
-              </a:spcBef>
-              <a:spcAft>
-                <a:spcPct val="0"/>
-              </a:spcAft>
-              <a:defRPr/>
-            </a:pPr>
-            <a:r>
-              <a:rPr lang="en-US" sz="1000" dirty="0" smtClean="0">
-                <a:solidFill>
-                  <a:srgbClr val="004266"/>
-                </a:solidFill>
-                <a:latin typeface="Monaco" charset="0"/>
-                <a:ea typeface="Monaco" charset="0"/>
-                <a:cs typeface="Monaco" charset="0"/>
-              </a:rPr>
-              <a:t>Message Hub (Kafka)</a:t>
-            </a:r>
-            <a:endParaRPr lang="en-US" sz="1000" dirty="0">
-              <a:solidFill>
-                <a:srgbClr val="004266"/>
-              </a:solidFill>
-              <a:latin typeface="Monaco" charset="0"/>
-              <a:ea typeface="Monaco" charset="0"/>
-              <a:cs typeface="Monaco" charset="0"/>
-            </a:endParaRPr>
-          </a:p>
-        </p:txBody>
-      </p:sp>
-      <p:sp>
-        <p:nvSpPr>
-          <p:cNvPr id="20" name="Rounded Rectangle 19"/>
-          <p:cNvSpPr/>
-          <p:nvPr/>
-        </p:nvSpPr>
-        <p:spPr>
-          <a:xfrm>
-            <a:off x="1575003" y="3121874"/>
-            <a:ext cx="869758" cy="1034360"/>
-          </a:xfrm>
-          <a:prstGeom prst="roundRect">
-            <a:avLst/>
-          </a:prstGeom>
-          <a:pattFill prst="wdDnDiag">
-            <a:fgClr>
-              <a:srgbClr val="003756">
-                <a:lumMod val="10000"/>
-                <a:lumOff val="90000"/>
-              </a:srgbClr>
-            </a:fgClr>
-            <a:bgClr>
-              <a:srgbClr val="FFFFFF"/>
-            </a:bgClr>
-          </a:pattFill>
-          <a:ln w="9525" cap="flat" cmpd="sng" algn="ctr">
-            <a:solidFill>
-              <a:srgbClr val="004266"/>
-            </a:solidFill>
-            <a:prstDash val="solid"/>
-          </a:ln>
-          <a:effectLst/>
-        </p:spPr>
-        <p:txBody>
-          <a:bodyPr rtlCol="0" anchor="t"/>
-          <a:lstStyle/>
-          <a:p>
-            <a:pPr algn="ctr" defTabSz="914377" eaLnBrk="0" fontAlgn="base">
-              <a:spcBef>
-                <a:spcPct val="0"/>
-              </a:spcBef>
-              <a:spcAft>
-                <a:spcPct val="0"/>
-              </a:spcAft>
-              <a:defRPr/>
-            </a:pPr>
-            <a:r>
-              <a:rPr lang="en-US" sz="1100" dirty="0">
-                <a:solidFill>
-                  <a:srgbClr val="004266"/>
-                </a:solidFill>
-                <a:latin typeface="Monaco" charset="0"/>
-                <a:ea typeface="Monaco" charset="0"/>
-                <a:cs typeface="Monaco" charset="0"/>
-              </a:rPr>
-              <a:t>Gateway</a:t>
-            </a:r>
-            <a:br>
-              <a:rPr lang="en-US" sz="1100" dirty="0">
-                <a:solidFill>
-                  <a:srgbClr val="004266"/>
-                </a:solidFill>
-                <a:latin typeface="Monaco" charset="0"/>
-                <a:ea typeface="Monaco" charset="0"/>
-                <a:cs typeface="Monaco" charset="0"/>
-              </a:rPr>
-            </a:br>
-            <a:r>
-              <a:rPr lang="en-US" sz="1100" dirty="0">
-                <a:solidFill>
-                  <a:srgbClr val="004266"/>
-                </a:solidFill>
-                <a:latin typeface="Monaco" charset="0"/>
-                <a:ea typeface="Monaco" charset="0"/>
-                <a:cs typeface="Monaco" charset="0"/>
-              </a:rPr>
-              <a:t>&amp; Edge Analytics Agent</a:t>
-            </a:r>
-          </a:p>
-        </p:txBody>
-      </p:sp>
-      <p:cxnSp>
-        <p:nvCxnSpPr>
-          <p:cNvPr id="21" name="Straight Arrow Connector 20"/>
-          <p:cNvCxnSpPr>
-            <a:stCxn id="20" idx="3"/>
-            <a:endCxn id="55" idx="1"/>
-          </p:cNvCxnSpPr>
-          <p:nvPr/>
-        </p:nvCxnSpPr>
-        <p:spPr>
-          <a:xfrm>
-            <a:off x="2444761" y="3639054"/>
-            <a:ext cx="746190" cy="123598"/>
-          </a:xfrm>
-          <a:prstGeom prst="straightConnector1">
-            <a:avLst/>
-          </a:prstGeom>
-          <a:noFill/>
-          <a:ln w="19050" cap="flat" cmpd="sng" algn="ctr">
-            <a:solidFill>
-              <a:srgbClr val="00B2F2">
-                <a:lumMod val="50000"/>
-              </a:srgbClr>
-            </a:solidFill>
-            <a:prstDash val="solid"/>
-            <a:headEnd type="arrow"/>
-            <a:tailEnd type="arrow"/>
-          </a:ln>
-          <a:effectLst/>
-        </p:spPr>
-      </p:cxnSp>
-      <p:sp>
-        <p:nvSpPr>
-          <p:cNvPr id="24" name="Rounded Rectangle 23"/>
-          <p:cNvSpPr/>
-          <p:nvPr/>
-        </p:nvSpPr>
-        <p:spPr>
-          <a:xfrm>
-            <a:off x="142875" y="2129342"/>
-            <a:ext cx="1098780" cy="661537"/>
-          </a:xfrm>
-          <a:prstGeom prst="roundRect">
-            <a:avLst/>
-          </a:prstGeom>
-          <a:solidFill>
-            <a:srgbClr val="FFFFFF">
-              <a:lumMod val="95000"/>
-            </a:srgbClr>
-          </a:solidFill>
-          <a:ln w="9525" cap="flat" cmpd="sng" algn="ctr">
-            <a:solidFill>
-              <a:srgbClr val="004266"/>
-            </a:solidFill>
-            <a:prstDash val="dash"/>
-          </a:ln>
-          <a:effectLst/>
-        </p:spPr>
-        <p:txBody>
-          <a:bodyPr rtlCol="0" anchor="ctr" anchorCtr="1"/>
-          <a:lstStyle/>
-          <a:p>
-            <a:pPr algn="ctr" defTabSz="914377" eaLnBrk="0" fontAlgn="base">
-              <a:spcBef>
-                <a:spcPct val="0"/>
-              </a:spcBef>
-              <a:spcAft>
-                <a:spcPct val="0"/>
-              </a:spcAft>
-              <a:defRPr/>
-            </a:pPr>
-            <a:r>
-              <a:rPr lang="en-US" sz="1000" dirty="0">
-                <a:solidFill>
-                  <a:srgbClr val="004266"/>
-                </a:solidFill>
-                <a:latin typeface="Monaco" charset="0"/>
-                <a:ea typeface="Monaco" charset="0"/>
-                <a:cs typeface="Monaco" charset="0"/>
-              </a:rPr>
-              <a:t>Application</a:t>
-            </a:r>
-          </a:p>
-        </p:txBody>
-      </p:sp>
-      <p:cxnSp>
-        <p:nvCxnSpPr>
-          <p:cNvPr id="26" name="Straight Arrow Connector 25"/>
-          <p:cNvCxnSpPr>
-            <a:stCxn id="24" idx="3"/>
-          </p:cNvCxnSpPr>
-          <p:nvPr/>
-        </p:nvCxnSpPr>
-        <p:spPr>
-          <a:xfrm>
-            <a:off x="1241655" y="2460111"/>
-            <a:ext cx="1950853" cy="202568"/>
-          </a:xfrm>
-          <a:prstGeom prst="straightConnector1">
-            <a:avLst/>
-          </a:prstGeom>
-          <a:noFill/>
-          <a:ln w="19050" cap="flat" cmpd="sng" algn="ctr">
-            <a:solidFill>
-              <a:srgbClr val="00B2F2">
-                <a:lumMod val="50000"/>
-              </a:srgbClr>
-            </a:solidFill>
-            <a:prstDash val="solid"/>
-            <a:headEnd type="arrow"/>
-            <a:tailEnd type="arrow"/>
-          </a:ln>
-          <a:effectLst/>
-        </p:spPr>
-      </p:cxnSp>
-      <p:cxnSp>
-        <p:nvCxnSpPr>
-          <p:cNvPr id="28" name="Straight Arrow Connector 27"/>
-          <p:cNvCxnSpPr>
-            <a:stCxn id="33" idx="3"/>
-            <a:endCxn id="20" idx="1"/>
-          </p:cNvCxnSpPr>
-          <p:nvPr/>
-        </p:nvCxnSpPr>
-        <p:spPr>
-          <a:xfrm>
-            <a:off x="1076616" y="3316957"/>
-            <a:ext cx="498387" cy="322097"/>
-          </a:xfrm>
-          <a:prstGeom prst="straightConnector1">
-            <a:avLst/>
-          </a:prstGeom>
-          <a:noFill/>
-          <a:ln w="19050" cap="flat" cmpd="sng" algn="ctr">
-            <a:solidFill>
-              <a:srgbClr val="00B2F2">
-                <a:lumMod val="50000"/>
-              </a:srgbClr>
-            </a:solidFill>
-            <a:prstDash val="solid"/>
-            <a:headEnd type="arrow"/>
-            <a:tailEnd type="arrow"/>
-          </a:ln>
-          <a:effectLst/>
-        </p:spPr>
-      </p:cxnSp>
-      <p:cxnSp>
-        <p:nvCxnSpPr>
-          <p:cNvPr id="29" name="Straight Arrow Connector 28"/>
-          <p:cNvCxnSpPr>
-            <a:stCxn id="92" idx="3"/>
-            <a:endCxn id="20" idx="1"/>
-          </p:cNvCxnSpPr>
-          <p:nvPr/>
-        </p:nvCxnSpPr>
-        <p:spPr>
-          <a:xfrm flipV="1">
-            <a:off x="1048248" y="3639054"/>
-            <a:ext cx="526755" cy="294892"/>
-          </a:xfrm>
-          <a:prstGeom prst="straightConnector1">
-            <a:avLst/>
-          </a:prstGeom>
-          <a:noFill/>
-          <a:ln w="19050" cap="flat" cmpd="sng" algn="ctr">
-            <a:solidFill>
-              <a:srgbClr val="00B2F2">
-                <a:lumMod val="50000"/>
-              </a:srgbClr>
-            </a:solidFill>
-            <a:prstDash val="solid"/>
-            <a:headEnd type="arrow"/>
-            <a:tailEnd type="arrow"/>
-          </a:ln>
-          <a:effectLst/>
-        </p:spPr>
-      </p:cxnSp>
-      <p:cxnSp>
-        <p:nvCxnSpPr>
-          <p:cNvPr id="31" name="Straight Connector 30"/>
-          <p:cNvCxnSpPr/>
-          <p:nvPr/>
-        </p:nvCxnSpPr>
-        <p:spPr>
-          <a:xfrm>
-            <a:off x="2604907" y="2129891"/>
-            <a:ext cx="0" cy="3556876"/>
-          </a:xfrm>
-          <a:prstGeom prst="line">
-            <a:avLst/>
-          </a:prstGeom>
-          <a:noFill/>
-          <a:ln w="25400" cap="flat" cmpd="sng" algn="ctr">
-            <a:solidFill>
-              <a:srgbClr val="00B2F2">
-                <a:lumMod val="50000"/>
-              </a:srgbClr>
-            </a:solidFill>
-            <a:prstDash val="dash"/>
-          </a:ln>
-          <a:effectLst/>
-        </p:spPr>
-      </p:cxnSp>
-      <p:sp>
-        <p:nvSpPr>
-          <p:cNvPr id="33" name="Rounded Rectangle 32"/>
-          <p:cNvSpPr/>
-          <p:nvPr/>
-        </p:nvSpPr>
-        <p:spPr>
-          <a:xfrm>
-            <a:off x="171244" y="3175841"/>
-            <a:ext cx="905372" cy="282231"/>
-          </a:xfrm>
-          <a:prstGeom prst="roundRect">
-            <a:avLst/>
-          </a:prstGeom>
-          <a:solidFill>
-            <a:srgbClr val="FFFFFF">
-              <a:lumMod val="95000"/>
-            </a:srgbClr>
-          </a:solidFill>
-          <a:ln w="9525" cap="flat" cmpd="sng" algn="ctr">
-            <a:solidFill>
-              <a:srgbClr val="004266"/>
-            </a:solidFill>
-            <a:prstDash val="solid"/>
-          </a:ln>
-          <a:effectLst/>
-        </p:spPr>
-        <p:txBody>
-          <a:bodyPr rtlCol="0" anchor="b"/>
-          <a:lstStyle/>
-          <a:p>
-            <a:pPr algn="ctr" defTabSz="914377" eaLnBrk="0" fontAlgn="base">
-              <a:spcBef>
-                <a:spcPct val="0"/>
-              </a:spcBef>
-              <a:spcAft>
-                <a:spcPct val="0"/>
-              </a:spcAft>
-              <a:defRPr/>
-            </a:pPr>
-            <a:r>
-              <a:rPr lang="en-US" sz="1200" dirty="0">
-                <a:solidFill>
-                  <a:srgbClr val="004266"/>
-                </a:solidFill>
-                <a:latin typeface="Monaco" charset="0"/>
-                <a:ea typeface="Monaco" charset="0"/>
-                <a:cs typeface="Monaco" charset="0"/>
-              </a:rPr>
-              <a:t>Device</a:t>
-            </a:r>
-          </a:p>
-        </p:txBody>
-      </p:sp>
-      <p:cxnSp>
-        <p:nvCxnSpPr>
-          <p:cNvPr id="38" name="Straight Arrow Connector 37"/>
-          <p:cNvCxnSpPr>
-            <a:stCxn id="93" idx="3"/>
-          </p:cNvCxnSpPr>
-          <p:nvPr/>
-        </p:nvCxnSpPr>
-        <p:spPr>
-          <a:xfrm flipV="1">
-            <a:off x="1042692" y="4433717"/>
-            <a:ext cx="2142234" cy="5698"/>
-          </a:xfrm>
-          <a:prstGeom prst="straightConnector1">
-            <a:avLst/>
-          </a:prstGeom>
-          <a:noFill/>
-          <a:ln w="19050" cap="flat" cmpd="sng" algn="ctr">
-            <a:solidFill>
-              <a:srgbClr val="00B2F2">
-                <a:lumMod val="50000"/>
-              </a:srgbClr>
-            </a:solidFill>
-            <a:prstDash val="solid"/>
-            <a:headEnd type="arrow"/>
-            <a:tailEnd type="arrow"/>
-          </a:ln>
-          <a:effectLst/>
-        </p:spPr>
-      </p:cxnSp>
-      <p:sp>
-        <p:nvSpPr>
-          <p:cNvPr id="44" name="Rounded Rectangle 43"/>
-          <p:cNvSpPr/>
-          <p:nvPr/>
-        </p:nvSpPr>
-        <p:spPr>
-          <a:xfrm>
-            <a:off x="8168985" y="4742519"/>
-            <a:ext cx="1871955" cy="1332825"/>
-          </a:xfrm>
-          <a:prstGeom prst="roundRect">
-            <a:avLst>
-              <a:gd name="adj" fmla="val 9237"/>
-            </a:avLst>
-          </a:prstGeom>
-          <a:pattFill prst="pct5">
-            <a:fgClr>
-              <a:schemeClr val="accent1"/>
-            </a:fgClr>
-            <a:bgClr>
-              <a:schemeClr val="bg1"/>
-            </a:bgClr>
-          </a:pattFill>
-          <a:ln w="9525" cap="flat" cmpd="sng" algn="ctr">
-            <a:solidFill>
-              <a:srgbClr val="004266"/>
-            </a:solidFill>
-            <a:prstDash val="solid"/>
-          </a:ln>
-          <a:effectLst/>
-        </p:spPr>
-        <p:txBody>
-          <a:bodyPr rtlCol="0" anchor="t"/>
-          <a:lstStyle/>
-          <a:p>
-            <a:pPr algn="ctr" defTabSz="914377" eaLnBrk="0" fontAlgn="base">
-              <a:spcBef>
-                <a:spcPct val="0"/>
-              </a:spcBef>
-              <a:spcAft>
-                <a:spcPct val="0"/>
-              </a:spcAft>
-              <a:defRPr/>
-            </a:pPr>
-            <a:r>
-              <a:rPr lang="en-US" sz="1200" dirty="0" smtClean="0">
-                <a:solidFill>
-                  <a:srgbClr val="004266"/>
-                </a:solidFill>
-                <a:latin typeface="Monaco" charset="0"/>
-                <a:ea typeface="Monaco" charset="0"/>
-                <a:cs typeface="Monaco" charset="0"/>
-              </a:rPr>
-              <a:t>Device Shadow</a:t>
-            </a:r>
-            <a:endParaRPr lang="en-US" sz="720" dirty="0">
-              <a:solidFill>
-                <a:srgbClr val="004266"/>
-              </a:solidFill>
-              <a:latin typeface="Monaco" charset="0"/>
-              <a:ea typeface="Monaco" charset="0"/>
-              <a:cs typeface="Monaco" charset="0"/>
-            </a:endParaRPr>
-          </a:p>
-        </p:txBody>
-      </p:sp>
-      <p:sp>
-        <p:nvSpPr>
-          <p:cNvPr id="46" name="Can 45"/>
-          <p:cNvSpPr/>
-          <p:nvPr/>
-        </p:nvSpPr>
-        <p:spPr>
-          <a:xfrm>
-            <a:off x="9146178" y="5405255"/>
-            <a:ext cx="773535" cy="414531"/>
-          </a:xfrm>
-          <a:prstGeom prst="can">
-            <a:avLst>
-              <a:gd name="adj" fmla="val 22644"/>
-            </a:avLst>
-          </a:prstGeom>
-          <a:solidFill>
-            <a:srgbClr val="6BC72B">
-              <a:lumMod val="40000"/>
-              <a:lumOff val="60000"/>
-            </a:srgbClr>
-          </a:solidFill>
-          <a:ln w="9525" cap="flat" cmpd="sng" algn="ctr">
-            <a:solidFill>
-              <a:srgbClr val="004266"/>
-            </a:solidFill>
-            <a:prstDash val="solid"/>
-          </a:ln>
-          <a:effectLst/>
-        </p:spPr>
-        <p:txBody>
-          <a:bodyPr rot="0" spcFirstLastPara="0" vertOverflow="overflow" horzOverflow="overflow" vert="horz" wrap="square" lIns="109728" tIns="86400" rIns="109728" bIns="54864" numCol="1" spcCol="0" rtlCol="0" fromWordArt="0" anchor="ctr" anchorCtr="0" forceAA="0" compatLnSpc="1">
-            <a:prstTxWarp prst="textNoShape">
-              <a:avLst/>
-            </a:prstTxWarp>
-            <a:noAutofit/>
-          </a:bodyPr>
-          <a:lstStyle/>
-          <a:p>
-            <a:pPr algn="ctr" defTabSz="914377" eaLnBrk="0" fontAlgn="base">
-              <a:spcBef>
-                <a:spcPct val="0"/>
-              </a:spcBef>
-              <a:spcAft>
-                <a:spcPct val="0"/>
-              </a:spcAft>
-              <a:defRPr/>
-            </a:pPr>
-            <a:r>
-              <a:rPr lang="en-US" sz="720" dirty="0">
-                <a:solidFill>
-                  <a:srgbClr val="004266"/>
-                </a:solidFill>
-                <a:latin typeface="Monaco" charset="0"/>
-                <a:ea typeface="Monaco" charset="0"/>
-                <a:cs typeface="Monaco" charset="0"/>
-              </a:rPr>
-              <a:t>Event &amp;</a:t>
-            </a:r>
-          </a:p>
-          <a:p>
-            <a:pPr algn="ctr" defTabSz="914377" eaLnBrk="0" fontAlgn="base">
-              <a:spcBef>
-                <a:spcPct val="0"/>
-              </a:spcBef>
-              <a:spcAft>
-                <a:spcPct val="0"/>
-              </a:spcAft>
-              <a:defRPr/>
-            </a:pPr>
-            <a:r>
-              <a:rPr lang="en-US" sz="720" dirty="0">
-                <a:solidFill>
-                  <a:srgbClr val="004266"/>
-                </a:solidFill>
-                <a:latin typeface="Monaco" charset="0"/>
-                <a:ea typeface="Monaco" charset="0"/>
-                <a:cs typeface="Monaco" charset="0"/>
-              </a:rPr>
-              <a:t>State  </a:t>
-            </a:r>
-            <a:r>
-              <a:rPr lang="en-US" sz="720" dirty="0" smtClean="0">
-                <a:solidFill>
-                  <a:srgbClr val="004266"/>
-                </a:solidFill>
-                <a:latin typeface="Monaco" charset="0"/>
-                <a:ea typeface="Monaco" charset="0"/>
-                <a:cs typeface="Monaco" charset="0"/>
-              </a:rPr>
-              <a:t>Cache</a:t>
-            </a:r>
-            <a:endParaRPr lang="en-US" sz="720" dirty="0">
-              <a:solidFill>
-                <a:srgbClr val="004266"/>
-              </a:solidFill>
-              <a:latin typeface="Monaco" charset="0"/>
-              <a:ea typeface="Monaco" charset="0"/>
-              <a:cs typeface="Monaco" charset="0"/>
-            </a:endParaRPr>
-          </a:p>
-        </p:txBody>
-      </p:sp>
-      <p:grpSp>
-        <p:nvGrpSpPr>
-          <p:cNvPr id="47" name="Group 46"/>
-          <p:cNvGrpSpPr/>
-          <p:nvPr/>
-        </p:nvGrpSpPr>
-        <p:grpSpPr>
-          <a:xfrm>
-            <a:off x="8267896" y="5443549"/>
-            <a:ext cx="749446" cy="337945"/>
-            <a:chOff x="1845495" y="4336954"/>
-            <a:chExt cx="739532" cy="358873"/>
-          </a:xfrm>
-        </p:grpSpPr>
-        <p:sp>
-          <p:nvSpPr>
-            <p:cNvPr id="48" name="Rounded Rectangle 47"/>
-            <p:cNvSpPr/>
-            <p:nvPr/>
-          </p:nvSpPr>
-          <p:spPr>
-            <a:xfrm>
-              <a:off x="1919027" y="4433933"/>
-              <a:ext cx="666000" cy="261894"/>
-            </a:xfrm>
-            <a:prstGeom prst="roundRect">
-              <a:avLst/>
-            </a:prstGeom>
-            <a:solidFill>
-              <a:srgbClr val="FFFFFF"/>
-            </a:solidFill>
-            <a:ln w="9525" cap="flat" cmpd="sng" algn="ctr">
-              <a:solidFill>
-                <a:srgbClr val="004266"/>
-              </a:solidFill>
-              <a:prstDash val="solid"/>
-            </a:ln>
-            <a:effectLst/>
-          </p:spPr>
-          <p:txBody>
-            <a:bodyPr rtlCol="0" anchor="ctr"/>
-            <a:lstStyle/>
-            <a:p>
-              <a:pPr algn="ctr" defTabSz="914377" eaLnBrk="0" fontAlgn="base">
-                <a:spcBef>
-                  <a:spcPct val="0"/>
-                </a:spcBef>
-                <a:spcAft>
-                  <a:spcPct val="0"/>
-                </a:spcAft>
-                <a:defRPr/>
-              </a:pPr>
-              <a:r>
-                <a:rPr lang="en-US" sz="720">
-                  <a:solidFill>
-                    <a:srgbClr val="004266"/>
-                  </a:solidFill>
-                  <a:latin typeface="Monaco" charset="0"/>
-                  <a:ea typeface="Monaco" charset="0"/>
-                  <a:cs typeface="Monaco" charset="0"/>
-                </a:rPr>
-                <a:t>API</a:t>
-              </a:r>
-            </a:p>
-          </p:txBody>
-        </p:sp>
-        <p:sp>
-          <p:nvSpPr>
-            <p:cNvPr id="49" name="Rounded Rectangle 48"/>
-            <p:cNvSpPr/>
-            <p:nvPr/>
-          </p:nvSpPr>
-          <p:spPr>
-            <a:xfrm>
-              <a:off x="1885252" y="4385444"/>
-              <a:ext cx="666000" cy="261894"/>
-            </a:xfrm>
-            <a:prstGeom prst="roundRect">
-              <a:avLst/>
-            </a:prstGeom>
-            <a:solidFill>
-              <a:srgbClr val="FFFFFF"/>
-            </a:solidFill>
-            <a:ln w="9525" cap="flat" cmpd="sng" algn="ctr">
-              <a:solidFill>
-                <a:srgbClr val="004266"/>
-              </a:solidFill>
-              <a:prstDash val="solid"/>
-            </a:ln>
-            <a:effectLst/>
-          </p:spPr>
-          <p:txBody>
-            <a:bodyPr rtlCol="0" anchor="ctr"/>
-            <a:lstStyle/>
-            <a:p>
-              <a:pPr algn="ctr" defTabSz="914377" eaLnBrk="0" fontAlgn="base">
-                <a:spcBef>
-                  <a:spcPct val="0"/>
-                </a:spcBef>
-                <a:spcAft>
-                  <a:spcPct val="0"/>
-                </a:spcAft>
-                <a:defRPr/>
-              </a:pPr>
-              <a:r>
-                <a:rPr lang="en-US" sz="720">
-                  <a:solidFill>
-                    <a:srgbClr val="004266"/>
-                  </a:solidFill>
-                  <a:latin typeface="Monaco" charset="0"/>
-                  <a:ea typeface="Monaco" charset="0"/>
-                  <a:cs typeface="Monaco" charset="0"/>
-                </a:rPr>
-                <a:t>API</a:t>
-              </a:r>
-            </a:p>
-          </p:txBody>
-        </p:sp>
-        <p:sp>
-          <p:nvSpPr>
-            <p:cNvPr id="50" name="Rounded Rectangle 49"/>
-            <p:cNvSpPr/>
-            <p:nvPr/>
-          </p:nvSpPr>
-          <p:spPr>
-            <a:xfrm>
-              <a:off x="1845495" y="4336954"/>
-              <a:ext cx="666000" cy="261894"/>
-            </a:xfrm>
-            <a:prstGeom prst="roundRect">
-              <a:avLst/>
-            </a:prstGeom>
-            <a:solidFill>
-              <a:srgbClr val="FFFFFF"/>
-            </a:solidFill>
-            <a:ln w="9525" cap="flat" cmpd="sng" algn="ctr">
-              <a:solidFill>
-                <a:srgbClr val="004266"/>
-              </a:solidFill>
-              <a:prstDash val="solid"/>
-            </a:ln>
-            <a:effectLst/>
-          </p:spPr>
-          <p:txBody>
-            <a:bodyPr rtlCol="0" anchor="ctr"/>
-            <a:lstStyle/>
-            <a:p>
-              <a:pPr algn="ctr" defTabSz="914377" eaLnBrk="0" fontAlgn="base">
-                <a:spcBef>
-                  <a:spcPct val="0"/>
-                </a:spcBef>
-                <a:spcAft>
-                  <a:spcPct val="0"/>
-                </a:spcAft>
-                <a:defRPr/>
-              </a:pPr>
-              <a:r>
-                <a:rPr lang="en-US" sz="720">
-                  <a:solidFill>
-                    <a:srgbClr val="004266"/>
-                  </a:solidFill>
-                  <a:latin typeface="Monaco" charset="0"/>
-                  <a:ea typeface="Monaco" charset="0"/>
-                  <a:cs typeface="Monaco" charset="0"/>
-                </a:rPr>
-                <a:t>API</a:t>
-              </a:r>
-            </a:p>
-          </p:txBody>
-        </p:sp>
-      </p:grpSp>
-      <p:sp>
-        <p:nvSpPr>
-          <p:cNvPr id="52" name="Right Arrow 51"/>
-          <p:cNvSpPr/>
-          <p:nvPr/>
-        </p:nvSpPr>
-        <p:spPr>
-          <a:xfrm rot="5400000">
-            <a:off x="4790017" y="3534454"/>
-            <a:ext cx="302941" cy="168706"/>
-          </a:xfrm>
-          <a:prstGeom prst="rightArrow">
-            <a:avLst>
-              <a:gd name="adj1" fmla="val 41872"/>
-              <a:gd name="adj2" fmla="val 50000"/>
-            </a:avLst>
-          </a:prstGeom>
-          <a:solidFill>
-            <a:srgbClr val="FFFFFF"/>
-          </a:solidFill>
-          <a:ln w="9525" cap="flat" cmpd="sng" algn="ctr">
-            <a:solidFill>
-              <a:srgbClr val="004266"/>
-            </a:solidFill>
-            <a:prstDash val="solid"/>
-          </a:ln>
-          <a:effectLst/>
-        </p:spPr>
-        <p:txBody>
-          <a:bodyPr rtlCol="0" anchor="ctr"/>
-          <a:lstStyle/>
-          <a:p>
-            <a:pPr algn="ctr" defTabSz="914377" eaLnBrk="0" fontAlgn="base">
-              <a:spcBef>
-                <a:spcPct val="0"/>
-              </a:spcBef>
-              <a:spcAft>
-                <a:spcPct val="0"/>
-              </a:spcAft>
-              <a:defRPr/>
-            </a:pPr>
-            <a:endParaRPr lang="en-US" sz="2880">
-              <a:solidFill>
-                <a:srgbClr val="FFFFFF"/>
-              </a:solidFill>
-              <a:latin typeface="Monaco" charset="0"/>
-              <a:ea typeface="Monaco" charset="0"/>
-              <a:cs typeface="Monaco" charset="0"/>
-            </a:endParaRPr>
-          </a:p>
-        </p:txBody>
-      </p:sp>
-      <p:sp>
-        <p:nvSpPr>
-          <p:cNvPr id="53" name="Right Arrow 52"/>
-          <p:cNvSpPr/>
-          <p:nvPr/>
-        </p:nvSpPr>
-        <p:spPr>
-          <a:xfrm rot="16200000">
-            <a:off x="6645672" y="3613454"/>
-            <a:ext cx="302087" cy="121507"/>
-          </a:xfrm>
-          <a:prstGeom prst="rightArrow">
-            <a:avLst>
-              <a:gd name="adj1" fmla="val 41872"/>
-              <a:gd name="adj2" fmla="val 50000"/>
-            </a:avLst>
-          </a:prstGeom>
-          <a:solidFill>
-            <a:srgbClr val="FFFFFF"/>
-          </a:solidFill>
-          <a:ln w="9525" cap="flat" cmpd="sng" algn="ctr">
-            <a:solidFill>
-              <a:srgbClr val="004266"/>
-            </a:solidFill>
-            <a:prstDash val="solid"/>
-          </a:ln>
-          <a:effectLst/>
-        </p:spPr>
-        <p:txBody>
-          <a:bodyPr rtlCol="0" anchor="ctr"/>
-          <a:lstStyle/>
-          <a:p>
-            <a:pPr algn="ctr" defTabSz="914377" eaLnBrk="0" fontAlgn="base">
-              <a:spcBef>
-                <a:spcPct val="0"/>
-              </a:spcBef>
-              <a:spcAft>
-                <a:spcPct val="0"/>
-              </a:spcAft>
-              <a:defRPr/>
-            </a:pPr>
-            <a:endParaRPr lang="en-US" sz="2880">
-              <a:solidFill>
-                <a:srgbClr val="FFFFFF"/>
-              </a:solidFill>
-              <a:latin typeface="Monaco" charset="0"/>
-              <a:ea typeface="Monaco" charset="0"/>
-              <a:cs typeface="Monaco" charset="0"/>
-            </a:endParaRPr>
-          </a:p>
-        </p:txBody>
-      </p:sp>
-      <p:sp>
-        <p:nvSpPr>
-          <p:cNvPr id="73" name="Can 72"/>
-          <p:cNvSpPr/>
-          <p:nvPr/>
-        </p:nvSpPr>
-        <p:spPr>
-          <a:xfrm>
-            <a:off x="10718643" y="1762017"/>
-            <a:ext cx="972207" cy="443866"/>
-          </a:xfrm>
-          <a:prstGeom prst="can">
-            <a:avLst>
-              <a:gd name="adj" fmla="val 22644"/>
-            </a:avLst>
-          </a:prstGeom>
-          <a:solidFill>
-            <a:srgbClr val="FFFFFF"/>
-          </a:solidFill>
-          <a:ln w="9525" cap="flat" cmpd="sng" algn="ctr">
-            <a:solidFill>
-              <a:srgbClr val="004266"/>
-            </a:solidFill>
-            <a:prstDash val="solid"/>
-          </a:ln>
-          <a:effectLst/>
-        </p:spPr>
-        <p:txBody>
-          <a:bodyPr rot="0" spcFirstLastPara="0" vertOverflow="overflow" horzOverflow="overflow" vert="horz" wrap="square" lIns="109728" tIns="86400" rIns="109728" bIns="54864" numCol="1" spcCol="0" rtlCol="0" fromWordArt="0" anchor="ctr" anchorCtr="0" forceAA="0" compatLnSpc="1">
-            <a:prstTxWarp prst="textNoShape">
-              <a:avLst/>
-            </a:prstTxWarp>
-            <a:noAutofit/>
-          </a:bodyPr>
-          <a:lstStyle/>
-          <a:p>
-            <a:pPr algn="ctr" defTabSz="914377" eaLnBrk="0" fontAlgn="base">
-              <a:spcBef>
-                <a:spcPct val="0"/>
-              </a:spcBef>
-              <a:spcAft>
-                <a:spcPct val="0"/>
-              </a:spcAft>
-              <a:defRPr/>
-            </a:pPr>
-            <a:r>
-              <a:rPr lang="en-US" sz="840" dirty="0" smtClean="0">
-                <a:solidFill>
-                  <a:srgbClr val="004266"/>
-                </a:solidFill>
-                <a:latin typeface="Monaco" charset="0"/>
-                <a:ea typeface="Monaco" charset="0"/>
-                <a:cs typeface="Monaco" charset="0"/>
-              </a:rPr>
-              <a:t>External </a:t>
-            </a:r>
-            <a:r>
-              <a:rPr lang="en-US" sz="840" dirty="0" err="1" smtClean="0">
-                <a:solidFill>
-                  <a:srgbClr val="004266"/>
-                </a:solidFill>
-                <a:latin typeface="Monaco" charset="0"/>
-                <a:ea typeface="Monaco" charset="0"/>
-                <a:cs typeface="Monaco" charset="0"/>
-              </a:rPr>
-              <a:t>Datastore</a:t>
-            </a:r>
-            <a:endParaRPr lang="en-US" sz="840" dirty="0">
-              <a:solidFill>
-                <a:srgbClr val="004266"/>
-              </a:solidFill>
-              <a:latin typeface="Monaco" charset="0"/>
-              <a:ea typeface="Monaco" charset="0"/>
-              <a:cs typeface="Monaco" charset="0"/>
-            </a:endParaRPr>
-          </a:p>
-        </p:txBody>
-      </p:sp>
-      <p:sp>
-        <p:nvSpPr>
-          <p:cNvPr id="74" name="Can 73"/>
-          <p:cNvSpPr/>
-          <p:nvPr/>
-        </p:nvSpPr>
-        <p:spPr>
-          <a:xfrm rot="16200000">
-            <a:off x="11113194" y="2593788"/>
-            <a:ext cx="447964" cy="1237066"/>
-          </a:xfrm>
-          <a:prstGeom prst="can">
-            <a:avLst>
-              <a:gd name="adj" fmla="val 22644"/>
-            </a:avLst>
-          </a:prstGeom>
-          <a:solidFill>
-            <a:srgbClr val="FFFFFF"/>
-          </a:solidFill>
-          <a:ln w="9525" cap="flat" cmpd="sng" algn="ctr">
-            <a:solidFill>
-              <a:srgbClr val="004266"/>
-            </a:solidFill>
-            <a:prstDash val="solid"/>
-          </a:ln>
-          <a:effectLst/>
-        </p:spPr>
-        <p:txBody>
-          <a:bodyPr rot="0" spcFirstLastPara="0" vertOverflow="overflow" horzOverflow="overflow" vert="vert" wrap="square" lIns="109728" tIns="86400" rIns="109728" bIns="54864" numCol="1" spcCol="0" rtlCol="0" fromWordArt="0" anchor="ctr" anchorCtr="0" forceAA="0" compatLnSpc="1">
-            <a:prstTxWarp prst="textNoShape">
-              <a:avLst/>
-            </a:prstTxWarp>
-            <a:noAutofit/>
-          </a:bodyPr>
-          <a:lstStyle/>
-          <a:p>
-            <a:pPr algn="ctr" defTabSz="914377" eaLnBrk="0" fontAlgn="base">
-              <a:spcBef>
-                <a:spcPct val="0"/>
-              </a:spcBef>
-              <a:spcAft>
-                <a:spcPct val="0"/>
-              </a:spcAft>
-              <a:defRPr/>
-            </a:pPr>
-            <a:r>
-              <a:rPr lang="en-US" sz="840" smtClean="0">
-                <a:solidFill>
-                  <a:srgbClr val="004266"/>
-                </a:solidFill>
-                <a:latin typeface="Monaco" charset="0"/>
-                <a:ea typeface="Monaco" charset="0"/>
-                <a:cs typeface="Monaco" charset="0"/>
-              </a:rPr>
-              <a:t>External Message </a:t>
-            </a:r>
-            <a:r>
-              <a:rPr lang="en-US" sz="840" dirty="0">
-                <a:solidFill>
-                  <a:srgbClr val="004266"/>
-                </a:solidFill>
-                <a:latin typeface="Monaco" charset="0"/>
-                <a:ea typeface="Monaco" charset="0"/>
-                <a:cs typeface="Monaco" charset="0"/>
-              </a:rPr>
-              <a:t>Hub</a:t>
-            </a:r>
-          </a:p>
-        </p:txBody>
-      </p:sp>
-      <p:sp>
-        <p:nvSpPr>
-          <p:cNvPr id="75" name="Bent-Up Arrow 74"/>
-          <p:cNvSpPr/>
-          <p:nvPr/>
-        </p:nvSpPr>
-        <p:spPr>
-          <a:xfrm flipV="1">
-            <a:off x="10189360" y="2596082"/>
-            <a:ext cx="1161402" cy="378059"/>
-          </a:xfrm>
-          <a:prstGeom prst="bentUpArrow">
-            <a:avLst>
-              <a:gd name="adj1" fmla="val 12599"/>
-              <a:gd name="adj2" fmla="val 17786"/>
-              <a:gd name="adj3" fmla="val 16344"/>
-            </a:avLst>
-          </a:prstGeom>
-          <a:solidFill>
-            <a:srgbClr val="FFFFFF"/>
-          </a:solidFill>
-          <a:ln w="9525" cap="flat" cmpd="sng" algn="ctr">
-            <a:solidFill>
-              <a:srgbClr val="004266"/>
-            </a:solidFill>
-            <a:prstDash val="solid"/>
-          </a:ln>
-          <a:effectLst/>
-        </p:spPr>
-        <p:txBody>
-          <a:bodyPr rtlCol="0" anchor="ctr"/>
-          <a:lstStyle/>
-          <a:p>
-            <a:pPr algn="ctr" defTabSz="914377" eaLnBrk="0" fontAlgn="base">
-              <a:spcBef>
-                <a:spcPct val="0"/>
-              </a:spcBef>
-              <a:spcAft>
-                <a:spcPct val="0"/>
-              </a:spcAft>
-              <a:defRPr/>
-            </a:pPr>
-            <a:endParaRPr lang="en-US" sz="2160">
-              <a:solidFill>
-                <a:srgbClr val="FFFFFF"/>
-              </a:solidFill>
-              <a:latin typeface="Monaco" charset="0"/>
-              <a:ea typeface="Monaco" charset="0"/>
-              <a:cs typeface="Monaco" charset="0"/>
-            </a:endParaRPr>
-          </a:p>
-        </p:txBody>
-      </p:sp>
-      <p:sp>
-        <p:nvSpPr>
-          <p:cNvPr id="76" name="Right Arrow 75"/>
-          <p:cNvSpPr/>
-          <p:nvPr/>
-        </p:nvSpPr>
-        <p:spPr>
-          <a:xfrm rot="2708752">
-            <a:off x="9603969" y="3387236"/>
-            <a:ext cx="1324627" cy="181537"/>
-          </a:xfrm>
-          <a:prstGeom prst="rightArrow">
-            <a:avLst>
-              <a:gd name="adj1" fmla="val 41872"/>
-              <a:gd name="adj2" fmla="val 50000"/>
-            </a:avLst>
-          </a:prstGeom>
-          <a:solidFill>
-            <a:srgbClr val="FFFFFF"/>
-          </a:solidFill>
-          <a:ln w="9525" cap="flat" cmpd="sng" algn="ctr">
-            <a:solidFill>
-              <a:srgbClr val="004266"/>
-            </a:solidFill>
-            <a:prstDash val="solid"/>
-          </a:ln>
-          <a:effectLst/>
-        </p:spPr>
-        <p:txBody>
-          <a:bodyPr rtlCol="0" anchor="ctr"/>
-          <a:lstStyle/>
-          <a:p>
-            <a:pPr algn="ctr" defTabSz="914377" eaLnBrk="0" fontAlgn="base">
-              <a:spcBef>
-                <a:spcPct val="0"/>
-              </a:spcBef>
-              <a:spcAft>
-                <a:spcPct val="0"/>
-              </a:spcAft>
-              <a:defRPr/>
-            </a:pPr>
-            <a:endParaRPr lang="en-US" sz="2880">
-              <a:solidFill>
-                <a:srgbClr val="FFFFFF"/>
-              </a:solidFill>
-              <a:latin typeface="Monaco" charset="0"/>
-              <a:ea typeface="Monaco" charset="0"/>
-              <a:cs typeface="Monaco" charset="0"/>
-            </a:endParaRPr>
-          </a:p>
-        </p:txBody>
-      </p:sp>
-      <p:sp>
-        <p:nvSpPr>
-          <p:cNvPr id="78" name="Left-Right Arrow 77"/>
-          <p:cNvSpPr/>
-          <p:nvPr/>
-        </p:nvSpPr>
-        <p:spPr>
-          <a:xfrm rot="16200000">
-            <a:off x="8822968" y="3321972"/>
-            <a:ext cx="782760" cy="175663"/>
-          </a:xfrm>
-          <a:prstGeom prst="leftRightArrow">
-            <a:avLst>
-              <a:gd name="adj1" fmla="val 39337"/>
-              <a:gd name="adj2" fmla="val 42003"/>
-            </a:avLst>
-          </a:prstGeom>
-          <a:solidFill>
-            <a:srgbClr val="FFFFFF"/>
-          </a:solidFill>
-          <a:ln w="9525" cap="flat" cmpd="sng" algn="ctr">
-            <a:solidFill>
-              <a:srgbClr val="004266"/>
-            </a:solidFill>
-            <a:prstDash val="solid"/>
-          </a:ln>
-          <a:effectLst/>
-        </p:spPr>
-        <p:txBody>
-          <a:bodyPr rtlCol="0" anchor="b"/>
-          <a:lstStyle/>
-          <a:p>
-            <a:pPr algn="ctr" defTabSz="914377" eaLnBrk="0" fontAlgn="base">
-              <a:spcBef>
-                <a:spcPct val="0"/>
-              </a:spcBef>
-              <a:spcAft>
-                <a:spcPct val="0"/>
-              </a:spcAft>
-              <a:defRPr/>
-            </a:pPr>
-            <a:endParaRPr lang="en-US" sz="840">
-              <a:solidFill>
-                <a:srgbClr val="004266"/>
-              </a:solidFill>
-              <a:latin typeface="Monaco" charset="0"/>
-              <a:ea typeface="Monaco" charset="0"/>
-              <a:cs typeface="Monaco" charset="0"/>
-            </a:endParaRPr>
-          </a:p>
-        </p:txBody>
-      </p:sp>
-      <p:grpSp>
-        <p:nvGrpSpPr>
-          <p:cNvPr id="155" name="Group 154"/>
-          <p:cNvGrpSpPr/>
-          <p:nvPr/>
-        </p:nvGrpSpPr>
-        <p:grpSpPr>
-          <a:xfrm>
-            <a:off x="3995365" y="4743339"/>
-            <a:ext cx="1802359" cy="1332005"/>
-            <a:chOff x="3995365" y="4743339"/>
-            <a:chExt cx="1802359" cy="1332005"/>
-          </a:xfrm>
-        </p:grpSpPr>
-        <p:sp>
-          <p:nvSpPr>
-            <p:cNvPr id="8" name="Rounded Rectangle 7"/>
-            <p:cNvSpPr/>
-            <p:nvPr/>
-          </p:nvSpPr>
-          <p:spPr>
-            <a:xfrm>
-              <a:off x="3995365" y="4743339"/>
-              <a:ext cx="1802359" cy="1332005"/>
-            </a:xfrm>
-            <a:prstGeom prst="roundRect">
-              <a:avLst>
-                <a:gd name="adj" fmla="val 9237"/>
-              </a:avLst>
-            </a:prstGeom>
-            <a:solidFill>
-              <a:srgbClr val="003756">
-                <a:lumMod val="10000"/>
-                <a:lumOff val="90000"/>
-              </a:srgbClr>
-            </a:solidFill>
-            <a:ln w="9525" cap="flat" cmpd="sng" algn="ctr">
-              <a:solidFill>
-                <a:srgbClr val="004266"/>
-              </a:solidFill>
-              <a:prstDash val="solid"/>
-            </a:ln>
-            <a:effectLst/>
-          </p:spPr>
-          <p:txBody>
-            <a:bodyPr vert="horz" rtlCol="0" anchor="t" anchorCtr="1"/>
-            <a:lstStyle/>
-            <a:p>
-              <a:pPr algn="ctr" defTabSz="914377" eaLnBrk="0" fontAlgn="base">
-                <a:spcBef>
-                  <a:spcPct val="0"/>
-                </a:spcBef>
-                <a:spcAft>
-                  <a:spcPct val="0"/>
-                </a:spcAft>
-                <a:defRPr/>
-              </a:pPr>
-              <a:r>
-                <a:rPr lang="en-US" sz="1200" dirty="0" smtClean="0">
-                  <a:solidFill>
-                    <a:srgbClr val="004266"/>
-                  </a:solidFill>
-                  <a:latin typeface="Monaco" charset="0"/>
-                  <a:ea typeface="Monaco" charset="0"/>
-                  <a:cs typeface="Monaco" charset="0"/>
-                </a:rPr>
-                <a:t>Device Registry</a:t>
-              </a:r>
-              <a:endParaRPr lang="en-US" sz="720" dirty="0">
-                <a:solidFill>
-                  <a:srgbClr val="004266"/>
-                </a:solidFill>
-                <a:latin typeface="Monaco" charset="0"/>
-                <a:ea typeface="Monaco" charset="0"/>
-                <a:cs typeface="Monaco" charset="0"/>
-              </a:endParaRPr>
-            </a:p>
-          </p:txBody>
-        </p:sp>
-        <p:sp>
-          <p:nvSpPr>
-            <p:cNvPr id="27" name="Can 26"/>
-            <p:cNvSpPr/>
-            <p:nvPr/>
-          </p:nvSpPr>
-          <p:spPr>
-            <a:xfrm>
-              <a:off x="4069750" y="5372293"/>
-              <a:ext cx="721146" cy="502395"/>
-            </a:xfrm>
-            <a:prstGeom prst="can">
-              <a:avLst>
-                <a:gd name="adj" fmla="val 22644"/>
-              </a:avLst>
-            </a:prstGeom>
-            <a:solidFill>
-              <a:srgbClr val="6BC72B">
-                <a:lumMod val="40000"/>
-                <a:lumOff val="60000"/>
-              </a:srgbClr>
-            </a:solidFill>
-            <a:ln w="9525" cap="flat" cmpd="sng" algn="ctr">
-              <a:solidFill>
-                <a:srgbClr val="004266"/>
-              </a:solidFill>
-              <a:prstDash val="solid"/>
-            </a:ln>
-            <a:effectLst/>
-          </p:spPr>
-          <p:txBody>
-            <a:bodyPr rot="0" spcFirstLastPara="0" vertOverflow="overflow" horzOverflow="overflow" vert="horz" wrap="square" lIns="109728" tIns="86400" rIns="109728" bIns="54864" numCol="1" spcCol="0" rtlCol="0" fromWordArt="0" anchor="ctr" anchorCtr="0" forceAA="0" compatLnSpc="1">
-              <a:prstTxWarp prst="textNoShape">
-                <a:avLst/>
-              </a:prstTxWarp>
-              <a:noAutofit/>
-            </a:bodyPr>
-            <a:lstStyle/>
-            <a:p>
-              <a:pPr algn="ctr" defTabSz="914377" eaLnBrk="0" fontAlgn="base">
-                <a:spcBef>
-                  <a:spcPct val="0"/>
-                </a:spcBef>
-                <a:spcAft>
-                  <a:spcPct val="0"/>
-                </a:spcAft>
-                <a:defRPr/>
-              </a:pPr>
-              <a:r>
-                <a:rPr lang="en-US" sz="800" dirty="0" smtClean="0">
-                  <a:solidFill>
-                    <a:srgbClr val="004266"/>
-                  </a:solidFill>
-                  <a:latin typeface="Monaco" charset="0"/>
-                  <a:ea typeface="Monaco" charset="0"/>
-                  <a:cs typeface="Monaco" charset="0"/>
-                </a:rPr>
-                <a:t>Mongo</a:t>
-              </a:r>
-              <a:endParaRPr lang="en-US" sz="800" dirty="0">
-                <a:solidFill>
-                  <a:srgbClr val="004266"/>
-                </a:solidFill>
-                <a:latin typeface="Monaco" charset="0"/>
-                <a:ea typeface="Monaco" charset="0"/>
-                <a:cs typeface="Monaco" charset="0"/>
-              </a:endParaRPr>
-            </a:p>
-          </p:txBody>
-        </p:sp>
-        <p:sp>
-          <p:nvSpPr>
-            <p:cNvPr id="79" name="Can 78"/>
-            <p:cNvSpPr/>
-            <p:nvPr/>
-          </p:nvSpPr>
-          <p:spPr>
-            <a:xfrm>
-              <a:off x="4901615" y="5391169"/>
-              <a:ext cx="763211" cy="464642"/>
-            </a:xfrm>
-            <a:prstGeom prst="can">
-              <a:avLst>
-                <a:gd name="adj" fmla="val 22644"/>
-              </a:avLst>
-            </a:prstGeom>
-            <a:solidFill>
-              <a:srgbClr val="6BC72B">
-                <a:lumMod val="40000"/>
-                <a:lumOff val="60000"/>
-              </a:srgbClr>
-            </a:solidFill>
-            <a:ln w="9525" cap="flat" cmpd="sng" algn="ctr">
-              <a:solidFill>
-                <a:srgbClr val="004266"/>
-              </a:solidFill>
-              <a:prstDash val="solid"/>
-            </a:ln>
-            <a:effectLst/>
-          </p:spPr>
-          <p:txBody>
-            <a:bodyPr rot="0" spcFirstLastPara="0" vertOverflow="overflow" horzOverflow="overflow" vert="horz" wrap="square" lIns="109728" tIns="86400" rIns="109728" bIns="54864" numCol="1" spcCol="0" rtlCol="0" fromWordArt="0" anchor="ctr" anchorCtr="0" forceAA="0" compatLnSpc="1">
-              <a:prstTxWarp prst="textNoShape">
-                <a:avLst/>
-              </a:prstTxWarp>
-              <a:noAutofit/>
-            </a:bodyPr>
-            <a:lstStyle/>
-            <a:p>
-              <a:pPr algn="ctr" defTabSz="914377" eaLnBrk="0" fontAlgn="base">
-                <a:spcBef>
-                  <a:spcPct val="0"/>
-                </a:spcBef>
-                <a:spcAft>
-                  <a:spcPct val="0"/>
-                </a:spcAft>
-                <a:defRPr/>
-              </a:pPr>
-              <a:r>
-                <a:rPr lang="en-US" sz="800" dirty="0" smtClean="0">
-                  <a:solidFill>
-                    <a:srgbClr val="004266"/>
-                  </a:solidFill>
-                  <a:latin typeface="Monaco" charset="0"/>
-                  <a:ea typeface="Monaco" charset="0"/>
-                  <a:cs typeface="Monaco" charset="0"/>
-                </a:rPr>
-                <a:t>Cassandra</a:t>
-              </a:r>
-              <a:endParaRPr lang="en-US" sz="800" dirty="0">
-                <a:solidFill>
-                  <a:srgbClr val="004266"/>
-                </a:solidFill>
-                <a:latin typeface="Monaco" charset="0"/>
-                <a:ea typeface="Monaco" charset="0"/>
-                <a:cs typeface="Monaco" charset="0"/>
-              </a:endParaRPr>
-            </a:p>
-          </p:txBody>
-        </p:sp>
-      </p:grpSp>
-      <p:sp>
-        <p:nvSpPr>
-          <p:cNvPr id="84" name="Bent-Up Arrow 83"/>
-          <p:cNvSpPr/>
-          <p:nvPr/>
-        </p:nvSpPr>
-        <p:spPr>
-          <a:xfrm>
-            <a:off x="10195701" y="2188517"/>
-            <a:ext cx="1161402" cy="378059"/>
-          </a:xfrm>
-          <a:prstGeom prst="bentUpArrow">
-            <a:avLst>
-              <a:gd name="adj1" fmla="val 12599"/>
-              <a:gd name="adj2" fmla="val 17786"/>
-              <a:gd name="adj3" fmla="val 16344"/>
-            </a:avLst>
-          </a:prstGeom>
-          <a:solidFill>
-            <a:srgbClr val="FFFFFF"/>
-          </a:solidFill>
-          <a:ln w="9525" cap="flat" cmpd="sng" algn="ctr">
-            <a:solidFill>
-              <a:srgbClr val="004266"/>
-            </a:solidFill>
-            <a:prstDash val="solid"/>
-          </a:ln>
-          <a:effectLst/>
-        </p:spPr>
-        <p:txBody>
-          <a:bodyPr rtlCol="0" anchor="ctr"/>
-          <a:lstStyle/>
-          <a:p>
-            <a:pPr algn="ctr" defTabSz="914377" eaLnBrk="0" fontAlgn="base">
-              <a:spcBef>
-                <a:spcPct val="0"/>
-              </a:spcBef>
-              <a:spcAft>
-                <a:spcPct val="0"/>
-              </a:spcAft>
-              <a:defRPr/>
-            </a:pPr>
-            <a:endParaRPr lang="en-US" sz="2160">
-              <a:solidFill>
-                <a:srgbClr val="FFFFFF"/>
-              </a:solidFill>
-              <a:latin typeface="Monaco" charset="0"/>
-              <a:ea typeface="Monaco" charset="0"/>
-              <a:cs typeface="Monaco" charset="0"/>
-            </a:endParaRPr>
-          </a:p>
-        </p:txBody>
-      </p:sp>
-      <p:sp>
-        <p:nvSpPr>
-          <p:cNvPr id="91" name="Rounded Rectangle 90"/>
-          <p:cNvSpPr/>
-          <p:nvPr/>
-        </p:nvSpPr>
-        <p:spPr>
-          <a:xfrm>
-            <a:off x="3705050" y="1179492"/>
-            <a:ext cx="5981753" cy="419502"/>
-          </a:xfrm>
-          <a:prstGeom prst="roundRect">
-            <a:avLst/>
-          </a:prstGeom>
-          <a:solidFill>
-            <a:srgbClr val="6BC72B">
-              <a:lumMod val="40000"/>
-              <a:lumOff val="60000"/>
-            </a:srgbClr>
-          </a:solidFill>
-          <a:ln w="9525" cap="flat" cmpd="sng" algn="ctr">
-            <a:solidFill>
-              <a:srgbClr val="004266"/>
-            </a:solidFill>
-            <a:prstDash val="solid"/>
-          </a:ln>
-          <a:effectLst/>
-        </p:spPr>
-        <p:txBody>
-          <a:bodyPr rtlCol="0" anchor="ctr"/>
-          <a:lstStyle/>
-          <a:p>
-            <a:pPr algn="ctr" defTabSz="914377" eaLnBrk="0" fontAlgn="base">
-              <a:spcBef>
-                <a:spcPct val="0"/>
-              </a:spcBef>
-              <a:spcAft>
-                <a:spcPct val="0"/>
-              </a:spcAft>
-              <a:defRPr/>
-            </a:pPr>
-            <a:r>
-              <a:rPr lang="en-US" sz="1200" dirty="0" smtClean="0">
-                <a:solidFill>
-                  <a:srgbClr val="004266"/>
-                </a:solidFill>
-                <a:latin typeface="Monaco" charset="0"/>
-                <a:ea typeface="Monaco" charset="0"/>
-                <a:cs typeface="Monaco" charset="0"/>
-              </a:rPr>
-              <a:t>Realtime and historical API &amp; UI</a:t>
-            </a:r>
-            <a:endParaRPr lang="en-US" sz="800" dirty="0">
-              <a:solidFill>
-                <a:srgbClr val="004266"/>
-              </a:solidFill>
-              <a:latin typeface="Monaco" charset="0"/>
-              <a:ea typeface="Monaco" charset="0"/>
-              <a:cs typeface="Monaco" charset="0"/>
-            </a:endParaRPr>
-          </a:p>
-        </p:txBody>
-      </p:sp>
-      <p:sp>
-        <p:nvSpPr>
-          <p:cNvPr id="92" name="Rounded Rectangle 91"/>
-          <p:cNvSpPr/>
-          <p:nvPr/>
-        </p:nvSpPr>
-        <p:spPr>
-          <a:xfrm>
-            <a:off x="142876" y="3792830"/>
-            <a:ext cx="905372" cy="282231"/>
-          </a:xfrm>
-          <a:prstGeom prst="roundRect">
-            <a:avLst/>
-          </a:prstGeom>
-          <a:solidFill>
-            <a:srgbClr val="FFFFFF">
-              <a:lumMod val="95000"/>
-            </a:srgbClr>
-          </a:solidFill>
-          <a:ln w="9525" cap="flat" cmpd="sng" algn="ctr">
-            <a:solidFill>
-              <a:srgbClr val="004266"/>
-            </a:solidFill>
-            <a:prstDash val="solid"/>
-          </a:ln>
-          <a:effectLst/>
-        </p:spPr>
-        <p:txBody>
-          <a:bodyPr rtlCol="0" anchor="b"/>
-          <a:lstStyle/>
-          <a:p>
-            <a:pPr algn="ctr" defTabSz="914377" eaLnBrk="0" fontAlgn="base">
-              <a:spcBef>
-                <a:spcPct val="0"/>
-              </a:spcBef>
-              <a:spcAft>
-                <a:spcPct val="0"/>
-              </a:spcAft>
-              <a:defRPr/>
-            </a:pPr>
-            <a:r>
-              <a:rPr lang="en-US" sz="1200" dirty="0">
-                <a:solidFill>
-                  <a:srgbClr val="004266"/>
-                </a:solidFill>
-                <a:latin typeface="Monaco" charset="0"/>
-                <a:ea typeface="Monaco" charset="0"/>
-                <a:cs typeface="Monaco" charset="0"/>
-              </a:rPr>
-              <a:t>Device</a:t>
-            </a:r>
-          </a:p>
-        </p:txBody>
-      </p:sp>
-      <p:sp>
-        <p:nvSpPr>
-          <p:cNvPr id="93" name="Rounded Rectangle 92"/>
-          <p:cNvSpPr/>
-          <p:nvPr/>
-        </p:nvSpPr>
-        <p:spPr>
-          <a:xfrm>
-            <a:off x="137320" y="4298299"/>
-            <a:ext cx="905372" cy="282231"/>
-          </a:xfrm>
-          <a:prstGeom prst="roundRect">
-            <a:avLst/>
-          </a:prstGeom>
-          <a:solidFill>
-            <a:srgbClr val="FFFFFF">
-              <a:lumMod val="95000"/>
-            </a:srgbClr>
-          </a:solidFill>
-          <a:ln w="9525" cap="flat" cmpd="sng" algn="ctr">
-            <a:solidFill>
-              <a:srgbClr val="004266"/>
-            </a:solidFill>
-            <a:prstDash val="solid"/>
-          </a:ln>
-          <a:effectLst/>
-        </p:spPr>
-        <p:txBody>
-          <a:bodyPr rtlCol="0" anchor="b"/>
-          <a:lstStyle/>
-          <a:p>
-            <a:pPr algn="ctr" defTabSz="914377" eaLnBrk="0" fontAlgn="base">
-              <a:spcBef>
-                <a:spcPct val="0"/>
-              </a:spcBef>
-              <a:spcAft>
-                <a:spcPct val="0"/>
-              </a:spcAft>
-              <a:defRPr/>
-            </a:pPr>
-            <a:r>
-              <a:rPr lang="en-US" sz="1200" dirty="0">
-                <a:solidFill>
-                  <a:srgbClr val="004266"/>
-                </a:solidFill>
-                <a:latin typeface="Monaco" charset="0"/>
-                <a:ea typeface="Monaco" charset="0"/>
-                <a:cs typeface="Monaco" charset="0"/>
-              </a:rPr>
-              <a:t>Device</a:t>
-            </a:r>
-          </a:p>
-        </p:txBody>
-      </p:sp>
-      <p:sp>
-        <p:nvSpPr>
-          <p:cNvPr id="96" name="Rectangle 95"/>
-          <p:cNvSpPr/>
-          <p:nvPr/>
-        </p:nvSpPr>
-        <p:spPr>
-          <a:xfrm>
-            <a:off x="1026688" y="6239157"/>
-            <a:ext cx="598241" cy="369332"/>
-          </a:xfrm>
-          <a:prstGeom prst="rect">
-            <a:avLst/>
-          </a:prstGeom>
-        </p:spPr>
-        <p:txBody>
-          <a:bodyPr wrap="none">
-            <a:spAutoFit/>
-          </a:bodyPr>
-          <a:lstStyle/>
-          <a:p>
-            <a:pPr algn="ctr" defTabSz="914377" eaLnBrk="0" fontAlgn="base">
-              <a:spcBef>
-                <a:spcPct val="0"/>
-              </a:spcBef>
-              <a:spcAft>
-                <a:spcPct val="0"/>
-              </a:spcAft>
-              <a:defRPr/>
-            </a:pPr>
-            <a:r>
-              <a:rPr lang="en-US" smtClean="0">
-                <a:solidFill>
-                  <a:srgbClr val="004266"/>
-                </a:solidFill>
-                <a:latin typeface="Monaco" charset="0"/>
-                <a:ea typeface="Monaco" charset="0"/>
-                <a:cs typeface="Monaco" charset="0"/>
-              </a:rPr>
-              <a:t>SDK</a:t>
-            </a:r>
-            <a:endParaRPr lang="en-US" dirty="0">
-              <a:solidFill>
-                <a:srgbClr val="004266"/>
-              </a:solidFill>
-              <a:latin typeface="Monaco" charset="0"/>
-              <a:ea typeface="Monaco" charset="0"/>
-              <a:cs typeface="Monaco" charset="0"/>
-            </a:endParaRPr>
-          </a:p>
-        </p:txBody>
-      </p:sp>
-      <p:cxnSp>
-        <p:nvCxnSpPr>
-          <p:cNvPr id="22" name="Straight Arrow Connector 21"/>
-          <p:cNvCxnSpPr/>
-          <p:nvPr/>
-        </p:nvCxnSpPr>
-        <p:spPr>
-          <a:xfrm>
-            <a:off x="6465285" y="534837"/>
-            <a:ext cx="8157" cy="644655"/>
-          </a:xfrm>
-          <a:prstGeom prst="straightConnector1">
-            <a:avLst/>
-          </a:prstGeom>
-          <a:noFill/>
-          <a:ln w="19050" cap="flat" cmpd="sng" algn="ctr">
-            <a:solidFill>
-              <a:srgbClr val="00B2F2">
-                <a:lumMod val="50000"/>
-              </a:srgbClr>
-            </a:solidFill>
-            <a:prstDash val="solid"/>
-            <a:headEnd type="arrow"/>
-            <a:tailEnd type="arrow"/>
-          </a:ln>
-          <a:effectLst/>
-        </p:spPr>
-      </p:cxnSp>
-      <p:sp>
-        <p:nvSpPr>
-          <p:cNvPr id="99" name="Rectangle 98"/>
-          <p:cNvSpPr/>
-          <p:nvPr/>
-        </p:nvSpPr>
-        <p:spPr>
-          <a:xfrm>
-            <a:off x="5654489" y="6307617"/>
-            <a:ext cx="1838965" cy="369332"/>
-          </a:xfrm>
-          <a:prstGeom prst="rect">
-            <a:avLst/>
-          </a:prstGeom>
-        </p:spPr>
-        <p:txBody>
-          <a:bodyPr wrap="none">
-            <a:spAutoFit/>
-          </a:bodyPr>
-          <a:lstStyle/>
-          <a:p>
-            <a:pPr algn="ctr" defTabSz="914377" eaLnBrk="0" fontAlgn="base">
-              <a:spcBef>
-                <a:spcPct val="0"/>
-              </a:spcBef>
-              <a:spcAft>
-                <a:spcPct val="0"/>
-              </a:spcAft>
-              <a:defRPr/>
-            </a:pPr>
-            <a:r>
-              <a:rPr lang="en-US" smtClean="0">
-                <a:solidFill>
-                  <a:srgbClr val="004266"/>
-                </a:solidFill>
-                <a:latin typeface="Monaco" charset="0"/>
-                <a:ea typeface="Monaco" charset="0"/>
-                <a:cs typeface="Monaco" charset="0"/>
-              </a:rPr>
-              <a:t>IoT Platform</a:t>
-            </a:r>
-            <a:endParaRPr lang="en-US" dirty="0">
-              <a:solidFill>
-                <a:srgbClr val="004266"/>
-              </a:solidFill>
-              <a:latin typeface="Monaco" charset="0"/>
-              <a:ea typeface="Monaco" charset="0"/>
-              <a:cs typeface="Monaco" charset="0"/>
-            </a:endParaRPr>
-          </a:p>
-        </p:txBody>
-      </p:sp>
-      <p:sp>
-        <p:nvSpPr>
-          <p:cNvPr id="108" name="Rounded Rectangle 107"/>
-          <p:cNvSpPr/>
-          <p:nvPr/>
-        </p:nvSpPr>
-        <p:spPr>
-          <a:xfrm>
-            <a:off x="137320" y="4824376"/>
-            <a:ext cx="905372" cy="282231"/>
-          </a:xfrm>
-          <a:prstGeom prst="roundRect">
-            <a:avLst/>
-          </a:prstGeom>
-          <a:solidFill>
-            <a:srgbClr val="FFFFFF">
-              <a:lumMod val="95000"/>
-            </a:srgbClr>
-          </a:solidFill>
-          <a:ln w="9525" cap="flat" cmpd="sng" algn="ctr">
-            <a:solidFill>
-              <a:srgbClr val="004266"/>
-            </a:solidFill>
-            <a:prstDash val="solid"/>
-          </a:ln>
-          <a:effectLst/>
-        </p:spPr>
-        <p:txBody>
-          <a:bodyPr rtlCol="0" anchor="b"/>
-          <a:lstStyle/>
-          <a:p>
-            <a:pPr algn="ctr" defTabSz="914377" eaLnBrk="0" fontAlgn="base">
-              <a:spcBef>
-                <a:spcPct val="0"/>
-              </a:spcBef>
-              <a:spcAft>
-                <a:spcPct val="0"/>
-              </a:spcAft>
-              <a:defRPr/>
-            </a:pPr>
-            <a:r>
-              <a:rPr lang="en-US" sz="1200" dirty="0">
-                <a:solidFill>
-                  <a:srgbClr val="004266"/>
-                </a:solidFill>
-                <a:latin typeface="Monaco" charset="0"/>
-                <a:ea typeface="Monaco" charset="0"/>
-                <a:cs typeface="Monaco" charset="0"/>
-              </a:rPr>
-              <a:t>Device</a:t>
-            </a:r>
-          </a:p>
-        </p:txBody>
-      </p:sp>
-      <p:cxnSp>
-        <p:nvCxnSpPr>
-          <p:cNvPr id="109" name="Straight Arrow Connector 108"/>
-          <p:cNvCxnSpPr>
-            <a:stCxn id="108" idx="3"/>
-          </p:cNvCxnSpPr>
-          <p:nvPr/>
-        </p:nvCxnSpPr>
-        <p:spPr>
-          <a:xfrm flipV="1">
-            <a:off x="1042692" y="4755222"/>
-            <a:ext cx="2152487" cy="210270"/>
-          </a:xfrm>
-          <a:prstGeom prst="straightConnector1">
-            <a:avLst/>
-          </a:prstGeom>
-          <a:noFill/>
-          <a:ln w="19050" cap="flat" cmpd="sng" algn="ctr">
-            <a:solidFill>
-              <a:srgbClr val="00B2F2">
-                <a:lumMod val="50000"/>
-              </a:srgbClr>
-            </a:solidFill>
-            <a:prstDash val="solid"/>
-            <a:headEnd type="arrow"/>
-            <a:tailEnd type="arrow"/>
-          </a:ln>
-          <a:effectLst/>
-        </p:spPr>
-      </p:cxnSp>
-      <p:sp>
-        <p:nvSpPr>
-          <p:cNvPr id="112" name="Multidocument 111"/>
-          <p:cNvSpPr/>
-          <p:nvPr/>
-        </p:nvSpPr>
-        <p:spPr>
-          <a:xfrm>
-            <a:off x="1641555" y="2358783"/>
-            <a:ext cx="613490" cy="303896"/>
-          </a:xfrm>
-          <a:prstGeom prst="flowChartMultidocument">
-            <a:avLst/>
-          </a:prstGeom>
-          <a:solidFill>
-            <a:schemeClr val="accent1">
-              <a:lumMod val="75000"/>
-            </a:schemeClr>
-          </a:solidFill>
-        </p:spPr>
-        <p:style>
-          <a:lnRef idx="2">
-            <a:schemeClr val="accent1">
-              <a:shade val="50000"/>
-            </a:schemeClr>
-          </a:lnRef>
-          <a:fillRef idx="1">
-            <a:schemeClr val="accent1"/>
-          </a:fillRef>
-          <a:effectRef idx="0">
-            <a:schemeClr val="accent1"/>
-          </a:effectRef>
-          <a:fontRef idx="minor">
-            <a:schemeClr val="lt1"/>
-          </a:fontRef>
-        </p:style>
-        <p:txBody>
-          <a:bodyPr rtlCol="0" anchor="ctr"/>
-          <a:lstStyle/>
-          <a:p>
-            <a:pPr algn="ctr"/>
-            <a:r>
-              <a:rPr lang="en-US" sz="1000" smtClean="0"/>
-              <a:t>Event</a:t>
-            </a:r>
-            <a:endParaRPr lang="en-US" sz="1000" dirty="0"/>
-          </a:p>
-        </p:txBody>
-      </p:sp>
-      <p:sp>
-        <p:nvSpPr>
-          <p:cNvPr id="114" name="Multidocument 113"/>
-          <p:cNvSpPr/>
-          <p:nvPr/>
-        </p:nvSpPr>
-        <p:spPr>
-          <a:xfrm>
-            <a:off x="1611071" y="4494175"/>
-            <a:ext cx="613490" cy="303896"/>
-          </a:xfrm>
-          <a:prstGeom prst="flowChartMultidocument">
-            <a:avLst/>
-          </a:prstGeom>
-          <a:solidFill>
-            <a:schemeClr val="accent1">
-              <a:lumMod val="75000"/>
-            </a:schemeClr>
-          </a:solidFill>
-        </p:spPr>
-        <p:style>
-          <a:lnRef idx="2">
-            <a:schemeClr val="accent1">
-              <a:shade val="50000"/>
-            </a:schemeClr>
-          </a:lnRef>
-          <a:fillRef idx="1">
-            <a:schemeClr val="accent1"/>
-          </a:fillRef>
-          <a:effectRef idx="0">
-            <a:schemeClr val="accent1"/>
-          </a:effectRef>
-          <a:fontRef idx="minor">
-            <a:schemeClr val="lt1"/>
-          </a:fontRef>
-        </p:style>
-        <p:txBody>
-          <a:bodyPr rtlCol="0" anchor="ctr"/>
-          <a:lstStyle/>
-          <a:p>
-            <a:pPr algn="ctr"/>
-            <a:r>
-              <a:rPr lang="en-US" sz="1000" smtClean="0"/>
-              <a:t>Event</a:t>
-            </a:r>
-            <a:endParaRPr lang="en-US" sz="1000" dirty="0"/>
-          </a:p>
-        </p:txBody>
-      </p:sp>
-      <p:sp>
-        <p:nvSpPr>
-          <p:cNvPr id="115" name="Multidocument 114"/>
-          <p:cNvSpPr/>
-          <p:nvPr/>
-        </p:nvSpPr>
-        <p:spPr>
-          <a:xfrm>
-            <a:off x="2541316" y="3270496"/>
-            <a:ext cx="613490" cy="303896"/>
-          </a:xfrm>
-          <a:prstGeom prst="flowChartMultidocument">
-            <a:avLst/>
-          </a:prstGeom>
-          <a:solidFill>
-            <a:schemeClr val="accent1">
-              <a:lumMod val="75000"/>
-            </a:schemeClr>
-          </a:solidFill>
-        </p:spPr>
-        <p:style>
-          <a:lnRef idx="2">
-            <a:schemeClr val="accent1">
-              <a:shade val="50000"/>
-            </a:schemeClr>
-          </a:lnRef>
-          <a:fillRef idx="1">
-            <a:schemeClr val="accent1"/>
-          </a:fillRef>
-          <a:effectRef idx="0">
-            <a:schemeClr val="accent1"/>
-          </a:effectRef>
-          <a:fontRef idx="minor">
-            <a:schemeClr val="lt1"/>
-          </a:fontRef>
-        </p:style>
-        <p:txBody>
-          <a:bodyPr rtlCol="0" anchor="ctr"/>
-          <a:lstStyle/>
-          <a:p>
-            <a:pPr algn="ctr"/>
-            <a:r>
-              <a:rPr lang="en-US" sz="1000" smtClean="0"/>
-              <a:t>Event</a:t>
-            </a:r>
-            <a:endParaRPr lang="en-US" sz="1000" dirty="0"/>
-          </a:p>
-        </p:txBody>
-      </p:sp>
-      <p:sp>
-        <p:nvSpPr>
-          <p:cNvPr id="116" name="Multidocument 115"/>
-          <p:cNvSpPr/>
-          <p:nvPr/>
-        </p:nvSpPr>
-        <p:spPr>
-          <a:xfrm>
-            <a:off x="919122" y="3465160"/>
-            <a:ext cx="613490" cy="303896"/>
-          </a:xfrm>
-          <a:prstGeom prst="flowChartMultidocument">
-            <a:avLst/>
-          </a:prstGeom>
-          <a:solidFill>
-            <a:schemeClr val="accent1">
-              <a:lumMod val="75000"/>
-            </a:schemeClr>
-          </a:solidFill>
-        </p:spPr>
-        <p:style>
-          <a:lnRef idx="2">
-            <a:schemeClr val="accent1">
-              <a:shade val="50000"/>
-            </a:schemeClr>
-          </a:lnRef>
-          <a:fillRef idx="1">
-            <a:schemeClr val="accent1"/>
-          </a:fillRef>
-          <a:effectRef idx="0">
-            <a:schemeClr val="accent1"/>
-          </a:effectRef>
-          <a:fontRef idx="minor">
-            <a:schemeClr val="lt1"/>
-          </a:fontRef>
-        </p:style>
-        <p:txBody>
-          <a:bodyPr rtlCol="0" anchor="ctr"/>
-          <a:lstStyle/>
-          <a:p>
-            <a:pPr algn="ctr"/>
-            <a:r>
-              <a:rPr lang="en-US" sz="1000" smtClean="0"/>
-              <a:t>Event</a:t>
-            </a:r>
-            <a:endParaRPr lang="en-US" sz="1000" dirty="0"/>
-          </a:p>
-        </p:txBody>
-      </p:sp>
-      <p:cxnSp>
-        <p:nvCxnSpPr>
-          <p:cNvPr id="117" name="Straight Arrow Connector 116"/>
-          <p:cNvCxnSpPr>
-            <a:stCxn id="91" idx="1"/>
-            <a:endCxn id="55" idx="0"/>
-          </p:cNvCxnSpPr>
-          <p:nvPr/>
-        </p:nvCxnSpPr>
-        <p:spPr>
-          <a:xfrm rot="10800000" flipV="1">
-            <a:off x="3429928" y="1389243"/>
-            <a:ext cx="275122" cy="400228"/>
-          </a:xfrm>
-          <a:prstGeom prst="curvedConnector2">
-            <a:avLst/>
-          </a:prstGeom>
-          <a:noFill/>
-          <a:ln w="19050" cap="flat" cmpd="sng" algn="ctr">
-            <a:solidFill>
-              <a:srgbClr val="00B2F2">
-                <a:lumMod val="50000"/>
-              </a:srgbClr>
-            </a:solidFill>
-            <a:prstDash val="solid"/>
-            <a:headEnd type="arrow"/>
-            <a:tailEnd type="arrow"/>
-          </a:ln>
-          <a:effectLst/>
-        </p:spPr>
-      </p:cxnSp>
-      <p:sp>
-        <p:nvSpPr>
-          <p:cNvPr id="55" name="Rounded Rectangle 54"/>
-          <p:cNvSpPr/>
-          <p:nvPr/>
-        </p:nvSpPr>
-        <p:spPr>
-          <a:xfrm>
-            <a:off x="3190951" y="1789471"/>
-            <a:ext cx="477954" cy="3946361"/>
-          </a:xfrm>
-          <a:prstGeom prst="roundRect">
-            <a:avLst>
-              <a:gd name="adj" fmla="val 9237"/>
-            </a:avLst>
-          </a:prstGeom>
-          <a:pattFill prst="pct50">
-            <a:fgClr>
-              <a:schemeClr val="accent1"/>
-            </a:fgClr>
-            <a:bgClr>
-              <a:schemeClr val="bg1"/>
-            </a:bgClr>
-          </a:pattFill>
-          <a:ln w="9525" cap="flat" cmpd="sng" algn="ctr">
-            <a:solidFill>
-              <a:srgbClr val="004266"/>
-            </a:solidFill>
-            <a:prstDash val="solid"/>
-          </a:ln>
-          <a:effectLst/>
-        </p:spPr>
-        <p:txBody>
-          <a:bodyPr vert="vert270" rtlCol="0" anchor="t" anchorCtr="1"/>
-          <a:lstStyle/>
-          <a:p>
-            <a:pPr algn="ctr" defTabSz="914377" eaLnBrk="0" fontAlgn="base">
-              <a:spcBef>
-                <a:spcPct val="0"/>
-              </a:spcBef>
-              <a:spcAft>
-                <a:spcPct val="0"/>
-              </a:spcAft>
-              <a:defRPr/>
-            </a:pPr>
-            <a:r>
-              <a:rPr lang="en-US" sz="1200" dirty="0" smtClean="0">
-                <a:solidFill>
-                  <a:srgbClr val="004266"/>
-                </a:solidFill>
-                <a:latin typeface="Monaco" charset="0"/>
-                <a:ea typeface="Monaco" charset="0"/>
-                <a:cs typeface="Monaco" charset="0"/>
-              </a:rPr>
-              <a:t>Authentication &amp; Authorization</a:t>
-            </a:r>
-            <a:endParaRPr lang="en-US" sz="720" dirty="0">
-              <a:solidFill>
-                <a:srgbClr val="004266"/>
-              </a:solidFill>
-              <a:latin typeface="Monaco" charset="0"/>
-              <a:ea typeface="Monaco" charset="0"/>
-              <a:cs typeface="Monaco" charset="0"/>
-            </a:endParaRPr>
-          </a:p>
-        </p:txBody>
-      </p:sp>
-      <p:sp>
-        <p:nvSpPr>
-          <p:cNvPr id="137" name="Rounded Rectangle 136"/>
-          <p:cNvSpPr/>
-          <p:nvPr/>
-        </p:nvSpPr>
-        <p:spPr>
-          <a:xfrm>
-            <a:off x="3429928" y="132969"/>
-            <a:ext cx="6238874" cy="387670"/>
-          </a:xfrm>
-          <a:prstGeom prst="roundRect">
-            <a:avLst/>
-          </a:prstGeom>
-          <a:solidFill>
-            <a:srgbClr val="FFFFFF">
-              <a:lumMod val="95000"/>
-            </a:srgbClr>
-          </a:solidFill>
-          <a:ln w="9525" cap="flat" cmpd="sng" algn="ctr">
-            <a:solidFill>
-              <a:srgbClr val="004266"/>
-            </a:solidFill>
-            <a:prstDash val="dash"/>
-          </a:ln>
-          <a:effectLst/>
-        </p:spPr>
-        <p:txBody>
-          <a:bodyPr rtlCol="0" anchor="ctr" anchorCtr="1"/>
-          <a:lstStyle/>
-          <a:p>
-            <a:pPr algn="ctr" defTabSz="914377" eaLnBrk="0" fontAlgn="base">
-              <a:spcBef>
-                <a:spcPct val="0"/>
-              </a:spcBef>
-              <a:spcAft>
-                <a:spcPct val="0"/>
-              </a:spcAft>
-              <a:defRPr/>
-            </a:pPr>
-            <a:r>
-              <a:rPr lang="en-US" sz="1200" dirty="0" smtClean="0">
-                <a:solidFill>
-                  <a:srgbClr val="004266"/>
-                </a:solidFill>
-                <a:latin typeface="Monaco" charset="0"/>
-                <a:ea typeface="Monaco" charset="0"/>
-                <a:cs typeface="Monaco" charset="0"/>
-              </a:rPr>
-              <a:t>IoT enabled Applications</a:t>
-            </a:r>
-            <a:endParaRPr lang="en-US" sz="1200" dirty="0">
-              <a:solidFill>
-                <a:srgbClr val="004266"/>
-              </a:solidFill>
-              <a:latin typeface="Monaco" charset="0"/>
-              <a:ea typeface="Monaco" charset="0"/>
-              <a:cs typeface="Monaco" charset="0"/>
-            </a:endParaRPr>
-          </a:p>
-        </p:txBody>
-      </p:sp>
-      <p:sp>
-        <p:nvSpPr>
-          <p:cNvPr id="139" name="Rounded Rectangle 138"/>
-          <p:cNvSpPr/>
-          <p:nvPr/>
-        </p:nvSpPr>
-        <p:spPr>
-          <a:xfrm>
-            <a:off x="3953329" y="1874945"/>
-            <a:ext cx="1871955" cy="1570863"/>
-          </a:xfrm>
-          <a:prstGeom prst="roundRect">
-            <a:avLst>
-              <a:gd name="adj" fmla="val 9237"/>
-            </a:avLst>
-          </a:prstGeom>
-          <a:pattFill prst="pct5">
-            <a:fgClr>
-              <a:schemeClr val="accent1"/>
-            </a:fgClr>
-            <a:bgClr>
-              <a:schemeClr val="bg1"/>
-            </a:bgClr>
-          </a:pattFill>
-          <a:ln w="9525" cap="flat" cmpd="sng" algn="ctr">
-            <a:solidFill>
-              <a:srgbClr val="004266"/>
-            </a:solidFill>
-            <a:prstDash val="solid"/>
-          </a:ln>
-          <a:effectLst/>
-        </p:spPr>
-        <p:txBody>
-          <a:bodyPr rtlCol="0" anchor="t"/>
-          <a:lstStyle/>
-          <a:p>
-            <a:pPr algn="ctr" defTabSz="914377" eaLnBrk="0" fontAlgn="base">
-              <a:spcBef>
-                <a:spcPct val="0"/>
-              </a:spcBef>
-              <a:spcAft>
-                <a:spcPct val="0"/>
-              </a:spcAft>
-              <a:defRPr/>
-            </a:pPr>
-            <a:r>
-              <a:rPr lang="en-US" sz="1200" dirty="0" smtClean="0">
-                <a:solidFill>
-                  <a:srgbClr val="004266"/>
-                </a:solidFill>
-                <a:latin typeface="Monaco" charset="0"/>
-                <a:ea typeface="Monaco" charset="0"/>
-                <a:cs typeface="Monaco" charset="0"/>
-              </a:rPr>
-              <a:t>IoT Hub</a:t>
-            </a:r>
-            <a:endParaRPr lang="en-US" sz="720" dirty="0">
-              <a:solidFill>
-                <a:srgbClr val="004266"/>
-              </a:solidFill>
-              <a:latin typeface="Monaco" charset="0"/>
-              <a:ea typeface="Monaco" charset="0"/>
-              <a:cs typeface="Monaco" charset="0"/>
-            </a:endParaRPr>
-          </a:p>
-        </p:txBody>
-      </p:sp>
-      <p:sp>
-        <p:nvSpPr>
-          <p:cNvPr id="144" name="Rounded Rectangle 143"/>
-          <p:cNvSpPr/>
-          <p:nvPr/>
-        </p:nvSpPr>
-        <p:spPr>
-          <a:xfrm>
-            <a:off x="4100628" y="2383866"/>
-            <a:ext cx="684685" cy="320824"/>
-          </a:xfrm>
-          <a:prstGeom prst="roundRect">
-            <a:avLst/>
-          </a:prstGeom>
-          <a:solidFill>
-            <a:srgbClr val="FFFFFF"/>
-          </a:solidFill>
-          <a:ln w="9525" cap="flat" cmpd="sng" algn="ctr">
-            <a:solidFill>
-              <a:srgbClr val="004266"/>
-            </a:solidFill>
-            <a:prstDash val="solid"/>
-          </a:ln>
-          <a:effectLst/>
-        </p:spPr>
-        <p:txBody>
-          <a:bodyPr rtlCol="0" anchor="ctr"/>
-          <a:lstStyle/>
-          <a:p>
-            <a:pPr algn="ctr" defTabSz="914377" eaLnBrk="0" fontAlgn="base">
-              <a:spcBef>
-                <a:spcPct val="0"/>
-              </a:spcBef>
-              <a:spcAft>
-                <a:spcPct val="0"/>
-              </a:spcAft>
-              <a:defRPr/>
-            </a:pPr>
-            <a:r>
-              <a:rPr lang="en-US" sz="1200" dirty="0" smtClean="0">
-                <a:solidFill>
-                  <a:srgbClr val="004266"/>
-                </a:solidFill>
-                <a:latin typeface="Monaco" charset="0"/>
-                <a:ea typeface="Monaco" charset="0"/>
-                <a:cs typeface="Monaco" charset="0"/>
-              </a:rPr>
-              <a:t>MQTT </a:t>
-            </a:r>
-            <a:endParaRPr lang="en-US" sz="1200" dirty="0">
-              <a:solidFill>
-                <a:srgbClr val="004266"/>
-              </a:solidFill>
-              <a:latin typeface="Monaco" charset="0"/>
-              <a:ea typeface="Monaco" charset="0"/>
-              <a:cs typeface="Monaco" charset="0"/>
-            </a:endParaRPr>
-          </a:p>
-        </p:txBody>
-      </p:sp>
-      <p:sp>
-        <p:nvSpPr>
-          <p:cNvPr id="147" name="Left-Right Arrow 146"/>
-          <p:cNvSpPr/>
-          <p:nvPr/>
-        </p:nvSpPr>
-        <p:spPr>
-          <a:xfrm rot="16200000">
-            <a:off x="4687534" y="4432643"/>
-            <a:ext cx="377068" cy="181509"/>
-          </a:xfrm>
-          <a:prstGeom prst="leftRightArrow">
-            <a:avLst>
-              <a:gd name="adj1" fmla="val 39337"/>
-              <a:gd name="adj2" fmla="val 42003"/>
-            </a:avLst>
-          </a:prstGeom>
-          <a:solidFill>
-            <a:srgbClr val="FFFFFF"/>
-          </a:solidFill>
-          <a:ln w="9525" cap="flat" cmpd="sng" algn="ctr">
-            <a:solidFill>
-              <a:srgbClr val="004266"/>
-            </a:solidFill>
-            <a:prstDash val="solid"/>
-          </a:ln>
-          <a:effectLst/>
-        </p:spPr>
-        <p:txBody>
-          <a:bodyPr rtlCol="0" anchor="b"/>
-          <a:lstStyle/>
-          <a:p>
-            <a:pPr algn="ctr" defTabSz="914377" eaLnBrk="0" fontAlgn="base">
-              <a:spcBef>
-                <a:spcPct val="0"/>
-              </a:spcBef>
-              <a:spcAft>
-                <a:spcPct val="0"/>
-              </a:spcAft>
-              <a:defRPr/>
-            </a:pPr>
-            <a:endParaRPr lang="en-US" sz="840">
-              <a:solidFill>
-                <a:srgbClr val="004266"/>
-              </a:solidFill>
-              <a:latin typeface="Monaco" charset="0"/>
-              <a:ea typeface="Monaco" charset="0"/>
-              <a:cs typeface="Monaco" charset="0"/>
-            </a:endParaRPr>
-          </a:p>
-        </p:txBody>
-      </p:sp>
-      <p:sp>
-        <p:nvSpPr>
-          <p:cNvPr id="148" name="Left-Right Arrow 147"/>
-          <p:cNvSpPr/>
-          <p:nvPr/>
-        </p:nvSpPr>
-        <p:spPr>
-          <a:xfrm rot="16200000">
-            <a:off x="8953409" y="4443184"/>
-            <a:ext cx="377068" cy="181509"/>
-          </a:xfrm>
-          <a:prstGeom prst="leftRightArrow">
-            <a:avLst>
-              <a:gd name="adj1" fmla="val 39337"/>
-              <a:gd name="adj2" fmla="val 42003"/>
-            </a:avLst>
-          </a:prstGeom>
-          <a:solidFill>
-            <a:srgbClr val="FFFFFF"/>
-          </a:solidFill>
-          <a:ln w="9525" cap="flat" cmpd="sng" algn="ctr">
-            <a:solidFill>
-              <a:srgbClr val="004266"/>
-            </a:solidFill>
-            <a:prstDash val="solid"/>
-          </a:ln>
-          <a:effectLst/>
-        </p:spPr>
-        <p:txBody>
-          <a:bodyPr rtlCol="0" anchor="b"/>
-          <a:lstStyle/>
-          <a:p>
-            <a:pPr algn="ctr" defTabSz="914377" eaLnBrk="0" fontAlgn="base">
-              <a:spcBef>
-                <a:spcPct val="0"/>
-              </a:spcBef>
-              <a:spcAft>
-                <a:spcPct val="0"/>
-              </a:spcAft>
-              <a:defRPr/>
-            </a:pPr>
-            <a:endParaRPr lang="en-US" sz="840">
-              <a:solidFill>
-                <a:srgbClr val="004266"/>
-              </a:solidFill>
-              <a:latin typeface="Monaco" charset="0"/>
-              <a:ea typeface="Monaco" charset="0"/>
-              <a:cs typeface="Monaco" charset="0"/>
-            </a:endParaRPr>
-          </a:p>
-        </p:txBody>
-      </p:sp>
-      <p:sp>
-        <p:nvSpPr>
-          <p:cNvPr id="150" name="Rounded Rectangle 149"/>
-          <p:cNvSpPr/>
-          <p:nvPr/>
-        </p:nvSpPr>
-        <p:spPr>
-          <a:xfrm>
-            <a:off x="4943941" y="2381644"/>
-            <a:ext cx="710549" cy="320824"/>
-          </a:xfrm>
-          <a:prstGeom prst="roundRect">
-            <a:avLst/>
-          </a:prstGeom>
-          <a:solidFill>
-            <a:srgbClr val="FFFFFF"/>
-          </a:solidFill>
-          <a:ln w="9525" cap="flat" cmpd="sng" algn="ctr">
-            <a:solidFill>
-              <a:srgbClr val="004266"/>
-            </a:solidFill>
-            <a:prstDash val="solid"/>
-          </a:ln>
-          <a:effectLst/>
-        </p:spPr>
-        <p:txBody>
-          <a:bodyPr rtlCol="0" anchor="ctr"/>
-          <a:lstStyle/>
-          <a:p>
-            <a:pPr algn="ctr" defTabSz="914377" eaLnBrk="0" fontAlgn="base">
-              <a:spcBef>
-                <a:spcPct val="0"/>
-              </a:spcBef>
-              <a:spcAft>
-                <a:spcPct val="0"/>
-              </a:spcAft>
-              <a:defRPr/>
-            </a:pPr>
-            <a:r>
-              <a:rPr lang="en-US" sz="1200" smtClean="0">
-                <a:solidFill>
-                  <a:srgbClr val="004266"/>
-                </a:solidFill>
-                <a:latin typeface="Monaco" charset="0"/>
-                <a:ea typeface="Monaco" charset="0"/>
-                <a:cs typeface="Monaco" charset="0"/>
-              </a:rPr>
-              <a:t>CoAP</a:t>
-            </a:r>
-            <a:endParaRPr lang="en-US" sz="1200" dirty="0">
-              <a:solidFill>
-                <a:srgbClr val="004266"/>
-              </a:solidFill>
-              <a:latin typeface="Monaco" charset="0"/>
-              <a:ea typeface="Monaco" charset="0"/>
-              <a:cs typeface="Monaco" charset="0"/>
-            </a:endParaRPr>
-          </a:p>
-        </p:txBody>
-      </p:sp>
-      <p:sp>
-        <p:nvSpPr>
-          <p:cNvPr id="151" name="Rounded Rectangle 150"/>
-          <p:cNvSpPr/>
-          <p:nvPr/>
-        </p:nvSpPr>
-        <p:spPr>
-          <a:xfrm>
-            <a:off x="4103239" y="2845479"/>
-            <a:ext cx="684685" cy="320824"/>
-          </a:xfrm>
-          <a:prstGeom prst="roundRect">
-            <a:avLst/>
-          </a:prstGeom>
-          <a:solidFill>
-            <a:srgbClr val="FFFFFF"/>
-          </a:solidFill>
-          <a:ln w="9525" cap="flat" cmpd="sng" algn="ctr">
-            <a:solidFill>
-              <a:srgbClr val="004266"/>
-            </a:solidFill>
-            <a:prstDash val="solid"/>
-          </a:ln>
-          <a:effectLst/>
-        </p:spPr>
-        <p:txBody>
-          <a:bodyPr rtlCol="0" anchor="ctr"/>
-          <a:lstStyle/>
-          <a:p>
-            <a:pPr algn="ctr" defTabSz="914377" eaLnBrk="0" fontAlgn="base">
-              <a:spcBef>
-                <a:spcPct val="0"/>
-              </a:spcBef>
-              <a:spcAft>
-                <a:spcPct val="0"/>
-              </a:spcAft>
-              <a:defRPr/>
-            </a:pPr>
-            <a:r>
-              <a:rPr lang="en-US" sz="1200" dirty="0" smtClean="0">
-                <a:solidFill>
-                  <a:srgbClr val="004266"/>
-                </a:solidFill>
-                <a:latin typeface="Monaco" charset="0"/>
-                <a:ea typeface="Monaco" charset="0"/>
-                <a:cs typeface="Monaco" charset="0"/>
-              </a:rPr>
-              <a:t>HTTP</a:t>
-            </a:r>
-            <a:endParaRPr lang="en-US" sz="1200" dirty="0">
-              <a:solidFill>
-                <a:srgbClr val="004266"/>
-              </a:solidFill>
-              <a:latin typeface="Monaco" charset="0"/>
-              <a:ea typeface="Monaco" charset="0"/>
-              <a:cs typeface="Monaco" charset="0"/>
-            </a:endParaRPr>
-          </a:p>
-        </p:txBody>
-      </p:sp>
-      <p:sp>
-        <p:nvSpPr>
-          <p:cNvPr id="152" name="Rounded Rectangle 151"/>
-          <p:cNvSpPr/>
-          <p:nvPr/>
-        </p:nvSpPr>
-        <p:spPr>
-          <a:xfrm>
-            <a:off x="4943940" y="2839746"/>
-            <a:ext cx="710549" cy="320824"/>
-          </a:xfrm>
-          <a:prstGeom prst="roundRect">
-            <a:avLst/>
-          </a:prstGeom>
-          <a:solidFill>
-            <a:srgbClr val="FFFFFF"/>
-          </a:solidFill>
-          <a:ln w="9525" cap="flat" cmpd="sng" algn="ctr">
-            <a:solidFill>
-              <a:srgbClr val="004266"/>
-            </a:solidFill>
-            <a:prstDash val="solid"/>
-          </a:ln>
-          <a:effectLst/>
-        </p:spPr>
-        <p:txBody>
-          <a:bodyPr rtlCol="0" anchor="ctr"/>
-          <a:lstStyle/>
-          <a:p>
-            <a:pPr algn="ctr" defTabSz="914377" eaLnBrk="0" fontAlgn="base">
-              <a:spcBef>
-                <a:spcPct val="0"/>
-              </a:spcBef>
-              <a:spcAft>
-                <a:spcPct val="0"/>
-              </a:spcAft>
-              <a:defRPr/>
-            </a:pPr>
-            <a:r>
-              <a:rPr lang="en-US" sz="1200" dirty="0" err="1" smtClean="0">
-                <a:solidFill>
-                  <a:srgbClr val="004266"/>
-                </a:solidFill>
-                <a:latin typeface="Monaco" charset="0"/>
-                <a:ea typeface="Monaco" charset="0"/>
-                <a:cs typeface="Monaco" charset="0"/>
-              </a:rPr>
-              <a:t>WebSocket</a:t>
-            </a:r>
-            <a:endParaRPr lang="en-US" sz="1200" dirty="0">
-              <a:solidFill>
-                <a:srgbClr val="004266"/>
-              </a:solidFill>
-              <a:latin typeface="Monaco" charset="0"/>
-              <a:ea typeface="Monaco" charset="0"/>
-              <a:cs typeface="Monaco" charset="0"/>
-            </a:endParaRPr>
-          </a:p>
-        </p:txBody>
-      </p:sp>
-      <p:sp>
-        <p:nvSpPr>
-          <p:cNvPr id="153" name="Left-Right Arrow 152"/>
-          <p:cNvSpPr/>
-          <p:nvPr/>
-        </p:nvSpPr>
-        <p:spPr>
-          <a:xfrm>
-            <a:off x="3618297" y="2569621"/>
-            <a:ext cx="377068" cy="181509"/>
-          </a:xfrm>
-          <a:prstGeom prst="leftRightArrow">
-            <a:avLst>
-              <a:gd name="adj1" fmla="val 39337"/>
-              <a:gd name="adj2" fmla="val 42003"/>
-            </a:avLst>
-          </a:prstGeom>
-          <a:solidFill>
-            <a:srgbClr val="FFFFFF"/>
-          </a:solidFill>
-          <a:ln w="9525" cap="flat" cmpd="sng" algn="ctr">
-            <a:solidFill>
-              <a:srgbClr val="004266"/>
-            </a:solidFill>
-            <a:prstDash val="solid"/>
-          </a:ln>
-          <a:effectLst/>
-        </p:spPr>
-        <p:txBody>
-          <a:bodyPr rtlCol="0" anchor="b"/>
-          <a:lstStyle/>
-          <a:p>
-            <a:pPr algn="ctr" defTabSz="914377" eaLnBrk="0" fontAlgn="base">
-              <a:spcBef>
-                <a:spcPct val="0"/>
-              </a:spcBef>
-              <a:spcAft>
-                <a:spcPct val="0"/>
-              </a:spcAft>
-              <a:defRPr/>
-            </a:pPr>
-            <a:endParaRPr lang="en-US" sz="840">
-              <a:solidFill>
-                <a:srgbClr val="004266"/>
-              </a:solidFill>
-              <a:latin typeface="Monaco" charset="0"/>
-              <a:ea typeface="Monaco" charset="0"/>
-              <a:cs typeface="Monaco" charset="0"/>
-            </a:endParaRPr>
-          </a:p>
-        </p:txBody>
-      </p:sp>
-      <p:sp>
-        <p:nvSpPr>
-          <p:cNvPr id="154" name="Rounded Rectangle 153"/>
-          <p:cNvSpPr/>
-          <p:nvPr/>
-        </p:nvSpPr>
-        <p:spPr>
-          <a:xfrm>
-            <a:off x="6111457" y="1874945"/>
-            <a:ext cx="4084719" cy="1581145"/>
-          </a:xfrm>
-          <a:prstGeom prst="roundRect">
-            <a:avLst/>
-          </a:prstGeom>
-          <a:pattFill prst="dashUpDiag">
-            <a:fgClr>
-              <a:schemeClr val="accent1"/>
-            </a:fgClr>
-            <a:bgClr>
-              <a:schemeClr val="bg1"/>
-            </a:bgClr>
-          </a:pattFill>
-          <a:ln w="9525" cap="flat" cmpd="sng" algn="ctr">
-            <a:solidFill>
-              <a:srgbClr val="004266"/>
-            </a:solidFill>
-            <a:prstDash val="solid"/>
-          </a:ln>
-          <a:effectLst/>
-        </p:spPr>
-        <p:txBody>
-          <a:bodyPr rtlCol="0" anchor="t"/>
-          <a:lstStyle/>
-          <a:p>
-            <a:pPr algn="ctr" defTabSz="914377" eaLnBrk="0" fontAlgn="base">
-              <a:spcBef>
-                <a:spcPct val="0"/>
-              </a:spcBef>
-              <a:spcAft>
-                <a:spcPct val="0"/>
-              </a:spcAft>
-              <a:defRPr/>
-            </a:pPr>
-            <a:r>
-              <a:rPr lang="en-US" sz="1200" dirty="0" smtClean="0">
-                <a:solidFill>
-                  <a:srgbClr val="004266"/>
-                </a:solidFill>
-                <a:latin typeface="Arial"/>
-                <a:ea typeface="ＭＳ Ｐゴシック"/>
-                <a:cs typeface=""/>
-              </a:rPr>
-              <a:t>IoT Analytics</a:t>
-            </a:r>
-            <a:endParaRPr lang="en-US" sz="1200" dirty="0">
-              <a:solidFill>
-                <a:srgbClr val="004266"/>
-              </a:solidFill>
-              <a:latin typeface="Arial"/>
-              <a:ea typeface="ＭＳ Ｐゴシック"/>
-              <a:cs typeface=""/>
-            </a:endParaRPr>
-          </a:p>
-        </p:txBody>
-      </p:sp>
-      <p:sp>
-        <p:nvSpPr>
-          <p:cNvPr id="77" name="Rounded Rectangle 76"/>
-          <p:cNvSpPr/>
-          <p:nvPr/>
-        </p:nvSpPr>
-        <p:spPr>
-          <a:xfrm>
-            <a:off x="6214483" y="2188517"/>
-            <a:ext cx="1013381" cy="1081977"/>
-          </a:xfrm>
-          <a:prstGeom prst="roundRect">
-            <a:avLst>
-              <a:gd name="adj" fmla="val 9237"/>
-            </a:avLst>
-          </a:prstGeom>
-          <a:pattFill prst="pct90">
-            <a:fgClr>
-              <a:srgbClr val="003756">
-                <a:lumMod val="10000"/>
-                <a:lumOff val="90000"/>
-              </a:srgbClr>
-            </a:fgClr>
-            <a:bgClr>
-              <a:srgbClr val="FFFFFF"/>
-            </a:bgClr>
-          </a:pattFill>
-          <a:ln w="9525" cap="flat" cmpd="sng" algn="ctr">
-            <a:solidFill>
-              <a:srgbClr val="004266"/>
-            </a:solidFill>
-            <a:prstDash val="solid"/>
-          </a:ln>
-          <a:effectLst/>
-        </p:spPr>
-        <p:txBody>
-          <a:bodyPr rtlCol="0" anchor="ctr" anchorCtr="1"/>
-          <a:lstStyle/>
-          <a:p>
-            <a:pPr algn="ctr" defTabSz="914377" eaLnBrk="0" fontAlgn="base">
-              <a:spcBef>
-                <a:spcPct val="0"/>
-              </a:spcBef>
-              <a:spcAft>
-                <a:spcPct val="0"/>
-              </a:spcAft>
-              <a:defRPr/>
-            </a:pPr>
-            <a:r>
-              <a:rPr lang="en-US" sz="1000" dirty="0" smtClean="0">
-                <a:solidFill>
-                  <a:srgbClr val="004266"/>
-                </a:solidFill>
-                <a:latin typeface="Monaco" charset="0"/>
-                <a:ea typeface="Monaco" charset="0"/>
-                <a:cs typeface="Monaco" charset="0"/>
-              </a:rPr>
-              <a:t>Rule</a:t>
-            </a:r>
-            <a:endParaRPr lang="en-US" sz="1000" dirty="0">
-              <a:solidFill>
-                <a:srgbClr val="004266"/>
-              </a:solidFill>
-              <a:latin typeface="Monaco" charset="0"/>
-              <a:ea typeface="Monaco" charset="0"/>
-              <a:cs typeface="Monaco" charset="0"/>
-            </a:endParaRPr>
-          </a:p>
-          <a:p>
-            <a:pPr algn="ctr" defTabSz="914377" eaLnBrk="0" fontAlgn="base">
-              <a:spcBef>
-                <a:spcPct val="0"/>
-              </a:spcBef>
-              <a:spcAft>
-                <a:spcPct val="0"/>
-              </a:spcAft>
-              <a:defRPr/>
-            </a:pPr>
-            <a:r>
-              <a:rPr lang="en-US" sz="1000" dirty="0" smtClean="0">
-                <a:solidFill>
-                  <a:srgbClr val="004266"/>
-                </a:solidFill>
-                <a:latin typeface="Monaco" charset="0"/>
-                <a:ea typeface="Monaco" charset="0"/>
-                <a:cs typeface="Monaco" charset="0"/>
-              </a:rPr>
-              <a:t>Engine</a:t>
-            </a:r>
-          </a:p>
-          <a:p>
-            <a:pPr algn="ctr" defTabSz="914377" eaLnBrk="0" fontAlgn="base">
-              <a:spcBef>
-                <a:spcPct val="0"/>
-              </a:spcBef>
-              <a:spcAft>
-                <a:spcPct val="0"/>
-              </a:spcAft>
-              <a:defRPr/>
-            </a:pPr>
-            <a:r>
-              <a:rPr lang="en-US" sz="1000" dirty="0" smtClean="0">
-                <a:solidFill>
-                  <a:srgbClr val="004266"/>
-                </a:solidFill>
-                <a:latin typeface="Monaco" charset="0"/>
-                <a:ea typeface="Monaco" charset="0"/>
-                <a:cs typeface="Monaco" charset="0"/>
-              </a:rPr>
-              <a:t>(anomaly </a:t>
-            </a:r>
-            <a:r>
-              <a:rPr lang="en-US" sz="1000" dirty="0" err="1" smtClean="0">
-                <a:solidFill>
-                  <a:srgbClr val="004266"/>
-                </a:solidFill>
-                <a:latin typeface="Monaco" charset="0"/>
-                <a:ea typeface="Monaco" charset="0"/>
-                <a:cs typeface="Monaco" charset="0"/>
-              </a:rPr>
-              <a:t>detection,filter,processor,etc</a:t>
-            </a:r>
-            <a:r>
-              <a:rPr lang="en-US" sz="1000" dirty="0" smtClean="0">
-                <a:solidFill>
-                  <a:srgbClr val="004266"/>
-                </a:solidFill>
-                <a:latin typeface="Monaco" charset="0"/>
-                <a:ea typeface="Monaco" charset="0"/>
-                <a:cs typeface="Monaco" charset="0"/>
-              </a:rPr>
-              <a:t>)</a:t>
-            </a:r>
-            <a:endParaRPr lang="en-US" sz="1000" dirty="0">
-              <a:solidFill>
-                <a:srgbClr val="004266"/>
-              </a:solidFill>
-              <a:latin typeface="Monaco" charset="0"/>
-              <a:ea typeface="Monaco" charset="0"/>
-              <a:cs typeface="Monaco" charset="0"/>
-            </a:endParaRPr>
-          </a:p>
-        </p:txBody>
-      </p:sp>
-      <p:sp>
-        <p:nvSpPr>
-          <p:cNvPr id="80" name="Rounded Rectangle 79"/>
-          <p:cNvSpPr/>
-          <p:nvPr/>
-        </p:nvSpPr>
-        <p:spPr>
-          <a:xfrm>
-            <a:off x="7328028" y="2205883"/>
-            <a:ext cx="1257488" cy="1056487"/>
-          </a:xfrm>
-          <a:prstGeom prst="roundRect">
-            <a:avLst>
-              <a:gd name="adj" fmla="val 9237"/>
-            </a:avLst>
-          </a:prstGeom>
-          <a:pattFill prst="pct90">
-            <a:fgClr>
-              <a:srgbClr val="003756">
-                <a:lumMod val="10000"/>
-                <a:lumOff val="90000"/>
-              </a:srgbClr>
-            </a:fgClr>
-            <a:bgClr>
-              <a:srgbClr val="FFFFFF"/>
-            </a:bgClr>
-          </a:pattFill>
-          <a:ln w="9525" cap="flat" cmpd="sng" algn="ctr">
-            <a:solidFill>
-              <a:srgbClr val="004266"/>
-            </a:solidFill>
-            <a:prstDash val="solid"/>
-          </a:ln>
-          <a:effectLst/>
-        </p:spPr>
-        <p:txBody>
-          <a:bodyPr rtlCol="0" anchor="ctr" anchorCtr="1"/>
-          <a:lstStyle/>
-          <a:p>
-            <a:pPr algn="ctr" defTabSz="914377" eaLnBrk="0" fontAlgn="base">
-              <a:spcBef>
-                <a:spcPct val="0"/>
-              </a:spcBef>
-              <a:spcAft>
-                <a:spcPct val="0"/>
-              </a:spcAft>
-              <a:defRPr/>
-            </a:pPr>
-            <a:r>
-              <a:rPr lang="en-US" sz="1000" dirty="0" smtClean="0">
-                <a:solidFill>
-                  <a:srgbClr val="004266"/>
-                </a:solidFill>
-                <a:latin typeface="Monaco" charset="0"/>
-                <a:ea typeface="Monaco" charset="0"/>
-                <a:cs typeface="Monaco" charset="0"/>
-              </a:rPr>
-              <a:t>Advanced Analytics</a:t>
-            </a:r>
-          </a:p>
-          <a:p>
-            <a:pPr algn="ctr" defTabSz="914377" eaLnBrk="0" fontAlgn="base">
-              <a:spcBef>
-                <a:spcPct val="0"/>
-              </a:spcBef>
-              <a:spcAft>
-                <a:spcPct val="0"/>
-              </a:spcAft>
-              <a:defRPr/>
-            </a:pPr>
-            <a:r>
-              <a:rPr lang="en-US" sz="1000" dirty="0" smtClean="0">
-                <a:solidFill>
-                  <a:srgbClr val="004266"/>
-                </a:solidFill>
-                <a:latin typeface="Monaco" charset="0"/>
-                <a:ea typeface="Monaco" charset="0"/>
-                <a:cs typeface="Monaco" charset="0"/>
-              </a:rPr>
-              <a:t>(</a:t>
-            </a:r>
-            <a:r>
-              <a:rPr lang="en-US" sz="1000" dirty="0" err="1" smtClean="0">
-                <a:solidFill>
-                  <a:srgbClr val="004266"/>
-                </a:solidFill>
-                <a:latin typeface="Monaco" charset="0"/>
-                <a:ea typeface="Monaco" charset="0"/>
-                <a:cs typeface="Monaco" charset="0"/>
-              </a:rPr>
-              <a:t>enrich,convers,merge,aggregate,etc</a:t>
-            </a:r>
-            <a:r>
-              <a:rPr lang="en-US" sz="1000" dirty="0" smtClean="0">
-                <a:solidFill>
-                  <a:srgbClr val="004266"/>
-                </a:solidFill>
-                <a:latin typeface="Monaco" charset="0"/>
-                <a:ea typeface="Monaco" charset="0"/>
-                <a:cs typeface="Monaco" charset="0"/>
-              </a:rPr>
-              <a:t>)</a:t>
-            </a:r>
-            <a:endParaRPr lang="en-US" sz="1000" dirty="0">
-              <a:solidFill>
-                <a:srgbClr val="004266"/>
-              </a:solidFill>
-              <a:latin typeface="Monaco" charset="0"/>
-              <a:ea typeface="Monaco" charset="0"/>
-              <a:cs typeface="Monaco" charset="0"/>
-            </a:endParaRPr>
-          </a:p>
-        </p:txBody>
-      </p:sp>
-      <p:sp>
-        <p:nvSpPr>
-          <p:cNvPr id="157" name="Rounded Rectangle 156"/>
-          <p:cNvSpPr/>
-          <p:nvPr/>
-        </p:nvSpPr>
-        <p:spPr>
-          <a:xfrm>
-            <a:off x="5908443" y="4765621"/>
-            <a:ext cx="2152454" cy="1332005"/>
-          </a:xfrm>
-          <a:prstGeom prst="roundRect">
-            <a:avLst>
-              <a:gd name="adj" fmla="val 9237"/>
-            </a:avLst>
-          </a:prstGeom>
-          <a:solidFill>
-            <a:srgbClr val="003756">
-              <a:lumMod val="10000"/>
-              <a:lumOff val="90000"/>
-            </a:srgbClr>
-          </a:solidFill>
-          <a:ln w="9525" cap="flat" cmpd="sng" algn="ctr">
-            <a:solidFill>
-              <a:srgbClr val="004266"/>
-            </a:solidFill>
-            <a:prstDash val="solid"/>
-          </a:ln>
-          <a:effectLst/>
-        </p:spPr>
-        <p:txBody>
-          <a:bodyPr vert="horz" rtlCol="0" anchor="t" anchorCtr="1"/>
-          <a:lstStyle/>
-          <a:p>
-            <a:pPr algn="ctr" defTabSz="914377" eaLnBrk="0" fontAlgn="base">
-              <a:spcBef>
-                <a:spcPct val="0"/>
-              </a:spcBef>
-              <a:spcAft>
-                <a:spcPct val="0"/>
-              </a:spcAft>
-              <a:defRPr/>
-            </a:pPr>
-            <a:r>
-              <a:rPr lang="en-US" sz="1200" dirty="0" smtClean="0">
-                <a:solidFill>
-                  <a:srgbClr val="004266"/>
-                </a:solidFill>
-                <a:latin typeface="Monaco" charset="0"/>
-                <a:ea typeface="Monaco" charset="0"/>
-                <a:cs typeface="Monaco" charset="0"/>
-              </a:rPr>
-              <a:t>Metadata &amp; Event Management</a:t>
-            </a:r>
-            <a:endParaRPr lang="en-US" sz="720" dirty="0">
-              <a:solidFill>
-                <a:srgbClr val="004266"/>
-              </a:solidFill>
-              <a:latin typeface="Monaco" charset="0"/>
-              <a:ea typeface="Monaco" charset="0"/>
-              <a:cs typeface="Monaco" charset="0"/>
-            </a:endParaRPr>
-          </a:p>
-        </p:txBody>
-      </p:sp>
-      <p:sp>
-        <p:nvSpPr>
-          <p:cNvPr id="160" name="Left-Right Arrow 159"/>
-          <p:cNvSpPr/>
-          <p:nvPr/>
-        </p:nvSpPr>
-        <p:spPr>
-          <a:xfrm rot="16200000">
-            <a:off x="6620738" y="4436872"/>
-            <a:ext cx="377068" cy="181509"/>
-          </a:xfrm>
-          <a:prstGeom prst="leftRightArrow">
-            <a:avLst>
-              <a:gd name="adj1" fmla="val 39337"/>
-              <a:gd name="adj2" fmla="val 42003"/>
-            </a:avLst>
-          </a:prstGeom>
-          <a:solidFill>
-            <a:srgbClr val="FFFFFF"/>
-          </a:solidFill>
-          <a:ln w="9525" cap="flat" cmpd="sng" algn="ctr">
-            <a:solidFill>
-              <a:srgbClr val="004266"/>
-            </a:solidFill>
-            <a:prstDash val="solid"/>
-          </a:ln>
-          <a:effectLst/>
-        </p:spPr>
-        <p:txBody>
-          <a:bodyPr rtlCol="0" anchor="b"/>
-          <a:lstStyle/>
-          <a:p>
-            <a:pPr algn="ctr" defTabSz="914377" eaLnBrk="0" fontAlgn="base">
-              <a:spcBef>
-                <a:spcPct val="0"/>
-              </a:spcBef>
-              <a:spcAft>
-                <a:spcPct val="0"/>
-              </a:spcAft>
-              <a:defRPr/>
-            </a:pPr>
-            <a:endParaRPr lang="en-US" sz="840">
-              <a:solidFill>
-                <a:srgbClr val="004266"/>
-              </a:solidFill>
-              <a:latin typeface="Monaco" charset="0"/>
-              <a:ea typeface="Monaco" charset="0"/>
-              <a:cs typeface="Monaco" charset="0"/>
-            </a:endParaRPr>
-          </a:p>
-        </p:txBody>
-      </p:sp>
-      <p:sp>
-        <p:nvSpPr>
-          <p:cNvPr id="166" name="8-Point Star 165"/>
-          <p:cNvSpPr/>
-          <p:nvPr/>
-        </p:nvSpPr>
-        <p:spPr>
-          <a:xfrm>
-            <a:off x="1818968" y="2845479"/>
-            <a:ext cx="294841" cy="276395"/>
-          </a:xfrm>
-          <a:prstGeom prst="star8">
-            <a:avLst/>
-          </a:prstGeom>
-          <a:solidFill>
-            <a:srgbClr val="C00000"/>
-          </a:solidFill>
-          <a:ln>
-            <a:noFill/>
-          </a:ln>
-        </p:spPr>
-        <p:style>
-          <a:lnRef idx="2">
-            <a:schemeClr val="accent1">
-              <a:shade val="50000"/>
-            </a:schemeClr>
-          </a:lnRef>
-          <a:fillRef idx="1">
-            <a:schemeClr val="accent1"/>
-          </a:fillRef>
-          <a:effectRef idx="0">
-            <a:schemeClr val="accent1"/>
-          </a:effectRef>
-          <a:fontRef idx="minor">
-            <a:schemeClr val="lt1"/>
-          </a:fontRef>
-        </p:style>
-        <p:txBody>
-          <a:bodyPr rtlCol="0" anchor="ctr"/>
-          <a:lstStyle/>
-          <a:p>
-            <a:pPr algn="ctr"/>
-            <a:r>
-              <a:rPr lang="en-US" sz="1200" dirty="0" smtClean="0"/>
-              <a:t>1</a:t>
-            </a:r>
-            <a:endParaRPr lang="en-US" sz="1200" dirty="0"/>
-          </a:p>
-        </p:txBody>
-      </p:sp>
-      <p:sp>
-        <p:nvSpPr>
-          <p:cNvPr id="167" name="8-Point Star 166"/>
-          <p:cNvSpPr/>
-          <p:nvPr/>
-        </p:nvSpPr>
-        <p:spPr>
-          <a:xfrm>
-            <a:off x="3287908" y="1898688"/>
-            <a:ext cx="294841" cy="276395"/>
-          </a:xfrm>
-          <a:prstGeom prst="star8">
-            <a:avLst/>
-          </a:prstGeom>
-          <a:solidFill>
-            <a:srgbClr val="C00000"/>
-          </a:solidFill>
-          <a:ln>
-            <a:noFill/>
-          </a:ln>
-        </p:spPr>
-        <p:style>
-          <a:lnRef idx="2">
-            <a:schemeClr val="accent1">
-              <a:shade val="50000"/>
-            </a:schemeClr>
-          </a:lnRef>
-          <a:fillRef idx="1">
-            <a:schemeClr val="accent1"/>
-          </a:fillRef>
-          <a:effectRef idx="0">
-            <a:schemeClr val="accent1"/>
-          </a:effectRef>
-          <a:fontRef idx="minor">
-            <a:schemeClr val="lt1"/>
-          </a:fontRef>
-        </p:style>
-        <p:txBody>
-          <a:bodyPr rtlCol="0" anchor="ctr"/>
-          <a:lstStyle/>
-          <a:p>
-            <a:pPr algn="ctr"/>
-            <a:r>
-              <a:rPr lang="en-US" sz="1200" dirty="0"/>
-              <a:t>2</a:t>
-            </a:r>
-          </a:p>
-        </p:txBody>
-      </p:sp>
-      <p:sp>
-        <p:nvSpPr>
-          <p:cNvPr id="168" name="8-Point Star 167"/>
-          <p:cNvSpPr/>
-          <p:nvPr/>
-        </p:nvSpPr>
-        <p:spPr>
-          <a:xfrm>
-            <a:off x="5315419" y="1885716"/>
-            <a:ext cx="294841" cy="276395"/>
-          </a:xfrm>
-          <a:prstGeom prst="star8">
-            <a:avLst/>
-          </a:prstGeom>
-          <a:solidFill>
-            <a:srgbClr val="C00000"/>
-          </a:solidFill>
-          <a:ln>
-            <a:noFill/>
-          </a:ln>
-        </p:spPr>
-        <p:style>
-          <a:lnRef idx="2">
-            <a:schemeClr val="accent1">
-              <a:shade val="50000"/>
-            </a:schemeClr>
-          </a:lnRef>
-          <a:fillRef idx="1">
-            <a:schemeClr val="accent1"/>
-          </a:fillRef>
-          <a:effectRef idx="0">
-            <a:schemeClr val="accent1"/>
-          </a:effectRef>
-          <a:fontRef idx="minor">
-            <a:schemeClr val="lt1"/>
-          </a:fontRef>
-        </p:style>
-        <p:txBody>
-          <a:bodyPr rtlCol="0" anchor="ctr"/>
-          <a:lstStyle/>
-          <a:p>
-            <a:pPr algn="ctr"/>
-            <a:r>
-              <a:rPr lang="en-US" sz="1200" dirty="0" smtClean="0"/>
-              <a:t>4</a:t>
-            </a:r>
-            <a:endParaRPr lang="en-US" sz="1200" dirty="0"/>
-          </a:p>
-        </p:txBody>
-      </p:sp>
-      <p:sp>
-        <p:nvSpPr>
-          <p:cNvPr id="169" name="8-Point Star 168"/>
-          <p:cNvSpPr/>
-          <p:nvPr/>
-        </p:nvSpPr>
-        <p:spPr>
-          <a:xfrm>
-            <a:off x="7255385" y="1962109"/>
-            <a:ext cx="294841" cy="276395"/>
-          </a:xfrm>
-          <a:prstGeom prst="star8">
-            <a:avLst/>
-          </a:prstGeom>
-          <a:solidFill>
-            <a:srgbClr val="C00000"/>
-          </a:solidFill>
-          <a:ln>
-            <a:noFill/>
-          </a:ln>
-        </p:spPr>
-        <p:style>
-          <a:lnRef idx="2">
-            <a:schemeClr val="accent1">
-              <a:shade val="50000"/>
-            </a:schemeClr>
-          </a:lnRef>
-          <a:fillRef idx="1">
-            <a:schemeClr val="accent1"/>
-          </a:fillRef>
-          <a:effectRef idx="0">
-            <a:schemeClr val="accent1"/>
-          </a:effectRef>
-          <a:fontRef idx="minor">
-            <a:schemeClr val="lt1"/>
-          </a:fontRef>
-        </p:style>
-        <p:txBody>
-          <a:bodyPr rtlCol="0" anchor="ctr"/>
-          <a:lstStyle/>
-          <a:p>
-            <a:pPr algn="ctr"/>
-            <a:r>
-              <a:rPr lang="en-US" sz="1200" dirty="0" smtClean="0"/>
-              <a:t>8</a:t>
-            </a:r>
-            <a:endParaRPr lang="en-US" sz="1200" dirty="0"/>
-          </a:p>
-        </p:txBody>
-      </p:sp>
-      <p:sp>
-        <p:nvSpPr>
-          <p:cNvPr id="170" name="8-Point Star 169"/>
-          <p:cNvSpPr/>
-          <p:nvPr/>
-        </p:nvSpPr>
-        <p:spPr>
-          <a:xfrm>
-            <a:off x="5338769" y="5003099"/>
-            <a:ext cx="294841" cy="276395"/>
-          </a:xfrm>
-          <a:prstGeom prst="star8">
-            <a:avLst/>
-          </a:prstGeom>
-          <a:solidFill>
-            <a:srgbClr val="C00000"/>
-          </a:solidFill>
-          <a:ln>
-            <a:noFill/>
-          </a:ln>
-        </p:spPr>
-        <p:style>
-          <a:lnRef idx="2">
-            <a:schemeClr val="accent1">
-              <a:shade val="50000"/>
-            </a:schemeClr>
-          </a:lnRef>
-          <a:fillRef idx="1">
-            <a:schemeClr val="accent1"/>
-          </a:fillRef>
-          <a:effectRef idx="0">
-            <a:schemeClr val="accent1"/>
-          </a:effectRef>
-          <a:fontRef idx="minor">
-            <a:schemeClr val="lt1"/>
-          </a:fontRef>
-        </p:style>
-        <p:txBody>
-          <a:bodyPr rtlCol="0" anchor="ctr"/>
-          <a:lstStyle/>
-          <a:p>
-            <a:pPr algn="ctr"/>
-            <a:r>
-              <a:rPr lang="en-US" sz="1200" dirty="0" smtClean="0"/>
-              <a:t>5</a:t>
-            </a:r>
-            <a:endParaRPr lang="en-US" sz="1200" dirty="0"/>
-          </a:p>
-        </p:txBody>
-      </p:sp>
-      <p:sp>
-        <p:nvSpPr>
-          <p:cNvPr id="171" name="8-Point Star 170"/>
-          <p:cNvSpPr/>
-          <p:nvPr/>
-        </p:nvSpPr>
-        <p:spPr>
-          <a:xfrm>
-            <a:off x="7328028" y="4994261"/>
-            <a:ext cx="294841" cy="276395"/>
-          </a:xfrm>
-          <a:prstGeom prst="star8">
-            <a:avLst/>
-          </a:prstGeom>
-          <a:solidFill>
-            <a:srgbClr val="C00000"/>
-          </a:solidFill>
-          <a:ln>
-            <a:noFill/>
-          </a:ln>
-        </p:spPr>
-        <p:style>
-          <a:lnRef idx="2">
-            <a:schemeClr val="accent1">
-              <a:shade val="50000"/>
-            </a:schemeClr>
-          </a:lnRef>
-          <a:fillRef idx="1">
-            <a:schemeClr val="accent1"/>
-          </a:fillRef>
-          <a:effectRef idx="0">
-            <a:schemeClr val="accent1"/>
-          </a:effectRef>
-          <a:fontRef idx="minor">
-            <a:schemeClr val="lt1"/>
-          </a:fontRef>
-        </p:style>
-        <p:txBody>
-          <a:bodyPr rtlCol="0" anchor="ctr"/>
-          <a:lstStyle/>
-          <a:p>
-            <a:pPr algn="ctr"/>
-            <a:r>
-              <a:rPr lang="en-US" sz="1200" dirty="0" smtClean="0"/>
-              <a:t>6</a:t>
-            </a:r>
-            <a:endParaRPr lang="en-US" sz="1200" dirty="0"/>
-          </a:p>
-        </p:txBody>
-      </p:sp>
-      <p:sp>
-        <p:nvSpPr>
-          <p:cNvPr id="172" name="Left-Right Arrow 171"/>
-          <p:cNvSpPr/>
-          <p:nvPr/>
-        </p:nvSpPr>
-        <p:spPr>
-          <a:xfrm>
-            <a:off x="3622122" y="5071199"/>
-            <a:ext cx="377068" cy="181509"/>
-          </a:xfrm>
-          <a:prstGeom prst="leftRightArrow">
-            <a:avLst>
-              <a:gd name="adj1" fmla="val 39337"/>
-              <a:gd name="adj2" fmla="val 42003"/>
-            </a:avLst>
-          </a:prstGeom>
-          <a:solidFill>
-            <a:srgbClr val="FFFFFF"/>
-          </a:solidFill>
-          <a:ln w="9525" cap="flat" cmpd="sng" algn="ctr">
-            <a:solidFill>
-              <a:srgbClr val="004266"/>
-            </a:solidFill>
-            <a:prstDash val="solid"/>
-          </a:ln>
-          <a:effectLst/>
-        </p:spPr>
-        <p:txBody>
-          <a:bodyPr rtlCol="0" anchor="b"/>
-          <a:lstStyle/>
-          <a:p>
-            <a:pPr algn="ctr" defTabSz="914377" eaLnBrk="0" fontAlgn="base">
-              <a:spcBef>
-                <a:spcPct val="0"/>
-              </a:spcBef>
-              <a:spcAft>
-                <a:spcPct val="0"/>
-              </a:spcAft>
-              <a:defRPr/>
-            </a:pPr>
-            <a:endParaRPr lang="en-US" sz="840">
-              <a:solidFill>
-                <a:srgbClr val="004266"/>
-              </a:solidFill>
-              <a:latin typeface="Monaco" charset="0"/>
-              <a:ea typeface="Monaco" charset="0"/>
-              <a:cs typeface="Monaco" charset="0"/>
-            </a:endParaRPr>
-          </a:p>
-        </p:txBody>
-      </p:sp>
-      <p:sp>
-        <p:nvSpPr>
-          <p:cNvPr id="173" name="8-Point Star 172"/>
-          <p:cNvSpPr/>
-          <p:nvPr/>
-        </p:nvSpPr>
-        <p:spPr>
-          <a:xfrm>
-            <a:off x="9705248" y="4938104"/>
-            <a:ext cx="294841" cy="276395"/>
-          </a:xfrm>
-          <a:prstGeom prst="star8">
-            <a:avLst/>
-          </a:prstGeom>
-          <a:solidFill>
-            <a:srgbClr val="C00000"/>
-          </a:solidFill>
-          <a:ln>
-            <a:noFill/>
-          </a:ln>
-        </p:spPr>
-        <p:style>
-          <a:lnRef idx="2">
-            <a:schemeClr val="accent1">
-              <a:shade val="50000"/>
-            </a:schemeClr>
-          </a:lnRef>
-          <a:fillRef idx="1">
-            <a:schemeClr val="accent1"/>
-          </a:fillRef>
-          <a:effectRef idx="0">
-            <a:schemeClr val="accent1"/>
-          </a:effectRef>
-          <a:fontRef idx="minor">
-            <a:schemeClr val="lt1"/>
-          </a:fontRef>
-        </p:style>
-        <p:txBody>
-          <a:bodyPr rtlCol="0" anchor="ctr"/>
-          <a:lstStyle/>
-          <a:p>
-            <a:pPr algn="ctr"/>
-            <a:r>
-              <a:rPr lang="en-US" sz="1200" dirty="0" smtClean="0"/>
-              <a:t>7</a:t>
-            </a:r>
-            <a:endParaRPr lang="en-US" sz="1200" dirty="0"/>
-          </a:p>
-        </p:txBody>
-      </p:sp>
-      <p:sp>
-        <p:nvSpPr>
-          <p:cNvPr id="174" name="8-Point Star 173"/>
-          <p:cNvSpPr/>
-          <p:nvPr/>
-        </p:nvSpPr>
-        <p:spPr>
-          <a:xfrm>
-            <a:off x="4794066" y="1253041"/>
-            <a:ext cx="294841" cy="276395"/>
-          </a:xfrm>
-          <a:prstGeom prst="star8">
-            <a:avLst/>
-          </a:prstGeom>
-          <a:solidFill>
-            <a:srgbClr val="C00000"/>
-          </a:solidFill>
-          <a:ln>
-            <a:noFill/>
-          </a:ln>
-        </p:spPr>
-        <p:style>
-          <a:lnRef idx="2">
-            <a:schemeClr val="accent1">
-              <a:shade val="50000"/>
-            </a:schemeClr>
-          </a:lnRef>
-          <a:fillRef idx="1">
-            <a:schemeClr val="accent1"/>
-          </a:fillRef>
-          <a:effectRef idx="0">
-            <a:schemeClr val="accent1"/>
-          </a:effectRef>
-          <a:fontRef idx="minor">
-            <a:schemeClr val="lt1"/>
-          </a:fontRef>
-        </p:style>
-        <p:txBody>
-          <a:bodyPr rtlCol="0" anchor="ctr"/>
-          <a:lstStyle/>
-          <a:p>
-            <a:pPr algn="ctr"/>
-            <a:r>
-              <a:rPr lang="en-US" sz="1200" dirty="0"/>
-              <a:t>3</a:t>
-            </a:r>
-          </a:p>
-        </p:txBody>
-      </p:sp>
-      <p:pic>
-        <p:nvPicPr>
-          <p:cNvPr id="175" name="Picture 174"/>
-          <p:cNvPicPr>
-            <a:picLocks noChangeAspect="1"/>
-          </p:cNvPicPr>
-          <p:nvPr/>
-        </p:nvPicPr>
-        <p:blipFill>
-          <a:blip r:embed="rId3"/>
-          <a:stretch>
-            <a:fillRect/>
-          </a:stretch>
-        </p:blipFill>
-        <p:spPr>
-          <a:xfrm>
-            <a:off x="11019207" y="3966259"/>
-            <a:ext cx="730973" cy="555258"/>
-          </a:xfrm>
-          <a:prstGeom prst="rect">
-            <a:avLst/>
-          </a:prstGeom>
-        </p:spPr>
-      </p:pic>
-      <p:sp>
-        <p:nvSpPr>
-          <p:cNvPr id="176" name="Rectangle 175"/>
-          <p:cNvSpPr/>
-          <p:nvPr/>
-        </p:nvSpPr>
-        <p:spPr>
-          <a:xfrm>
-            <a:off x="10709611" y="3586445"/>
-            <a:ext cx="1261884" cy="400110"/>
-          </a:xfrm>
-          <a:prstGeom prst="rect">
-            <a:avLst/>
-          </a:prstGeom>
-        </p:spPr>
-        <p:txBody>
-          <a:bodyPr wrap="none">
-            <a:spAutoFit/>
-          </a:bodyPr>
-          <a:lstStyle/>
-          <a:p>
-            <a:pPr algn="ctr" defTabSz="914377" eaLnBrk="0" fontAlgn="base">
-              <a:spcBef>
-                <a:spcPct val="0"/>
-              </a:spcBef>
-              <a:spcAft>
-                <a:spcPct val="0"/>
-              </a:spcAft>
-              <a:defRPr/>
-            </a:pPr>
-            <a:r>
-              <a:rPr lang="en-US" sz="1000" dirty="0" smtClean="0">
-                <a:solidFill>
-                  <a:srgbClr val="004266"/>
-                </a:solidFill>
-                <a:latin typeface="Monaco" charset="0"/>
-                <a:ea typeface="Monaco" charset="0"/>
-                <a:cs typeface="Monaco" charset="0"/>
-              </a:rPr>
-              <a:t>3</a:t>
-            </a:r>
-            <a:r>
-              <a:rPr lang="en-US" sz="1000" baseline="30000" dirty="0" smtClean="0">
-                <a:solidFill>
-                  <a:srgbClr val="004266"/>
-                </a:solidFill>
-                <a:latin typeface="Monaco" charset="0"/>
-                <a:ea typeface="Monaco" charset="0"/>
-                <a:cs typeface="Monaco" charset="0"/>
-              </a:rPr>
-              <a:t>rd</a:t>
-            </a:r>
-            <a:r>
-              <a:rPr lang="en-US" sz="1000" dirty="0" smtClean="0">
-                <a:solidFill>
-                  <a:srgbClr val="004266"/>
-                </a:solidFill>
-                <a:latin typeface="Monaco" charset="0"/>
-                <a:ea typeface="Monaco" charset="0"/>
-                <a:cs typeface="Monaco" charset="0"/>
-              </a:rPr>
-              <a:t> Party </a:t>
-            </a:r>
-          </a:p>
-          <a:p>
-            <a:pPr algn="ctr" defTabSz="914377" eaLnBrk="0" fontAlgn="base">
-              <a:spcBef>
-                <a:spcPct val="0"/>
-              </a:spcBef>
-              <a:spcAft>
-                <a:spcPct val="0"/>
-              </a:spcAft>
-              <a:defRPr/>
-            </a:pPr>
-            <a:r>
-              <a:rPr lang="en-US" sz="1000" dirty="0" smtClean="0">
-                <a:solidFill>
-                  <a:srgbClr val="004266"/>
-                </a:solidFill>
-                <a:latin typeface="Monaco" charset="0"/>
-                <a:ea typeface="Monaco" charset="0"/>
-                <a:cs typeface="Monaco" charset="0"/>
-              </a:rPr>
-              <a:t>Cloud Services</a:t>
-            </a:r>
-            <a:endParaRPr lang="en-US" sz="1000" dirty="0">
-              <a:solidFill>
-                <a:srgbClr val="004266"/>
-              </a:solidFill>
-              <a:latin typeface="Monaco" charset="0"/>
-              <a:ea typeface="Monaco" charset="0"/>
-              <a:cs typeface="Monaco" charset="0"/>
-            </a:endParaRPr>
-          </a:p>
-        </p:txBody>
-      </p:sp>
-      <p:sp>
-        <p:nvSpPr>
-          <p:cNvPr id="7" name="Rounded Rectangle 6"/>
-          <p:cNvSpPr/>
-          <p:nvPr/>
-        </p:nvSpPr>
-        <p:spPr>
-          <a:xfrm>
-            <a:off x="8670806" y="2205883"/>
-            <a:ext cx="1326621" cy="1064612"/>
-          </a:xfrm>
-          <a:prstGeom prst="roundRect">
-            <a:avLst>
-              <a:gd name="adj" fmla="val 9237"/>
-            </a:avLst>
-          </a:prstGeom>
-          <a:solidFill>
-            <a:srgbClr val="003756">
-              <a:lumMod val="10000"/>
-              <a:lumOff val="90000"/>
-            </a:srgbClr>
-          </a:solidFill>
-          <a:ln w="9525" cap="flat" cmpd="sng" algn="ctr">
-            <a:solidFill>
-              <a:srgbClr val="004266"/>
-            </a:solidFill>
-            <a:prstDash val="solid"/>
-          </a:ln>
-          <a:effectLst/>
-        </p:spPr>
-        <p:txBody>
-          <a:bodyPr rtlCol="0" anchor="t"/>
-          <a:lstStyle/>
-          <a:p>
-            <a:pPr algn="ctr" defTabSz="914377" eaLnBrk="0" fontAlgn="base">
-              <a:spcBef>
-                <a:spcPct val="0"/>
-              </a:spcBef>
-              <a:spcAft>
-                <a:spcPct val="0"/>
-              </a:spcAft>
-              <a:defRPr/>
-            </a:pPr>
-            <a:r>
-              <a:rPr lang="en-US" sz="1000" dirty="0" smtClean="0">
-                <a:solidFill>
-                  <a:srgbClr val="004266"/>
-                </a:solidFill>
-                <a:latin typeface="Monaco" charset="0"/>
-                <a:ea typeface="Monaco" charset="0"/>
-                <a:cs typeface="Monaco" charset="0"/>
-              </a:rPr>
-              <a:t>Action Plugins</a:t>
-            </a:r>
-            <a:endParaRPr lang="en-US" sz="1000" dirty="0">
-              <a:solidFill>
-                <a:srgbClr val="004266"/>
-              </a:solidFill>
-              <a:latin typeface="Monaco" charset="0"/>
-              <a:ea typeface="Monaco" charset="0"/>
-              <a:cs typeface="Monaco" charset="0"/>
-            </a:endParaRPr>
-          </a:p>
-        </p:txBody>
-      </p:sp>
-      <p:grpSp>
-        <p:nvGrpSpPr>
-          <p:cNvPr id="68" name="Group 67"/>
-          <p:cNvGrpSpPr/>
-          <p:nvPr/>
-        </p:nvGrpSpPr>
-        <p:grpSpPr>
-          <a:xfrm>
-            <a:off x="8846459" y="2560347"/>
-            <a:ext cx="896938" cy="636714"/>
-            <a:chOff x="1811721" y="4288355"/>
-            <a:chExt cx="773306" cy="407472"/>
-          </a:xfrm>
-        </p:grpSpPr>
-        <p:sp>
-          <p:nvSpPr>
-            <p:cNvPr id="69" name="Rounded Rectangle 68"/>
-            <p:cNvSpPr/>
-            <p:nvPr/>
-          </p:nvSpPr>
-          <p:spPr>
-            <a:xfrm>
-              <a:off x="1919027" y="4433933"/>
-              <a:ext cx="666000" cy="261894"/>
-            </a:xfrm>
-            <a:prstGeom prst="roundRect">
-              <a:avLst/>
-            </a:prstGeom>
-            <a:solidFill>
-              <a:srgbClr val="FFFFFF"/>
-            </a:solidFill>
-            <a:ln w="9525" cap="flat" cmpd="sng" algn="ctr">
-              <a:solidFill>
-                <a:srgbClr val="004266"/>
-              </a:solidFill>
-              <a:prstDash val="solid"/>
-            </a:ln>
-            <a:effectLst/>
-          </p:spPr>
-          <p:txBody>
-            <a:bodyPr rtlCol="0" anchor="ctr"/>
-            <a:lstStyle/>
-            <a:p>
-              <a:pPr algn="ctr" defTabSz="914377" eaLnBrk="0" fontAlgn="base">
-                <a:spcBef>
-                  <a:spcPct val="0"/>
-                </a:spcBef>
-                <a:spcAft>
-                  <a:spcPct val="0"/>
-                </a:spcAft>
-                <a:defRPr/>
-              </a:pPr>
-              <a:r>
-                <a:rPr lang="en-US" sz="840">
-                  <a:solidFill>
-                    <a:srgbClr val="004266"/>
-                  </a:solidFill>
-                  <a:latin typeface="Monaco" charset="0"/>
-                  <a:ea typeface="Monaco" charset="0"/>
-                  <a:cs typeface="Monaco" charset="0"/>
-                </a:rPr>
-                <a:t>API</a:t>
-              </a:r>
-            </a:p>
-          </p:txBody>
-        </p:sp>
-        <p:sp>
-          <p:nvSpPr>
-            <p:cNvPr id="70" name="Rounded Rectangle 69"/>
-            <p:cNvSpPr/>
-            <p:nvPr/>
-          </p:nvSpPr>
-          <p:spPr>
-            <a:xfrm>
-              <a:off x="1885252" y="4385444"/>
-              <a:ext cx="666000" cy="261894"/>
-            </a:xfrm>
-            <a:prstGeom prst="roundRect">
-              <a:avLst/>
-            </a:prstGeom>
-            <a:solidFill>
-              <a:srgbClr val="FFFFFF"/>
-            </a:solidFill>
-            <a:ln w="9525" cap="flat" cmpd="sng" algn="ctr">
-              <a:solidFill>
-                <a:srgbClr val="004266"/>
-              </a:solidFill>
-              <a:prstDash val="solid"/>
-            </a:ln>
-            <a:effectLst/>
-          </p:spPr>
-          <p:txBody>
-            <a:bodyPr rtlCol="0" anchor="ctr"/>
-            <a:lstStyle/>
-            <a:p>
-              <a:pPr algn="ctr" defTabSz="914377" eaLnBrk="0" fontAlgn="base">
-                <a:spcBef>
-                  <a:spcPct val="0"/>
-                </a:spcBef>
-                <a:spcAft>
-                  <a:spcPct val="0"/>
-                </a:spcAft>
-                <a:defRPr/>
-              </a:pPr>
-              <a:r>
-                <a:rPr lang="en-US" sz="840">
-                  <a:solidFill>
-                    <a:srgbClr val="004266"/>
-                  </a:solidFill>
-                  <a:latin typeface="Monaco" charset="0"/>
-                  <a:ea typeface="Monaco" charset="0"/>
-                  <a:cs typeface="Monaco" charset="0"/>
-                </a:rPr>
-                <a:t>API</a:t>
-              </a:r>
-            </a:p>
-          </p:txBody>
-        </p:sp>
-        <p:sp>
-          <p:nvSpPr>
-            <p:cNvPr id="71" name="Rounded Rectangle 70"/>
-            <p:cNvSpPr/>
-            <p:nvPr/>
-          </p:nvSpPr>
-          <p:spPr>
-            <a:xfrm>
-              <a:off x="1845495" y="4336954"/>
-              <a:ext cx="666000" cy="261894"/>
-            </a:xfrm>
-            <a:prstGeom prst="roundRect">
-              <a:avLst/>
-            </a:prstGeom>
-            <a:solidFill>
-              <a:srgbClr val="FFFFFF"/>
-            </a:solidFill>
-            <a:ln w="9525" cap="flat" cmpd="sng" algn="ctr">
-              <a:solidFill>
-                <a:srgbClr val="004266"/>
-              </a:solidFill>
-              <a:prstDash val="solid"/>
-            </a:ln>
-            <a:effectLst/>
-          </p:spPr>
-          <p:txBody>
-            <a:bodyPr rtlCol="0" anchor="ctr"/>
-            <a:lstStyle/>
-            <a:p>
-              <a:pPr algn="ctr" defTabSz="914377" eaLnBrk="0" fontAlgn="base">
-                <a:spcBef>
-                  <a:spcPct val="0"/>
-                </a:spcBef>
-                <a:spcAft>
-                  <a:spcPct val="0"/>
-                </a:spcAft>
-                <a:defRPr/>
-              </a:pPr>
-              <a:r>
-                <a:rPr lang="en-US" sz="840">
-                  <a:solidFill>
-                    <a:srgbClr val="004266"/>
-                  </a:solidFill>
-                  <a:latin typeface="Monaco" charset="0"/>
-                  <a:ea typeface="Monaco" charset="0"/>
-                  <a:cs typeface="Monaco" charset="0"/>
-                </a:rPr>
-                <a:t>API</a:t>
-              </a:r>
-            </a:p>
-          </p:txBody>
-        </p:sp>
-        <p:sp>
-          <p:nvSpPr>
-            <p:cNvPr id="72" name="Rounded Rectangle 71"/>
-            <p:cNvSpPr/>
-            <p:nvPr/>
-          </p:nvSpPr>
-          <p:spPr>
-            <a:xfrm>
-              <a:off x="1811721" y="4288355"/>
-              <a:ext cx="666000" cy="261894"/>
-            </a:xfrm>
-            <a:prstGeom prst="roundRect">
-              <a:avLst/>
-            </a:prstGeom>
-            <a:solidFill>
-              <a:srgbClr val="FFFFFF"/>
-            </a:solidFill>
-            <a:ln w="9525" cap="flat" cmpd="sng" algn="ctr">
-              <a:solidFill>
-                <a:srgbClr val="004266"/>
-              </a:solidFill>
-              <a:prstDash val="solid"/>
-            </a:ln>
-            <a:effectLst/>
-          </p:spPr>
-          <p:txBody>
-            <a:bodyPr rtlCol="0" anchor="ctr"/>
-            <a:lstStyle/>
-            <a:p>
-              <a:pPr algn="ctr" defTabSz="914377" eaLnBrk="0" fontAlgn="base">
-                <a:spcBef>
-                  <a:spcPct val="0"/>
-                </a:spcBef>
-                <a:spcAft>
-                  <a:spcPct val="0"/>
-                </a:spcAft>
-                <a:defRPr/>
-              </a:pPr>
-              <a:r>
-                <a:rPr lang="en-US" sz="840" dirty="0" smtClean="0">
-                  <a:solidFill>
-                    <a:srgbClr val="004266"/>
-                  </a:solidFill>
-                  <a:latin typeface="Monaco" charset="0"/>
-                  <a:ea typeface="Monaco" charset="0"/>
-                  <a:cs typeface="Monaco" charset="0"/>
-                </a:rPr>
-                <a:t>Plugin</a:t>
-              </a:r>
-              <a:endParaRPr lang="en-US" sz="840" dirty="0">
-                <a:solidFill>
-                  <a:srgbClr val="004266"/>
-                </a:solidFill>
-                <a:latin typeface="Monaco" charset="0"/>
-                <a:ea typeface="Monaco" charset="0"/>
-                <a:cs typeface="Monaco" charset="0"/>
-              </a:endParaRPr>
-            </a:p>
-          </p:txBody>
-        </p:sp>
-      </p:grpSp>
-      <p:sp>
-        <p:nvSpPr>
-          <p:cNvPr id="81" name="Rounded Rectangle 80"/>
-          <p:cNvSpPr/>
-          <p:nvPr/>
-        </p:nvSpPr>
-        <p:spPr>
-          <a:xfrm>
-            <a:off x="5942596" y="5314584"/>
-            <a:ext cx="600877" cy="205224"/>
-          </a:xfrm>
-          <a:prstGeom prst="roundRect">
-            <a:avLst/>
-          </a:prstGeom>
-          <a:solidFill>
-            <a:srgbClr val="FFFFFF"/>
-          </a:solidFill>
-          <a:ln w="9525" cap="flat" cmpd="sng" algn="ctr">
-            <a:solidFill>
-              <a:srgbClr val="004266"/>
-            </a:solidFill>
-            <a:prstDash val="solid"/>
-          </a:ln>
-          <a:effectLst/>
-        </p:spPr>
-        <p:txBody>
-          <a:bodyPr rtlCol="0" anchor="ctr"/>
-          <a:lstStyle/>
-          <a:p>
-            <a:pPr algn="ctr" defTabSz="914377" eaLnBrk="0" fontAlgn="base">
-              <a:spcBef>
-                <a:spcPct val="0"/>
-              </a:spcBef>
-              <a:spcAft>
-                <a:spcPct val="0"/>
-              </a:spcAft>
-              <a:defRPr/>
-            </a:pPr>
-            <a:r>
-              <a:rPr lang="en-US" sz="800" dirty="0" smtClean="0">
-                <a:solidFill>
-                  <a:srgbClr val="004266"/>
-                </a:solidFill>
-                <a:latin typeface="Monaco" charset="0"/>
-                <a:ea typeface="Monaco" charset="0"/>
-                <a:cs typeface="Monaco" charset="0"/>
-              </a:rPr>
-              <a:t>Schema</a:t>
-            </a:r>
-            <a:endParaRPr lang="en-US" sz="800" dirty="0">
-              <a:solidFill>
-                <a:srgbClr val="004266"/>
-              </a:solidFill>
-              <a:latin typeface="Monaco" charset="0"/>
-              <a:ea typeface="Monaco" charset="0"/>
-              <a:cs typeface="Monaco" charset="0"/>
-            </a:endParaRPr>
-          </a:p>
-        </p:txBody>
-      </p:sp>
-      <p:sp>
-        <p:nvSpPr>
-          <p:cNvPr id="82" name="Rounded Rectangle 81"/>
-          <p:cNvSpPr/>
-          <p:nvPr/>
-        </p:nvSpPr>
-        <p:spPr>
-          <a:xfrm>
-            <a:off x="6641841" y="5314584"/>
-            <a:ext cx="599559" cy="205224"/>
-          </a:xfrm>
-          <a:prstGeom prst="roundRect">
-            <a:avLst/>
-          </a:prstGeom>
-          <a:solidFill>
-            <a:srgbClr val="FFFFFF"/>
-          </a:solidFill>
-          <a:ln w="9525" cap="flat" cmpd="sng" algn="ctr">
-            <a:solidFill>
-              <a:srgbClr val="004266"/>
-            </a:solidFill>
-            <a:prstDash val="solid"/>
-          </a:ln>
-          <a:effectLst/>
-        </p:spPr>
-        <p:txBody>
-          <a:bodyPr rtlCol="0" anchor="ctr"/>
-          <a:lstStyle/>
-          <a:p>
-            <a:pPr algn="ctr" defTabSz="914377" eaLnBrk="0" fontAlgn="base">
-              <a:spcBef>
-                <a:spcPct val="0"/>
-              </a:spcBef>
-              <a:spcAft>
-                <a:spcPct val="0"/>
-              </a:spcAft>
-              <a:defRPr/>
-            </a:pPr>
-            <a:r>
-              <a:rPr lang="en-US" sz="800" dirty="0" smtClean="0">
-                <a:solidFill>
-                  <a:srgbClr val="004266"/>
-                </a:solidFill>
-                <a:latin typeface="Monaco" charset="0"/>
-                <a:ea typeface="Monaco" charset="0"/>
-                <a:cs typeface="Monaco" charset="0"/>
-              </a:rPr>
-              <a:t>Rule</a:t>
-            </a:r>
-            <a:endParaRPr lang="en-US" sz="800" dirty="0">
-              <a:solidFill>
-                <a:srgbClr val="004266"/>
-              </a:solidFill>
-              <a:latin typeface="Monaco" charset="0"/>
-              <a:ea typeface="Monaco" charset="0"/>
-              <a:cs typeface="Monaco" charset="0"/>
-            </a:endParaRPr>
-          </a:p>
-        </p:txBody>
-      </p:sp>
-      <p:sp>
-        <p:nvSpPr>
-          <p:cNvPr id="83" name="Rounded Rectangle 82"/>
-          <p:cNvSpPr/>
-          <p:nvPr/>
-        </p:nvSpPr>
-        <p:spPr>
-          <a:xfrm>
-            <a:off x="7346964" y="5320442"/>
-            <a:ext cx="599559" cy="205224"/>
-          </a:xfrm>
-          <a:prstGeom prst="roundRect">
-            <a:avLst/>
-          </a:prstGeom>
-          <a:solidFill>
-            <a:srgbClr val="FFFFFF"/>
-          </a:solidFill>
-          <a:ln w="9525" cap="flat" cmpd="sng" algn="ctr">
-            <a:solidFill>
-              <a:srgbClr val="004266"/>
-            </a:solidFill>
-            <a:prstDash val="solid"/>
-          </a:ln>
-          <a:effectLst/>
-        </p:spPr>
-        <p:txBody>
-          <a:bodyPr rtlCol="0" anchor="ctr"/>
-          <a:lstStyle/>
-          <a:p>
-            <a:pPr algn="ctr" defTabSz="914377" eaLnBrk="0" fontAlgn="base">
-              <a:spcBef>
-                <a:spcPct val="0"/>
-              </a:spcBef>
-              <a:spcAft>
-                <a:spcPct val="0"/>
-              </a:spcAft>
-              <a:defRPr/>
-            </a:pPr>
-            <a:r>
-              <a:rPr lang="en-US" sz="800" dirty="0" smtClean="0">
-                <a:solidFill>
-                  <a:srgbClr val="004266"/>
-                </a:solidFill>
-                <a:latin typeface="Monaco" charset="0"/>
-                <a:ea typeface="Monaco" charset="0"/>
-                <a:cs typeface="Monaco" charset="0"/>
-              </a:rPr>
-              <a:t>Action</a:t>
-            </a:r>
-            <a:endParaRPr lang="en-US" sz="800" dirty="0">
-              <a:solidFill>
-                <a:srgbClr val="004266"/>
-              </a:solidFill>
-              <a:latin typeface="Monaco" charset="0"/>
-              <a:ea typeface="Monaco" charset="0"/>
-              <a:cs typeface="Monaco" charset="0"/>
-            </a:endParaRPr>
-          </a:p>
-        </p:txBody>
-      </p:sp>
-      <p:sp>
-        <p:nvSpPr>
-          <p:cNvPr id="85" name="Rounded Rectangle 84"/>
-          <p:cNvSpPr/>
-          <p:nvPr/>
-        </p:nvSpPr>
-        <p:spPr>
-          <a:xfrm>
-            <a:off x="5943914" y="5637730"/>
-            <a:ext cx="1297486" cy="236957"/>
-          </a:xfrm>
-          <a:prstGeom prst="roundRect">
-            <a:avLst/>
-          </a:prstGeom>
-          <a:solidFill>
-            <a:srgbClr val="FFFFFF"/>
-          </a:solidFill>
-          <a:ln w="9525" cap="flat" cmpd="sng" algn="ctr">
-            <a:solidFill>
-              <a:srgbClr val="004266"/>
-            </a:solidFill>
-            <a:prstDash val="solid"/>
-          </a:ln>
-          <a:effectLst/>
-        </p:spPr>
-        <p:txBody>
-          <a:bodyPr rtlCol="0" anchor="ctr"/>
-          <a:lstStyle/>
-          <a:p>
-            <a:pPr algn="ctr" defTabSz="914377" eaLnBrk="0" fontAlgn="base">
-              <a:spcBef>
-                <a:spcPct val="0"/>
-              </a:spcBef>
-              <a:spcAft>
-                <a:spcPct val="0"/>
-              </a:spcAft>
-              <a:defRPr/>
-            </a:pPr>
-            <a:r>
-              <a:rPr lang="en-US" sz="800" smtClean="0">
-                <a:solidFill>
-                  <a:srgbClr val="004266"/>
-                </a:solidFill>
-                <a:latin typeface="Monaco" charset="0"/>
-                <a:ea typeface="Monaco" charset="0"/>
-                <a:cs typeface="Monaco" charset="0"/>
-              </a:rPr>
-              <a:t>Virtual Data Point</a:t>
-            </a:r>
-            <a:endParaRPr lang="en-US" sz="800" dirty="0">
-              <a:solidFill>
-                <a:srgbClr val="004266"/>
-              </a:solidFill>
-              <a:latin typeface="Monaco" charset="0"/>
-              <a:ea typeface="Monaco" charset="0"/>
-              <a:cs typeface="Monaco" charset="0"/>
-            </a:endParaRPr>
-          </a:p>
-        </p:txBody>
-      </p:sp>
-      <p:sp>
-        <p:nvSpPr>
-          <p:cNvPr id="86" name="Can 85"/>
-          <p:cNvSpPr/>
-          <p:nvPr/>
-        </p:nvSpPr>
-        <p:spPr>
-          <a:xfrm>
-            <a:off x="7346265" y="5612520"/>
-            <a:ext cx="624189" cy="414531"/>
-          </a:xfrm>
-          <a:prstGeom prst="can">
-            <a:avLst>
-              <a:gd name="adj" fmla="val 22644"/>
-            </a:avLst>
-          </a:prstGeom>
-          <a:solidFill>
-            <a:srgbClr val="6BC72B">
-              <a:lumMod val="40000"/>
-              <a:lumOff val="60000"/>
-            </a:srgbClr>
-          </a:solidFill>
-          <a:ln w="9525" cap="flat" cmpd="sng" algn="ctr">
-            <a:solidFill>
-              <a:srgbClr val="004266"/>
-            </a:solidFill>
-            <a:prstDash val="solid"/>
-          </a:ln>
-          <a:effectLst/>
-        </p:spPr>
-        <p:txBody>
-          <a:bodyPr rot="0" spcFirstLastPara="0" vertOverflow="overflow" horzOverflow="overflow" vert="horz" wrap="square" lIns="109728" tIns="86400" rIns="109728" bIns="54864" numCol="1" spcCol="0" rtlCol="0" fromWordArt="0" anchor="ctr" anchorCtr="0" forceAA="0" compatLnSpc="1">
-            <a:prstTxWarp prst="textNoShape">
-              <a:avLst/>
-            </a:prstTxWarp>
-            <a:noAutofit/>
-          </a:bodyPr>
-          <a:lstStyle/>
-          <a:p>
-            <a:pPr algn="ctr" defTabSz="914377" eaLnBrk="0" fontAlgn="base">
-              <a:spcBef>
-                <a:spcPct val="0"/>
-              </a:spcBef>
-              <a:spcAft>
-                <a:spcPct val="0"/>
-              </a:spcAft>
-              <a:defRPr/>
-            </a:pPr>
-            <a:r>
-              <a:rPr lang="en-US" altLang="zh-CN" sz="720" dirty="0" smtClean="0">
-                <a:solidFill>
-                  <a:srgbClr val="004266"/>
-                </a:solidFill>
-                <a:latin typeface="Monaco" charset="0"/>
-                <a:ea typeface="Monaco" charset="0"/>
-                <a:cs typeface="Monaco" charset="0"/>
-              </a:rPr>
-              <a:t>Mongo</a:t>
-            </a:r>
-            <a:endParaRPr lang="en-US" sz="720" dirty="0">
-              <a:solidFill>
-                <a:srgbClr val="004266"/>
-              </a:solidFill>
-              <a:latin typeface="Monaco" charset="0"/>
-              <a:ea typeface="Monaco" charset="0"/>
-              <a:cs typeface="Monaco" charset="0"/>
-            </a:endParaRPr>
-          </a:p>
-        </p:txBody>
-      </p:sp>
-    </p:spTree>
-    <p:extLst>
-      <p:ext uri="{BB962C8B-B14F-4D97-AF65-F5344CB8AC3E}">
-        <p14:creationId xmlns:p14="http://schemas.microsoft.com/office/powerpoint/2010/main" val="375195360"/>
-      </p:ext>
-    </p:extLst>
-  </p:cSld>
-  <p:clrMapOvr>
-    <a:masterClrMapping/>
-  </p:clrMapOvr>
-</p:sld>
-</file>
-
-<file path=ppt/slides/slide2.xml><?xml version="1.0" encoding="utf-8"?>
-<p:sld xmlns:a="http://schemas.openxmlformats.org/drawingml/2006/main" xmlns:r="http://schemas.openxmlformats.org/officeDocument/2006/relationships" xmlns:p="http://schemas.openxmlformats.org/presentationml/2006/main">
-  <p:cSld>
-    <p:spTree>
-      <p:nvGrpSpPr>
-        <p:cNvPr id="1" name=""/>
-        <p:cNvGrpSpPr/>
-        <p:nvPr/>
-      </p:nvGrpSpPr>
-      <p:grpSpPr>
-        <a:xfrm>
-          <a:off x="0" y="0"/>
-          <a:ext cx="0" cy="0"/>
-          <a:chOff x="0" y="0"/>
-          <a:chExt cx="0" cy="0"/>
-        </a:xfrm>
-      </p:grpSpPr>
-      <p:sp>
-        <p:nvSpPr>
           <p:cNvPr id="7" name="Rounded Rectangle 6"/>
           <p:cNvSpPr/>
           <p:nvPr/>
@@ -8221,8 +3772,8 @@
         </p:nvCxnSpPr>
         <p:spPr>
           <a:xfrm>
-            <a:off x="2045970" y="4474845"/>
-            <a:ext cx="961048" cy="0"/>
+            <a:off x="1571625" y="4474845"/>
+            <a:ext cx="1435393" cy="0"/>
           </a:xfrm>
           <a:prstGeom prst="straightConnector1">
             <a:avLst/>
@@ -8249,8 +3800,8 @@
         </p:nvSpPr>
         <p:spPr>
           <a:xfrm>
-            <a:off x="1989308" y="4072116"/>
-            <a:ext cx="928459" cy="276999"/>
+            <a:off x="1463869" y="4072116"/>
+            <a:ext cx="1579278" cy="276999"/>
           </a:xfrm>
           <a:prstGeom prst="rect">
             <a:avLst/>
@@ -8272,15 +3823,37 @@
               <a:defRPr/>
             </a:pPr>
             <a:r>
-              <a:rPr lang="en-US" altLang="zh-CN" sz="1200" smtClean="0">
-                <a:solidFill>
-                  <a:srgbClr val="004266"/>
-                </a:solidFill>
-                <a:latin typeface="Monaco" charset="0"/>
-                <a:ea typeface="Monaco" charset="0"/>
-                <a:cs typeface="Monaco" charset="0"/>
-              </a:rPr>
-              <a:t>/refresh</a:t>
+              <a:rPr lang="en-US" altLang="zh-CN" sz="1200" dirty="0" smtClean="0">
+                <a:solidFill>
+                  <a:srgbClr val="004266"/>
+                </a:solidFill>
+                <a:latin typeface="Monaco" charset="0"/>
+                <a:ea typeface="Monaco" charset="0"/>
+                <a:cs typeface="Monaco" charset="0"/>
+              </a:rPr>
+              <a:t>1.</a:t>
+            </a:r>
+            <a:r>
+              <a:rPr lang="zh-CN" altLang="en-US" sz="1200" dirty="0" smtClean="0">
+                <a:solidFill>
+                  <a:srgbClr val="004266"/>
+                </a:solidFill>
+                <a:latin typeface="Monaco" charset="0"/>
+                <a:ea typeface="Monaco" charset="0"/>
+                <a:cs typeface="Monaco" charset="0"/>
+              </a:rPr>
+              <a:t> </a:t>
+            </a:r>
+            <a:r>
+              <a:rPr lang="en-US" altLang="zh-CN" sz="1200" dirty="0" smtClean="0">
+                <a:solidFill>
+                  <a:srgbClr val="004266"/>
+                </a:solidFill>
+                <a:latin typeface="Monaco" charset="0"/>
+                <a:ea typeface="Monaco" charset="0"/>
+                <a:cs typeface="Monaco" charset="0"/>
+              </a:rPr>
+              <a:t>/bus/refresh</a:t>
             </a:r>
             <a:endParaRPr lang="en-US" sz="1200" dirty="0">
               <a:solidFill>
@@ -8845,7 +4418,7 @@
             </a:solidFill>
             <a:prstDash val="dash"/>
             <a:headEnd type="triangle"/>
-            <a:tailEnd type="arrow"/>
+            <a:tailEnd type="none"/>
           </a:ln>
           <a:effectLst/>
         </p:spPr>
@@ -8951,8 +4524,8 @@
         </p:nvSpPr>
         <p:spPr>
           <a:xfrm>
-            <a:off x="4478092" y="1447560"/>
-            <a:ext cx="2230098" cy="276999"/>
+            <a:off x="4338631" y="1447560"/>
+            <a:ext cx="2509020" cy="276999"/>
           </a:xfrm>
           <a:prstGeom prst="rect">
             <a:avLst/>
@@ -8982,10 +4555,10 @@
                 <a:ea typeface="Monaco" charset="0"/>
                 <a:cs typeface="Monaco" charset="0"/>
               </a:rPr>
-              <a:t>Subscribe</a:t>
-            </a:r>
-            <a:r>
-              <a:rPr lang="zh-CN" altLang="en-US" sz="1200" dirty="0">
+              <a:t>3.Subscribe</a:t>
+            </a:r>
+            <a:r>
+              <a:rPr lang="zh-CN" altLang="en-US" sz="1200" dirty="0" smtClean="0">
                 <a:solidFill>
                   <a:srgbClr val="004266"/>
                 </a:solidFill>
@@ -9077,8 +4650,8 @@
         </p:nvSpPr>
         <p:spPr>
           <a:xfrm>
-            <a:off x="8758584" y="3400781"/>
-            <a:ext cx="2044150" cy="276999"/>
+            <a:off x="8665611" y="3400781"/>
+            <a:ext cx="2230098" cy="276999"/>
           </a:xfrm>
           <a:prstGeom prst="rect">
             <a:avLst/>
@@ -9108,10 +4681,10 @@
                 <a:ea typeface="Monaco" charset="0"/>
                 <a:cs typeface="Monaco" charset="0"/>
               </a:rPr>
-              <a:t>Publish</a:t>
-            </a:r>
-            <a:r>
-              <a:rPr lang="zh-CN" altLang="en-US" sz="1200" dirty="0">
+              <a:t>2.Publish</a:t>
+            </a:r>
+            <a:r>
+              <a:rPr lang="zh-CN" altLang="en-US" sz="1200" dirty="0" smtClean="0">
                 <a:solidFill>
                   <a:srgbClr val="004266"/>
                 </a:solidFill>
@@ -9153,6 +4726,220 @@
                 <a:cs typeface="Monaco" charset="0"/>
               </a:rPr>
               <a:t>Event</a:t>
+            </a:r>
+            <a:endParaRPr lang="en-US" sz="1200" dirty="0">
+              <a:solidFill>
+                <a:srgbClr val="004266"/>
+              </a:solidFill>
+              <a:latin typeface="Monaco" charset="0"/>
+              <a:ea typeface="Monaco" charset="0"/>
+              <a:cs typeface="Monaco" charset="0"/>
+            </a:endParaRPr>
+          </a:p>
+        </p:txBody>
+      </p:sp>
+      <p:sp>
+        <p:nvSpPr>
+          <p:cNvPr id="25" name="Rectangle 24"/>
+          <p:cNvSpPr/>
+          <p:nvPr/>
+        </p:nvSpPr>
+        <p:spPr>
+          <a:xfrm>
+            <a:off x="4366030" y="3215737"/>
+            <a:ext cx="2416046" cy="276999"/>
+          </a:xfrm>
+          <a:prstGeom prst="rect">
+            <a:avLst/>
+          </a:prstGeom>
+        </p:spPr>
+        <p:txBody>
+          <a:bodyPr wrap="none">
+            <a:spAutoFit/>
+          </a:bodyPr>
+          <a:lstStyle/>
+          <a:p>
+            <a:pPr algn="ctr" defTabSz="914377" eaLnBrk="0" fontAlgn="base">
+              <a:spcBef>
+                <a:spcPct val="0"/>
+              </a:spcBef>
+              <a:spcAft>
+                <a:spcPct val="0"/>
+              </a:spcAft>
+              <a:defRPr/>
+            </a:pPr>
+            <a:r>
+              <a:rPr lang="en-US" altLang="zh-CN" sz="1200" dirty="0" smtClean="0">
+                <a:solidFill>
+                  <a:srgbClr val="004266"/>
+                </a:solidFill>
+                <a:latin typeface="Monaco" charset="0"/>
+                <a:ea typeface="Monaco" charset="0"/>
+                <a:cs typeface="Monaco" charset="0"/>
+              </a:rPr>
+              <a:t>4</a:t>
+            </a:r>
+            <a:r>
+              <a:rPr lang="en-US" altLang="zh-CN" sz="1200" dirty="0" smtClean="0">
+                <a:solidFill>
+                  <a:srgbClr val="004266"/>
+                </a:solidFill>
+                <a:latin typeface="Monaco" charset="0"/>
+                <a:ea typeface="Monaco" charset="0"/>
+                <a:cs typeface="Monaco" charset="0"/>
+              </a:rPr>
+              <a:t>.Fetch</a:t>
+            </a:r>
+            <a:r>
+              <a:rPr lang="zh-CN" altLang="en-US" sz="1200" dirty="0" smtClean="0">
+                <a:solidFill>
+                  <a:srgbClr val="004266"/>
+                </a:solidFill>
+                <a:latin typeface="Monaco" charset="0"/>
+                <a:ea typeface="Monaco" charset="0"/>
+                <a:cs typeface="Monaco" charset="0"/>
+              </a:rPr>
+              <a:t> </a:t>
+            </a:r>
+            <a:r>
+              <a:rPr lang="en-US" altLang="zh-CN" sz="1200" dirty="0" smtClean="0">
+                <a:solidFill>
+                  <a:srgbClr val="004266"/>
+                </a:solidFill>
+                <a:latin typeface="Monaco" charset="0"/>
+                <a:ea typeface="Monaco" charset="0"/>
+                <a:cs typeface="Monaco" charset="0"/>
+              </a:rPr>
+              <a:t>Refreshed</a:t>
+            </a:r>
+            <a:r>
+              <a:rPr lang="zh-CN" altLang="en-US" sz="1200" dirty="0" smtClean="0">
+                <a:solidFill>
+                  <a:srgbClr val="004266"/>
+                </a:solidFill>
+                <a:latin typeface="Monaco" charset="0"/>
+                <a:ea typeface="Monaco" charset="0"/>
+                <a:cs typeface="Monaco" charset="0"/>
+              </a:rPr>
+              <a:t> </a:t>
+            </a:r>
+            <a:r>
+              <a:rPr lang="en-US" altLang="zh-CN" sz="1200" dirty="0" err="1" smtClean="0">
+                <a:solidFill>
+                  <a:srgbClr val="004266"/>
+                </a:solidFill>
+                <a:latin typeface="Monaco" charset="0"/>
+                <a:ea typeface="Monaco" charset="0"/>
+                <a:cs typeface="Monaco" charset="0"/>
+              </a:rPr>
+              <a:t>Config</a:t>
+            </a:r>
+            <a:endParaRPr lang="en-US" sz="1200" dirty="0">
+              <a:solidFill>
+                <a:srgbClr val="004266"/>
+              </a:solidFill>
+              <a:latin typeface="Monaco" charset="0"/>
+              <a:ea typeface="Monaco" charset="0"/>
+              <a:cs typeface="Monaco" charset="0"/>
+            </a:endParaRPr>
+          </a:p>
+        </p:txBody>
+      </p:sp>
+      <p:sp>
+        <p:nvSpPr>
+          <p:cNvPr id="26" name="Rectangle 25"/>
+          <p:cNvSpPr/>
+          <p:nvPr/>
+        </p:nvSpPr>
+        <p:spPr>
+          <a:xfrm>
+            <a:off x="4773802" y="5130729"/>
+            <a:ext cx="2137125" cy="276999"/>
+          </a:xfrm>
+          <a:prstGeom prst="rect">
+            <a:avLst/>
+          </a:prstGeom>
+        </p:spPr>
+        <p:txBody>
+          <a:bodyPr wrap="none">
+            <a:spAutoFit/>
+          </a:bodyPr>
+          <a:lstStyle/>
+          <a:p>
+            <a:pPr algn="ctr" defTabSz="914377" eaLnBrk="0" fontAlgn="base">
+              <a:spcBef>
+                <a:spcPct val="0"/>
+              </a:spcBef>
+              <a:spcAft>
+                <a:spcPct val="0"/>
+              </a:spcAft>
+              <a:defRPr/>
+            </a:pPr>
+            <a:r>
+              <a:rPr lang="en-US" altLang="zh-CN" sz="1200" dirty="0">
+                <a:solidFill>
+                  <a:srgbClr val="004266"/>
+                </a:solidFill>
+                <a:latin typeface="Monaco" charset="0"/>
+                <a:ea typeface="Monaco" charset="0"/>
+                <a:cs typeface="Monaco" charset="0"/>
+              </a:rPr>
+              <a:t>5</a:t>
+            </a:r>
+            <a:r>
+              <a:rPr lang="en-US" altLang="zh-CN" sz="1200" dirty="0" smtClean="0">
+                <a:solidFill>
+                  <a:srgbClr val="004266"/>
+                </a:solidFill>
+                <a:latin typeface="Monaco" charset="0"/>
+                <a:ea typeface="Monaco" charset="0"/>
+                <a:cs typeface="Monaco" charset="0"/>
+              </a:rPr>
+              <a:t>.Fetch</a:t>
+            </a:r>
+            <a:r>
+              <a:rPr lang="zh-CN" altLang="en-US" sz="1200" dirty="0" smtClean="0">
+                <a:solidFill>
+                  <a:srgbClr val="004266"/>
+                </a:solidFill>
+                <a:latin typeface="Monaco" charset="0"/>
+                <a:ea typeface="Monaco" charset="0"/>
+                <a:cs typeface="Monaco" charset="0"/>
+              </a:rPr>
+              <a:t> </a:t>
+            </a:r>
+            <a:r>
+              <a:rPr lang="en-US" altLang="zh-CN" sz="1200" dirty="0" smtClean="0">
+                <a:solidFill>
+                  <a:srgbClr val="004266"/>
+                </a:solidFill>
+                <a:latin typeface="Monaco" charset="0"/>
+                <a:ea typeface="Monaco" charset="0"/>
+                <a:cs typeface="Monaco" charset="0"/>
+              </a:rPr>
+              <a:t>Remote</a:t>
+            </a:r>
+            <a:r>
+              <a:rPr lang="zh-CN" altLang="en-US" sz="1200" dirty="0" smtClean="0">
+                <a:solidFill>
+                  <a:srgbClr val="004266"/>
+                </a:solidFill>
+                <a:latin typeface="Monaco" charset="0"/>
+                <a:ea typeface="Monaco" charset="0"/>
+                <a:cs typeface="Monaco" charset="0"/>
+              </a:rPr>
+              <a:t> </a:t>
+            </a:r>
+            <a:r>
+              <a:rPr lang="en-US" altLang="zh-CN" sz="1200" dirty="0" err="1" smtClean="0">
+                <a:solidFill>
+                  <a:srgbClr val="004266"/>
+                </a:solidFill>
+                <a:latin typeface="Monaco" charset="0"/>
+                <a:ea typeface="Monaco" charset="0"/>
+                <a:cs typeface="Monaco" charset="0"/>
+              </a:rPr>
+              <a:t>Config</a:t>
             </a:r>
             <a:endParaRPr lang="en-US" sz="1200" dirty="0">
               <a:solidFill>
@@ -9175,6 +4962,13 @@
   <p:clrMapOvr>
     <a:masterClrMapping/>
   </p:clrMapOvr>
+  <p:timing>
+    <p:tnLst>
+      <p:par>
+        <p:cTn id="1" dur="indefinite" restart="never" nodeType="tmRoot"/>
+      </p:par>
+    </p:tnLst>
+  </p:timing>
 </p:sld>
 </file>
 

--- a/source/images/NewIoTPDocs/tuya.pptx
+++ b/source/images/NewIoTPDocs/tuya.pptx
@@ -3766,14 +3766,14 @@
         <p:nvCxnSpPr>
           <p:cNvPr id="13" name="Straight Arrow Connector 12"/>
           <p:cNvCxnSpPr>
-            <a:endCxn id="7" idx="1"/>
+            <a:endCxn id="5" idx="1"/>
           </p:cNvCxnSpPr>
           <p:nvPr/>
         </p:nvCxnSpPr>
         <p:spPr>
-          <a:xfrm>
-            <a:off x="1571625" y="4474845"/>
-            <a:ext cx="1435393" cy="0"/>
+          <a:xfrm flipV="1">
+            <a:off x="1571625" y="4451292"/>
+            <a:ext cx="1625310" cy="23553"/>
           </a:xfrm>
           <a:prstGeom prst="straightConnector1">
             <a:avLst/>
@@ -4395,18 +4395,18 @@
           <p:cNvPr id="47" name="Straight Arrow Connector 46"/>
           <p:cNvCxnSpPr>
             <a:stCxn id="46" idx="3"/>
-            <a:endCxn id="7" idx="3"/>
           </p:cNvCxnSpPr>
           <p:nvPr/>
         </p:nvCxnSpPr>
         <p:spPr>
-          <a:xfrm>
-            <a:off x="6760789" y="906482"/>
-            <a:ext cx="1480241" cy="3568363"/>
-          </a:xfrm>
-          <a:prstGeom prst="bentConnector3">
+          <a:xfrm flipH="1">
+            <a:off x="4338631" y="906482"/>
+            <a:ext cx="2422158" cy="3812721"/>
+          </a:xfrm>
+          <a:prstGeom prst="bentConnector4">
             <a:avLst>
-              <a:gd name="adj1" fmla="val 205787"/>
+              <a:gd name="adj1" fmla="val -130243"/>
+              <a:gd name="adj2" fmla="val 105976"/>
             </a:avLst>
           </a:prstGeom>
           <a:noFill/>
@@ -4436,194 +4436,6 @@
           <a:xfrm flipH="1">
             <a:off x="3631916" y="1174394"/>
             <a:ext cx="1992107" cy="1138670"/>
-          </a:xfrm>
-          <a:prstGeom prst="straightConnector1">
-            <a:avLst/>
-          </a:prstGeom>
-          <a:noFill/>
-          <a:ln w="19050" cap="flat" cmpd="sng" algn="ctr">
-            <a:solidFill>
-              <a:srgbClr val="00B2F2">
-                <a:lumMod val="50000"/>
-              </a:srgbClr>
-            </a:solidFill>
-            <a:prstDash val="dash"/>
-            <a:headEnd type="triangle"/>
-            <a:tailEnd type="arrow"/>
-          </a:ln>
-          <a:effectLst/>
-        </p:spPr>
-      </p:cxnSp>
-      <p:cxnSp>
-        <p:nvCxnSpPr>
-          <p:cNvPr id="54" name="Straight Arrow Connector 46"/>
-          <p:cNvCxnSpPr>
-            <a:stCxn id="46" idx="2"/>
-            <a:endCxn id="23" idx="0"/>
-          </p:cNvCxnSpPr>
-          <p:nvPr/>
-        </p:nvCxnSpPr>
-        <p:spPr>
-          <a:xfrm flipH="1">
-            <a:off x="5593141" y="1174394"/>
-            <a:ext cx="30882" cy="1138670"/>
-          </a:xfrm>
-          <a:prstGeom prst="straightConnector1">
-            <a:avLst/>
-          </a:prstGeom>
-          <a:noFill/>
-          <a:ln w="19050" cap="flat" cmpd="sng" algn="ctr">
-            <a:solidFill>
-              <a:srgbClr val="00B2F2">
-                <a:lumMod val="50000"/>
-              </a:srgbClr>
-            </a:solidFill>
-            <a:prstDash val="dash"/>
-            <a:headEnd type="triangle"/>
-            <a:tailEnd type="arrow"/>
-          </a:ln>
-          <a:effectLst/>
-        </p:spPr>
-      </p:cxnSp>
-      <p:cxnSp>
-        <p:nvCxnSpPr>
-          <p:cNvPr id="57" name="Straight Arrow Connector 46"/>
-          <p:cNvCxnSpPr>
-            <a:stCxn id="46" idx="2"/>
-            <a:endCxn id="24" idx="0"/>
-          </p:cNvCxnSpPr>
-          <p:nvPr/>
-        </p:nvCxnSpPr>
-        <p:spPr>
-          <a:xfrm>
-            <a:off x="5624023" y="1174394"/>
-            <a:ext cx="2043082" cy="1123690"/>
-          </a:xfrm>
-          <a:prstGeom prst="straightConnector1">
-            <a:avLst/>
-          </a:prstGeom>
-          <a:noFill/>
-          <a:ln w="19050" cap="flat" cmpd="sng" algn="ctr">
-            <a:solidFill>
-              <a:srgbClr val="00B2F2">
-                <a:lumMod val="50000"/>
-              </a:srgbClr>
-            </a:solidFill>
-            <a:prstDash val="dash"/>
-            <a:headEnd type="triangle"/>
-            <a:tailEnd type="arrow"/>
-          </a:ln>
-          <a:effectLst/>
-        </p:spPr>
-      </p:cxnSp>
-      <p:sp>
-        <p:nvSpPr>
-          <p:cNvPr id="66" name="Rectangle 65"/>
-          <p:cNvSpPr/>
-          <p:nvPr/>
-        </p:nvSpPr>
-        <p:spPr>
-          <a:xfrm>
-            <a:off x="4338631" y="1447560"/>
-            <a:ext cx="2509020" cy="276999"/>
-          </a:xfrm>
-          <a:prstGeom prst="rect">
-            <a:avLst/>
-          </a:prstGeom>
-        </p:spPr>
-        <p:txBody>
-          <a:bodyPr wrap="none">
-            <a:spAutoFit/>
-          </a:bodyPr>
-          <a:lstStyle/>
-          <a:p>
-            <a:pPr algn="ctr" defTabSz="914377" eaLnBrk="0" fontAlgn="base">
-              <a:spcBef>
-                <a:spcPct val="0"/>
-              </a:spcBef>
-              <a:spcAft>
-                <a:spcPct val="0"/>
-              </a:spcAft>
-              <a:defRPr/>
-            </a:pPr>
-            <a:r>
-              <a:rPr lang="en-US" altLang="zh-CN" sz="1200" dirty="0" smtClean="0">
-                <a:solidFill>
-                  <a:srgbClr val="004266"/>
-                </a:solidFill>
-                <a:latin typeface="Monaco" charset="0"/>
-                <a:ea typeface="Monaco" charset="0"/>
-                <a:cs typeface="Monaco" charset="0"/>
-              </a:rPr>
-              <a:t>3.Subscribe</a:t>
-            </a:r>
-            <a:r>
-              <a:rPr lang="zh-CN" altLang="en-US" sz="1200" dirty="0" smtClean="0">
-                <a:solidFill>
-                  <a:srgbClr val="004266"/>
-                </a:solidFill>
-                <a:latin typeface="Monaco" charset="0"/>
-                <a:ea typeface="Monaco" charset="0"/>
-                <a:cs typeface="Monaco" charset="0"/>
-              </a:rPr>
-              <a:t> </a:t>
-            </a:r>
-            <a:r>
-              <a:rPr lang="en-US" altLang="zh-CN" sz="1200" dirty="0" smtClean="0">
-                <a:solidFill>
-                  <a:srgbClr val="004266"/>
-                </a:solidFill>
-                <a:latin typeface="Monaco" charset="0"/>
-                <a:ea typeface="Monaco" charset="0"/>
-                <a:cs typeface="Monaco" charset="0"/>
-              </a:rPr>
-              <a:t>Change</a:t>
-            </a:r>
-            <a:r>
-              <a:rPr lang="zh-CN" altLang="en-US" sz="1200" dirty="0" smtClean="0">
-                <a:solidFill>
-                  <a:srgbClr val="004266"/>
-                </a:solidFill>
-                <a:latin typeface="Monaco" charset="0"/>
-                <a:ea typeface="Monaco" charset="0"/>
-                <a:cs typeface="Monaco" charset="0"/>
-              </a:rPr>
-              <a:t> </a:t>
-            </a:r>
-            <a:r>
-              <a:rPr lang="en-US" altLang="zh-CN" sz="1200" dirty="0" smtClean="0">
-                <a:solidFill>
-                  <a:srgbClr val="004266"/>
-                </a:solidFill>
-                <a:latin typeface="Monaco" charset="0"/>
-                <a:ea typeface="Monaco" charset="0"/>
-                <a:cs typeface="Monaco" charset="0"/>
-              </a:rPr>
-              <a:t>Event</a:t>
-            </a:r>
-            <a:endParaRPr lang="en-US" sz="1200" dirty="0">
-              <a:solidFill>
-                <a:srgbClr val="004266"/>
-              </a:solidFill>
-              <a:latin typeface="Monaco" charset="0"/>
-              <a:ea typeface="Monaco" charset="0"/>
-              <a:cs typeface="Monaco" charset="0"/>
-            </a:endParaRPr>
-          </a:p>
-        </p:txBody>
-      </p:sp>
-      <p:cxnSp>
-        <p:nvCxnSpPr>
-          <p:cNvPr id="67" name="Straight Arrow Connector 46"/>
-          <p:cNvCxnSpPr>
-            <a:stCxn id="4" idx="2"/>
-          </p:cNvCxnSpPr>
-          <p:nvPr/>
-        </p:nvCxnSpPr>
-        <p:spPr>
-          <a:xfrm flipH="1" flipV="1">
-            <a:off x="2202873" y="4719203"/>
-            <a:ext cx="2284384" cy="1065333"/>
           </a:xfrm>
           <a:prstGeom prst="straightConnector1">
             <a:avLst/>
@@ -4642,16 +4454,78 @@
           <a:effectLst/>
         </p:spPr>
       </p:cxnSp>
-      <p:sp>
-        <p:nvSpPr>
-          <p:cNvPr id="73" name="Rectangle 72"/>
+      <p:cxnSp>
+        <p:nvCxnSpPr>
+          <p:cNvPr id="54" name="Straight Arrow Connector 46"/>
+          <p:cNvCxnSpPr>
+            <a:stCxn id="46" idx="2"/>
+            <a:endCxn id="23" idx="0"/>
+          </p:cNvCxnSpPr>
+          <p:nvPr/>
+        </p:nvCxnSpPr>
+        <p:spPr>
+          <a:xfrm flipH="1">
+            <a:off x="5593141" y="1174394"/>
+            <a:ext cx="30882" cy="1138670"/>
+          </a:xfrm>
+          <a:prstGeom prst="straightConnector1">
+            <a:avLst/>
+          </a:prstGeom>
+          <a:noFill/>
+          <a:ln w="19050" cap="flat" cmpd="sng" algn="ctr">
+            <a:solidFill>
+              <a:srgbClr val="00B2F2">
+                <a:lumMod val="50000"/>
+              </a:srgbClr>
+            </a:solidFill>
+            <a:prstDash val="dash"/>
+            <a:headEnd type="none"/>
+            <a:tailEnd type="arrow"/>
+          </a:ln>
+          <a:effectLst/>
+        </p:spPr>
+      </p:cxnSp>
+      <p:cxnSp>
+        <p:nvCxnSpPr>
+          <p:cNvPr id="57" name="Straight Arrow Connector 46"/>
+          <p:cNvCxnSpPr>
+            <a:stCxn id="46" idx="2"/>
+            <a:endCxn id="24" idx="0"/>
+          </p:cNvCxnSpPr>
+          <p:nvPr/>
+        </p:nvCxnSpPr>
+        <p:spPr>
+          <a:xfrm>
+            <a:off x="5624023" y="1174394"/>
+            <a:ext cx="2043082" cy="1123690"/>
+          </a:xfrm>
+          <a:prstGeom prst="straightConnector1">
+            <a:avLst/>
+          </a:prstGeom>
+          <a:noFill/>
+          <a:ln w="19050" cap="flat" cmpd="sng" algn="ctr">
+            <a:solidFill>
+              <a:srgbClr val="00B2F2">
+                <a:lumMod val="50000"/>
+              </a:srgbClr>
+            </a:solidFill>
+            <a:prstDash val="dash"/>
+            <a:headEnd type="none"/>
+            <a:tailEnd type="arrow"/>
+          </a:ln>
+          <a:effectLst/>
+        </p:spPr>
+      </p:cxnSp>
+      <p:sp>
+        <p:nvSpPr>
+          <p:cNvPr id="66" name="Rectangle 65"/>
           <p:cNvSpPr/>
           <p:nvPr/>
         </p:nvSpPr>
         <p:spPr>
           <a:xfrm>
-            <a:off x="8665611" y="3400781"/>
-            <a:ext cx="2230098" cy="276999"/>
+            <a:off x="3594838" y="1447560"/>
+            <a:ext cx="3996607" cy="276999"/>
           </a:xfrm>
           <a:prstGeom prst="rect">
             <a:avLst/>
@@ -4681,7 +4555,7 @@
                 <a:ea typeface="Monaco" charset="0"/>
                 <a:cs typeface="Monaco" charset="0"/>
               </a:rPr>
-              <a:t>2.Publish</a:t>
+              <a:t>3.Subscribe</a:t>
             </a:r>
             <a:r>
               <a:rPr lang="zh-CN" altLang="en-US" sz="1200" dirty="0" smtClean="0">
@@ -4695,7 +4569,7 @@
               <a:t> </a:t>
             </a:r>
             <a:r>
-              <a:rPr lang="en-US" altLang="zh-CN" sz="1200" dirty="0" smtClean="0">
+              <a:rPr lang="en-US" altLang="zh-CN" sz="1200" dirty="0" err="1" smtClean="0">
                 <a:solidFill>
                   <a:srgbClr val="004266"/>
                 </a:solidFill>
@@ -4703,29 +4577,7 @@
                 <a:ea typeface="Monaco" charset="0"/>
                 <a:cs typeface="Monaco" charset="0"/>
               </a:rPr>
-              <a:t>Change</a:t>
-            </a:r>
-            <a:r>
-              <a:rPr lang="zh-CN" altLang="en-US" sz="1200" dirty="0" smtClean="0">
-                <a:solidFill>
-                  <a:srgbClr val="004266"/>
-                </a:solidFill>
-                <a:latin typeface="Monaco" charset="0"/>
-                <a:ea typeface="Monaco" charset="0"/>
-                <a:cs typeface="Monaco" charset="0"/>
-              </a:rPr>
-              <a:t> </a:t>
-            </a:r>
-            <a:r>
-              <a:rPr lang="en-US" altLang="zh-CN" sz="1200" dirty="0" smtClean="0">
-                <a:solidFill>
-                  <a:srgbClr val="004266"/>
-                </a:solidFill>
-                <a:latin typeface="Monaco" charset="0"/>
-                <a:ea typeface="Monaco" charset="0"/>
-                <a:cs typeface="Monaco" charset="0"/>
-              </a:rPr>
-              <a:t>Event</a:t>
+              <a:t>RefreshRemoteApplicationEvent</a:t>
             </a:r>
             <a:endParaRPr lang="en-US" sz="1200" dirty="0">
               <a:solidFill>
@@ -4738,16 +4590,46 @@
           </a:p>
         </p:txBody>
       </p:sp>
-      <p:sp>
-        <p:nvSpPr>
-          <p:cNvPr id="25" name="Rectangle 24"/>
+      <p:cxnSp>
+        <p:nvCxnSpPr>
+          <p:cNvPr id="67" name="Straight Arrow Connector 46"/>
+          <p:cNvCxnSpPr>
+            <a:stCxn id="4" idx="2"/>
+          </p:cNvCxnSpPr>
+          <p:nvPr/>
+        </p:nvCxnSpPr>
+        <p:spPr>
+          <a:xfrm flipH="1" flipV="1">
+            <a:off x="2202873" y="4719203"/>
+            <a:ext cx="2284384" cy="1065333"/>
+          </a:xfrm>
+          <a:prstGeom prst="straightConnector1">
+            <a:avLst/>
+          </a:prstGeom>
+          <a:noFill/>
+          <a:ln w="19050" cap="flat" cmpd="sng" algn="ctr">
+            <a:solidFill>
+              <a:srgbClr val="00B2F2">
+                <a:lumMod val="50000"/>
+              </a:srgbClr>
+            </a:solidFill>
+            <a:prstDash val="dash"/>
+            <a:headEnd type="none"/>
+            <a:tailEnd type="arrow"/>
+          </a:ln>
+          <a:effectLst/>
+        </p:spPr>
+      </p:cxnSp>
+      <p:sp>
+        <p:nvSpPr>
+          <p:cNvPr id="73" name="Rectangle 72"/>
           <p:cNvSpPr/>
           <p:nvPr/>
         </p:nvSpPr>
         <p:spPr>
           <a:xfrm>
-            <a:off x="4366030" y="3215737"/>
-            <a:ext cx="2416046" cy="276999"/>
+            <a:off x="7875332" y="3400781"/>
+            <a:ext cx="3810659" cy="276999"/>
           </a:xfrm>
           <a:prstGeom prst="rect">
             <a:avLst/>
@@ -4777,18 +4659,7 @@
                 <a:ea typeface="Monaco" charset="0"/>
                 <a:cs typeface="Monaco" charset="0"/>
               </a:rPr>
-              <a:t>4</a:t>
-            </a:r>
-            <a:r>
-              <a:rPr lang="en-US" altLang="zh-CN" sz="1200" dirty="0" smtClean="0">
-                <a:solidFill>
-                  <a:srgbClr val="004266"/>
-                </a:solidFill>
-                <a:latin typeface="Monaco" charset="0"/>
-                <a:ea typeface="Monaco" charset="0"/>
-                <a:cs typeface="Monaco" charset="0"/>
-              </a:rPr>
-              <a:t>.Fetch</a:t>
+              <a:t>2.Publish</a:t>
             </a:r>
             <a:r>
               <a:rPr lang="zh-CN" altLang="en-US" sz="1200" dirty="0" smtClean="0">
@@ -4802,7 +4673,7 @@
               <a:t> </a:t>
             </a:r>
             <a:r>
-              <a:rPr lang="en-US" altLang="zh-CN" sz="1200" dirty="0" smtClean="0">
+              <a:rPr lang="en-US" altLang="zh-CN" sz="1200" dirty="0" err="1" smtClean="0">
                 <a:solidFill>
                   <a:srgbClr val="004266"/>
                 </a:solidFill>
@@ -4810,29 +4681,7 @@
                 <a:ea typeface="Monaco" charset="0"/>
                 <a:cs typeface="Monaco" charset="0"/>
               </a:rPr>
-              <a:t>Refreshed</a:t>
-            </a:r>
-            <a:r>
-              <a:rPr lang="zh-CN" altLang="en-US" sz="1200" dirty="0" smtClean="0">
-                <a:solidFill>
-                  <a:srgbClr val="004266"/>
-                </a:solidFill>
-                <a:latin typeface="Monaco" charset="0"/>
-                <a:ea typeface="Monaco" charset="0"/>
-                <a:cs typeface="Monaco" charset="0"/>
-              </a:rPr>
-              <a:t> </a:t>
-            </a:r>
-            <a:r>
-              <a:rPr lang="en-US" altLang="zh-CN" sz="1200" dirty="0" err="1" smtClean="0">
-                <a:solidFill>
-                  <a:srgbClr val="004266"/>
-                </a:solidFill>
-                <a:latin typeface="Monaco" charset="0"/>
-                <a:ea typeface="Monaco" charset="0"/>
-                <a:cs typeface="Monaco" charset="0"/>
-              </a:rPr>
-              <a:t>Config</a:t>
+              <a:t>RefreshRemoteApplicationEvent</a:t>
             </a:r>
             <a:endParaRPr lang="en-US" sz="1200" dirty="0">
               <a:solidFill>
@@ -4847,14 +4696,14 @@
       </p:sp>
       <p:sp>
         <p:nvSpPr>
-          <p:cNvPr id="26" name="Rectangle 25"/>
+          <p:cNvPr id="25" name="Rectangle 24"/>
           <p:cNvSpPr/>
           <p:nvPr/>
         </p:nvSpPr>
         <p:spPr>
           <a:xfrm>
-            <a:off x="4773802" y="5130729"/>
-            <a:ext cx="2137125" cy="276999"/>
+            <a:off x="4366030" y="3215737"/>
+            <a:ext cx="2416046" cy="276999"/>
           </a:xfrm>
           <a:prstGeom prst="rect">
             <a:avLst/>
@@ -4876,6 +4725,102 @@
               <a:defRPr/>
             </a:pPr>
             <a:r>
+              <a:rPr lang="en-US" altLang="zh-CN" sz="1200" dirty="0" smtClean="0">
+                <a:solidFill>
+                  <a:srgbClr val="004266"/>
+                </a:solidFill>
+                <a:latin typeface="Monaco" charset="0"/>
+                <a:ea typeface="Monaco" charset="0"/>
+                <a:cs typeface="Monaco" charset="0"/>
+              </a:rPr>
+              <a:t>4.Fetch</a:t>
+            </a:r>
+            <a:r>
+              <a:rPr lang="zh-CN" altLang="en-US" sz="1200" dirty="0" smtClean="0">
+                <a:solidFill>
+                  <a:srgbClr val="004266"/>
+                </a:solidFill>
+                <a:latin typeface="Monaco" charset="0"/>
+                <a:ea typeface="Monaco" charset="0"/>
+                <a:cs typeface="Monaco" charset="0"/>
+              </a:rPr>
+              <a:t> </a:t>
+            </a:r>
+            <a:r>
+              <a:rPr lang="en-US" altLang="zh-CN" sz="1200" dirty="0" smtClean="0">
+                <a:solidFill>
+                  <a:srgbClr val="004266"/>
+                </a:solidFill>
+                <a:latin typeface="Monaco" charset="0"/>
+                <a:ea typeface="Monaco" charset="0"/>
+                <a:cs typeface="Monaco" charset="0"/>
+              </a:rPr>
+              <a:t>Refreshed</a:t>
+            </a:r>
+            <a:r>
+              <a:rPr lang="zh-CN" altLang="en-US" sz="1200" dirty="0" smtClean="0">
+                <a:solidFill>
+                  <a:srgbClr val="004266"/>
+                </a:solidFill>
+                <a:latin typeface="Monaco" charset="0"/>
+                <a:ea typeface="Monaco" charset="0"/>
+                <a:cs typeface="Monaco" charset="0"/>
+              </a:rPr>
+              <a:t> </a:t>
+            </a:r>
+            <a:r>
+              <a:rPr lang="en-US" altLang="zh-CN" sz="1200" dirty="0" err="1" smtClean="0">
+                <a:solidFill>
+                  <a:srgbClr val="004266"/>
+                </a:solidFill>
+                <a:latin typeface="Monaco" charset="0"/>
+                <a:ea typeface="Monaco" charset="0"/>
+                <a:cs typeface="Monaco" charset="0"/>
+              </a:rPr>
+              <a:t>Config</a:t>
+            </a:r>
+            <a:endParaRPr lang="en-US" sz="1200" dirty="0">
+              <a:solidFill>
+                <a:srgbClr val="004266"/>
+              </a:solidFill>
+              <a:latin typeface="Monaco" charset="0"/>
+              <a:ea typeface="Monaco" charset="0"/>
+              <a:cs typeface="Monaco" charset="0"/>
+            </a:endParaRPr>
+          </a:p>
+        </p:txBody>
+      </p:sp>
+      <p:sp>
+        <p:nvSpPr>
+          <p:cNvPr id="26" name="Rectangle 25"/>
+          <p:cNvSpPr/>
+          <p:nvPr/>
+        </p:nvSpPr>
+        <p:spPr>
+          <a:xfrm>
+            <a:off x="4773802" y="5130729"/>
+            <a:ext cx="2137125" cy="276999"/>
+          </a:xfrm>
+          <a:prstGeom prst="rect">
+            <a:avLst/>
+          </a:prstGeom>
+        </p:spPr>
+        <p:txBody>
+          <a:bodyPr wrap="none">
+            <a:spAutoFit/>
+          </a:bodyPr>
+          <a:lstStyle/>
+          <a:p>
+            <a:pPr algn="ctr" defTabSz="914377" eaLnBrk="0" fontAlgn="base">
+              <a:spcBef>
+                <a:spcPct val="0"/>
+              </a:spcBef>
+              <a:spcAft>
+                <a:spcPct val="0"/>
+              </a:spcAft>
+              <a:defRPr/>
+            </a:pPr>
+            <a:r>
               <a:rPr lang="en-US" altLang="zh-CN" sz="1200" dirty="0">
                 <a:solidFill>
                   <a:srgbClr val="004266"/>
@@ -4940,6 +4885,163 @@
                 <a:cs typeface="Monaco" charset="0"/>
               </a:rPr>
               <a:t>Config</a:t>
+            </a:r>
+            <a:endParaRPr lang="en-US" sz="1200" dirty="0">
+              <a:solidFill>
+                <a:srgbClr val="004266"/>
+              </a:solidFill>
+              <a:latin typeface="Monaco" charset="0"/>
+              <a:ea typeface="Monaco" charset="0"/>
+              <a:cs typeface="Monaco" charset="0"/>
+            </a:endParaRPr>
+          </a:p>
+        </p:txBody>
+      </p:sp>
+      <p:sp>
+        <p:nvSpPr>
+          <p:cNvPr id="30" name="Rectangle 29"/>
+          <p:cNvSpPr/>
+          <p:nvPr/>
+        </p:nvSpPr>
+        <p:spPr>
+          <a:xfrm>
+            <a:off x="6811109" y="3816279"/>
+            <a:ext cx="3996607" cy="276999"/>
+          </a:xfrm>
+          <a:prstGeom prst="rect">
+            <a:avLst/>
+          </a:prstGeom>
+        </p:spPr>
+        <p:txBody>
+          <a:bodyPr wrap="none">
+            <a:spAutoFit/>
+          </a:bodyPr>
+          <a:lstStyle/>
+          <a:p>
+            <a:pPr algn="ctr" defTabSz="914377" eaLnBrk="0" fontAlgn="base">
+              <a:spcBef>
+                <a:spcPct val="0"/>
+              </a:spcBef>
+              <a:spcAft>
+                <a:spcPct val="0"/>
+              </a:spcAft>
+              <a:defRPr/>
+            </a:pPr>
+            <a:r>
+              <a:rPr lang="en-US" altLang="zh-CN" sz="1200" dirty="0" smtClean="0">
+                <a:solidFill>
+                  <a:srgbClr val="004266"/>
+                </a:solidFill>
+                <a:latin typeface="Monaco" charset="0"/>
+                <a:ea typeface="Monaco" charset="0"/>
+                <a:cs typeface="Monaco" charset="0"/>
+              </a:rPr>
+              <a:t>3.Subscribe</a:t>
+            </a:r>
+            <a:r>
+              <a:rPr lang="zh-CN" altLang="en-US" sz="1200" dirty="0" smtClean="0">
+                <a:solidFill>
+                  <a:srgbClr val="004266"/>
+                </a:solidFill>
+                <a:latin typeface="Monaco" charset="0"/>
+                <a:ea typeface="Monaco" charset="0"/>
+                <a:cs typeface="Monaco" charset="0"/>
+              </a:rPr>
+              <a:t> </a:t>
+            </a:r>
+            <a:r>
+              <a:rPr lang="en-US" altLang="zh-CN" sz="1200" dirty="0" err="1" smtClean="0">
+                <a:solidFill>
+                  <a:srgbClr val="004266"/>
+                </a:solidFill>
+                <a:latin typeface="Monaco" charset="0"/>
+                <a:ea typeface="Monaco" charset="0"/>
+                <a:cs typeface="Monaco" charset="0"/>
+              </a:rPr>
+              <a:t>RefreshRemoteApplicationEvent</a:t>
+            </a:r>
+            <a:endParaRPr lang="en-US" sz="1200" dirty="0">
+              <a:solidFill>
+                <a:srgbClr val="004266"/>
+              </a:solidFill>
+              <a:latin typeface="Monaco" charset="0"/>
+              <a:ea typeface="Monaco" charset="0"/>
+              <a:cs typeface="Monaco" charset="0"/>
+            </a:endParaRPr>
+          </a:p>
+        </p:txBody>
+      </p:sp>
+      <p:cxnSp>
+        <p:nvCxnSpPr>
+          <p:cNvPr id="31" name="Straight Arrow Connector 46"/>
+          <p:cNvCxnSpPr>
+            <a:stCxn id="46" idx="2"/>
+            <a:endCxn id="6" idx="0"/>
+          </p:cNvCxnSpPr>
+          <p:nvPr/>
+        </p:nvCxnSpPr>
+        <p:spPr>
+          <a:xfrm>
+            <a:off x="5624023" y="1174394"/>
+            <a:ext cx="1262378" cy="3008984"/>
+          </a:xfrm>
+          <a:prstGeom prst="straightConnector1">
+            <a:avLst/>
+          </a:prstGeom>
+          <a:noFill/>
+          <a:ln w="19050" cap="flat" cmpd="sng" algn="ctr">
+            <a:solidFill>
+              <a:srgbClr val="00B2F2">
+                <a:lumMod val="50000"/>
+              </a:srgbClr>
+            </a:solidFill>
+            <a:prstDash val="dash"/>
+            <a:headEnd type="none"/>
+            <a:tailEnd type="arrow"/>
+          </a:ln>
+          <a:effectLst/>
+        </p:spPr>
+      </p:cxnSp>
+      <p:sp>
+        <p:nvSpPr>
+          <p:cNvPr id="35" name="Rectangle 34"/>
+          <p:cNvSpPr/>
+          <p:nvPr/>
+        </p:nvSpPr>
+        <p:spPr>
+          <a:xfrm>
+            <a:off x="3042307" y="5317291"/>
+            <a:ext cx="835486" cy="276999"/>
+          </a:xfrm>
+          <a:prstGeom prst="rect">
+            <a:avLst/>
+          </a:prstGeom>
+        </p:spPr>
+        <p:txBody>
+          <a:bodyPr wrap="none">
+            <a:spAutoFit/>
+          </a:bodyPr>
+          <a:lstStyle/>
+          <a:p>
+            <a:pPr algn="ctr" defTabSz="914377" eaLnBrk="0" fontAlgn="base">
+              <a:spcBef>
+                <a:spcPct val="0"/>
+              </a:spcBef>
+              <a:spcAft>
+                <a:spcPct val="0"/>
+              </a:spcAft>
+              <a:defRPr/>
+            </a:pPr>
+            <a:r>
+              <a:rPr lang="en-US" altLang="zh-CN" sz="1200" dirty="0" err="1" smtClean="0">
+                <a:solidFill>
+                  <a:srgbClr val="004266"/>
+                </a:solidFill>
+                <a:latin typeface="Monaco" charset="0"/>
+                <a:ea typeface="Monaco" charset="0"/>
+                <a:cs typeface="Monaco" charset="0"/>
+              </a:rPr>
+              <a:t>webhook</a:t>
             </a:r>
             <a:endParaRPr lang="en-US" sz="1200" dirty="0">
               <a:solidFill>
